--- a/pptx_output/Massnahmenkarten.pptx
+++ b/pptx_output/Massnahmenkarten.pptx
@@ -3242,7 +3242,7 @@
         <p:spPr>
           <a:xfrm>
             <a:off x="0" y="0"/>
-            <a:ext cx="9144000" cy="1280160"/>
+            <a:ext cx="9144000" cy="1737360"/>
           </a:xfrm>
           <a:prstGeom prst="rect">
             <a:avLst/>
@@ -3284,8 +3284,8 @@
         </p:nvSpPr>
         <p:spPr>
           <a:xfrm>
-            <a:off x="274320" y="182880"/>
-            <a:ext cx="8595360" cy="548640"/>
+            <a:off x="274320" y="137160"/>
+            <a:ext cx="8595360" cy="457200"/>
           </a:xfrm>
           <a:prstGeom prst="rect">
             <a:avLst/>
@@ -3299,7 +3299,7 @@
           <a:lstStyle/>
           <a:p>
             <a:pPr>
-              <a:defRPr sz="3200" b="1">
+              <a:defRPr sz="2800" b="1">
                 <a:solidFill>
                   <a:srgbClr val="FFFFFF"/>
                 </a:solidFill>
@@ -3319,7 +3319,42 @@
         </p:nvSpPr>
         <p:spPr>
           <a:xfrm>
-            <a:off x="274320" y="777240"/>
+            <a:off x="274320" y="594360"/>
+            <a:ext cx="8595360" cy="640080"/>
+          </a:xfrm>
+          <a:prstGeom prst="rect">
+            <a:avLst/>
+          </a:prstGeom>
+          <a:noFill/>
+        </p:spPr>
+        <p:txBody>
+          <a:bodyPr wrap="square">
+            <a:spAutoFit/>
+          </a:bodyPr>
+          <a:lstStyle/>
+          <a:p>
+            <a:pPr>
+              <a:defRPr sz="1400">
+                <a:solidFill>
+                  <a:srgbClr val="F8F9FA"/>
+                </a:solidFill>
+              </a:defRPr>
+            </a:pPr>
+            <a:r>
+              <a:t>Sichert Daten und Dienste in der Cloud ab. Prüft automatisch, ob Cloud-Systeme sicher konfiguriert sind.</a:t>
+            </a:r>
+          </a:p>
+        </p:txBody>
+      </p:sp>
+      <p:sp>
+        <p:nvSpPr>
+          <p:cNvPr id="5" name="TextBox 4"/>
+          <p:cNvSpPr txBox="1"/>
+          <p:nvPr/>
+        </p:nvSpPr>
+        <p:spPr>
+          <a:xfrm>
+            <a:off x="274320" y="1280160"/>
             <a:ext cx="8595360" cy="365760"/>
           </a:xfrm>
           <a:prstGeom prst="rect">
@@ -3334,28 +3369,28 @@
           <a:lstStyle/>
           <a:p>
             <a:pPr>
-              <a:defRPr sz="1600" i="1">
+              <a:defRPr sz="1100" i="1">
                 <a:solidFill>
                   <a:srgbClr val="F8F9FA"/>
                 </a:solidFill>
               </a:defRPr>
             </a:pPr>
             <a:r>
-              <a:t>Fokus: Cloud-Konfigurationen überwachen &amp; absichern</a:t>
-            </a:r>
-          </a:p>
-        </p:txBody>
-      </p:sp>
-      <p:sp>
-        <p:nvSpPr>
-          <p:cNvPr id="5" name="Rounded Rectangle 4"/>
+              <a:t>Technischer Fokus: Cloud-Konfigurationen überwachen &amp; absichern</a:t>
+            </a:r>
+          </a:p>
+        </p:txBody>
+      </p:sp>
+      <p:sp>
+        <p:nvSpPr>
+          <p:cNvPr id="6" name="Rounded Rectangle 5"/>
           <p:cNvSpPr/>
           <p:nvPr/>
         </p:nvSpPr>
         <p:spPr>
           <a:xfrm>
-            <a:off x="228600" y="1463040"/>
-            <a:ext cx="2834640" cy="5029200"/>
+            <a:off x="228600" y="1920240"/>
+            <a:ext cx="2834640" cy="4754880"/>
           </a:xfrm>
           <a:prstGeom prst="roundRect">
             <a:avLst/>
@@ -3393,14 +3428,14 @@
       </p:sp>
       <p:sp>
         <p:nvSpPr>
-          <p:cNvPr id="6" name="Rectangle 5"/>
+          <p:cNvPr id="7" name="Rectangle 6"/>
           <p:cNvSpPr/>
           <p:nvPr/>
         </p:nvSpPr>
         <p:spPr>
           <a:xfrm>
-            <a:off x="228600" y="1463040"/>
-            <a:ext cx="2834640" cy="457200"/>
+            <a:off x="228600" y="1920240"/>
+            <a:ext cx="2834640" cy="411480"/>
           </a:xfrm>
           <a:prstGeom prst="rect">
             <a:avLst/>
@@ -3436,13 +3471,13 @@
       </p:sp>
       <p:sp>
         <p:nvSpPr>
-          <p:cNvPr id="7" name="TextBox 6"/>
-          <p:cNvSpPr txBox="1"/>
-          <p:nvPr/>
-        </p:nvSpPr>
-        <p:spPr>
-          <a:xfrm>
-            <a:off x="228600" y="1508760"/>
+          <p:cNvPr id="8" name="TextBox 7"/>
+          <p:cNvSpPr txBox="1"/>
+          <p:nvPr/>
+        </p:nvSpPr>
+        <p:spPr>
+          <a:xfrm>
+            <a:off x="228600" y="1947672"/>
             <a:ext cx="2834640" cy="365760"/>
           </a:xfrm>
           <a:prstGeom prst="rect">
@@ -3457,7 +3492,7 @@
           <a:lstStyle/>
           <a:p>
             <a:pPr algn="ctr">
-              <a:defRPr sz="1400" b="1">
+              <a:defRPr sz="1300" b="1">
                 <a:solidFill>
                   <a:srgbClr val="FFFFFF"/>
                 </a:solidFill>
@@ -3471,14 +3506,14 @@
       </p:sp>
       <p:sp>
         <p:nvSpPr>
-          <p:cNvPr id="8" name="TextBox 7"/>
-          <p:cNvSpPr txBox="1"/>
-          <p:nvPr/>
-        </p:nvSpPr>
-        <p:spPr>
-          <a:xfrm>
-            <a:off x="320040" y="1965960"/>
-            <a:ext cx="2651760" cy="731520"/>
+          <p:cNvPr id="9" name="TextBox 8"/>
+          <p:cNvSpPr txBox="1"/>
+          <p:nvPr/>
+        </p:nvSpPr>
+        <p:spPr>
+          <a:xfrm>
+            <a:off x="301752" y="2377440"/>
+            <a:ext cx="2688336" cy="685800"/>
           </a:xfrm>
           <a:prstGeom prst="rect">
             <a:avLst/>
@@ -3492,28 +3527,28 @@
           <a:lstStyle/>
           <a:p>
             <a:pPr>
-              <a:defRPr sz="1100">
-                <a:solidFill>
-                  <a:srgbClr val="343A40"/>
-                </a:solidFill>
-              </a:defRPr>
-            </a:pPr>
-            <a:r>
-              <a:t>Basis-Monitoring Cloud-Backup (Veeam)</a:t>
-            </a:r>
-          </a:p>
-        </p:txBody>
-      </p:sp>
-      <p:sp>
-        <p:nvSpPr>
-          <p:cNvPr id="9" name="TextBox 8"/>
-          <p:cNvSpPr txBox="1"/>
-          <p:nvPr/>
-        </p:nvSpPr>
-        <p:spPr>
-          <a:xfrm>
-            <a:off x="320040" y="2697480"/>
-            <a:ext cx="2651760" cy="548640"/>
+              <a:defRPr sz="1000">
+                <a:solidFill>
+                  <a:srgbClr val="343A40"/>
+                </a:solidFill>
+              </a:defRPr>
+            </a:pPr>
+            <a:r>
+              <a:t>Grundschutz: Einfache Überwachung der Cloud-Backups.</a:t>
+            </a:r>
+          </a:p>
+        </p:txBody>
+      </p:sp>
+      <p:sp>
+        <p:nvSpPr>
+          <p:cNvPr id="10" name="TextBox 9"/>
+          <p:cNvSpPr txBox="1"/>
+          <p:nvPr/>
+        </p:nvSpPr>
+        <p:spPr>
+          <a:xfrm>
+            <a:off x="301752" y="3108960"/>
+            <a:ext cx="2688336" cy="502920"/>
           </a:xfrm>
           <a:prstGeom prst="rect">
             <a:avLst/>
@@ -3527,20 +3562,20 @@
           <a:lstStyle/>
           <a:p>
             <a:pPr>
+              <a:defRPr sz="1000" b="1">
+                <a:solidFill>
+                  <a:srgbClr val="343A40"/>
+                </a:solidFill>
+              </a:defRPr>
+            </a:pPr>
+            <a:r>
+              <a:t>CIA-Beitrag:</a:t>
+            </a:r>
+          </a:p>
+          <a:p>
+            <a:pPr>
               <a:defRPr sz="1100" b="1">
                 <a:solidFill>
-                  <a:srgbClr val="343A40"/>
-                </a:solidFill>
-              </a:defRPr>
-            </a:pPr>
-            <a:r>
-              <a:t>CIA-Beitrag:</a:t>
-            </a:r>
-          </a:p>
-          <a:p>
-            <a:pPr>
-              <a:defRPr sz="1200" b="1">
-                <a:solidFill>
                   <a:srgbClr val="007AC2"/>
                 </a:solidFill>
               </a:defRPr>
@@ -3553,14 +3588,14 @@
       </p:sp>
       <p:sp>
         <p:nvSpPr>
-          <p:cNvPr id="10" name="TextBox 9"/>
-          <p:cNvSpPr txBox="1"/>
-          <p:nvPr/>
-        </p:nvSpPr>
-        <p:spPr>
-          <a:xfrm>
-            <a:off x="320040" y="3246120"/>
-            <a:ext cx="2651760" cy="548640"/>
+          <p:cNvPr id="11" name="TextBox 10"/>
+          <p:cNvSpPr txBox="1"/>
+          <p:nvPr/>
+        </p:nvSpPr>
+        <p:spPr>
+          <a:xfrm>
+            <a:off x="301752" y="3611880"/>
+            <a:ext cx="2688336" cy="502920"/>
           </a:xfrm>
           <a:prstGeom prst="rect">
             <a:avLst/>
@@ -3574,7 +3609,7 @@
           <a:lstStyle/>
           <a:p>
             <a:pPr>
-              <a:defRPr sz="1100" b="1">
+              <a:defRPr sz="1000" b="1">
                 <a:solidFill>
                   <a:srgbClr val="343A40"/>
                 </a:solidFill>
@@ -3586,7 +3621,7 @@
           </a:p>
           <a:p>
             <a:pPr>
-              <a:defRPr sz="1100">
+              <a:defRPr sz="1000">
                 <a:solidFill>
                   <a:srgbClr val="343A40"/>
                 </a:solidFill>
@@ -3600,14 +3635,14 @@
       </p:sp>
       <p:sp>
         <p:nvSpPr>
-          <p:cNvPr id="11" name="TextBox 10"/>
-          <p:cNvSpPr txBox="1"/>
-          <p:nvPr/>
-        </p:nvSpPr>
-        <p:spPr>
-          <a:xfrm>
-            <a:off x="320040" y="3794760"/>
-            <a:ext cx="2651760" cy="1280160"/>
+          <p:cNvPr id="12" name="TextBox 11"/>
+          <p:cNvSpPr txBox="1"/>
+          <p:nvPr/>
+        </p:nvSpPr>
+        <p:spPr>
+          <a:xfrm>
+            <a:off x="301752" y="4114800"/>
+            <a:ext cx="2688336" cy="1188720"/>
           </a:xfrm>
           <a:prstGeom prst="rect">
             <a:avLst/>
@@ -3621,7 +3656,7 @@
           <a:lstStyle/>
           <a:p>
             <a:pPr>
-              <a:defRPr sz="1100" b="1">
+              <a:defRPr sz="1000" b="1">
                 <a:solidFill>
                   <a:srgbClr val="343A40"/>
                 </a:solidFill>
@@ -3633,7 +3668,7 @@
           </a:p>
           <a:p>
             <a:pPr>
-              <a:defRPr sz="1100" i="1">
+              <a:defRPr sz="1000" i="1">
                 <a:solidFill>
                   <a:srgbClr val="343A40"/>
                 </a:solidFill>
@@ -3647,14 +3682,14 @@
       </p:sp>
       <p:sp>
         <p:nvSpPr>
-          <p:cNvPr id="12" name="Rounded Rectangle 11"/>
+          <p:cNvPr id="13" name="Rounded Rectangle 12"/>
           <p:cNvSpPr/>
           <p:nvPr/>
         </p:nvSpPr>
         <p:spPr>
           <a:xfrm>
-            <a:off x="3154680" y="1463040"/>
-            <a:ext cx="2834640" cy="5029200"/>
+            <a:off x="3154680" y="1920240"/>
+            <a:ext cx="2834640" cy="4754880"/>
           </a:xfrm>
           <a:prstGeom prst="roundRect">
             <a:avLst/>
@@ -3692,14 +3727,14 @@
       </p:sp>
       <p:sp>
         <p:nvSpPr>
-          <p:cNvPr id="13" name="Rectangle 12"/>
+          <p:cNvPr id="14" name="Rectangle 13"/>
           <p:cNvSpPr/>
           <p:nvPr/>
         </p:nvSpPr>
         <p:spPr>
           <a:xfrm>
-            <a:off x="3154680" y="1463040"/>
-            <a:ext cx="2834640" cy="457200"/>
+            <a:off x="3154680" y="1920240"/>
+            <a:ext cx="2834640" cy="411480"/>
           </a:xfrm>
           <a:prstGeom prst="rect">
             <a:avLst/>
@@ -3735,13 +3770,13 @@
       </p:sp>
       <p:sp>
         <p:nvSpPr>
-          <p:cNvPr id="14" name="TextBox 13"/>
-          <p:cNvSpPr txBox="1"/>
-          <p:nvPr/>
-        </p:nvSpPr>
-        <p:spPr>
-          <a:xfrm>
-            <a:off x="3154680" y="1508760"/>
+          <p:cNvPr id="15" name="TextBox 14"/>
+          <p:cNvSpPr txBox="1"/>
+          <p:nvPr/>
+        </p:nvSpPr>
+        <p:spPr>
+          <a:xfrm>
+            <a:off x="3154680" y="1947672"/>
             <a:ext cx="2834640" cy="365760"/>
           </a:xfrm>
           <a:prstGeom prst="rect">
@@ -3756,7 +3791,7 @@
           <a:lstStyle/>
           <a:p>
             <a:pPr algn="ctr">
-              <a:defRPr sz="1400" b="1">
+              <a:defRPr sz="1300" b="1">
                 <a:solidFill>
                   <a:srgbClr val="FFFFFF"/>
                 </a:solidFill>
@@ -3770,14 +3805,14 @@
       </p:sp>
       <p:sp>
         <p:nvSpPr>
-          <p:cNvPr id="15" name="TextBox 14"/>
-          <p:cNvSpPr txBox="1"/>
-          <p:nvPr/>
-        </p:nvSpPr>
-        <p:spPr>
-          <a:xfrm>
-            <a:off x="3246120" y="1965960"/>
-            <a:ext cx="2651760" cy="731520"/>
+          <p:cNvPr id="16" name="TextBox 15"/>
+          <p:cNvSpPr txBox="1"/>
+          <p:nvPr/>
+        </p:nvSpPr>
+        <p:spPr>
+          <a:xfrm>
+            <a:off x="3227832" y="2377440"/>
+            <a:ext cx="2688336" cy="685800"/>
           </a:xfrm>
           <a:prstGeom prst="rect">
             <a:avLst/>
@@ -3791,28 +3826,28 @@
           <a:lstStyle/>
           <a:p>
             <a:pPr>
-              <a:defRPr sz="1100">
-                <a:solidFill>
-                  <a:srgbClr val="343A40"/>
-                </a:solidFill>
-              </a:defRPr>
-            </a:pPr>
-            <a:r>
-              <a:t>CSPM-Tool (z.B. Prisma Cloud), Compliance-Checks</a:t>
-            </a:r>
-          </a:p>
-        </p:txBody>
-      </p:sp>
-      <p:sp>
-        <p:nvSpPr>
-          <p:cNvPr id="16" name="TextBox 15"/>
-          <p:cNvSpPr txBox="1"/>
-          <p:nvPr/>
-        </p:nvSpPr>
-        <p:spPr>
-          <a:xfrm>
-            <a:off x="3246120" y="2697480"/>
-            <a:ext cx="2651760" cy="548640"/>
+              <a:defRPr sz="1000">
+                <a:solidFill>
+                  <a:srgbClr val="343A40"/>
+                </a:solidFill>
+              </a:defRPr>
+            </a:pPr>
+            <a:r>
+              <a:t>Besser: Automatische Prüfung ob Cloud-Einstellungen den Sicherheitsrichtlinien entsprechen.</a:t>
+            </a:r>
+          </a:p>
+        </p:txBody>
+      </p:sp>
+      <p:sp>
+        <p:nvSpPr>
+          <p:cNvPr id="17" name="TextBox 16"/>
+          <p:cNvSpPr txBox="1"/>
+          <p:nvPr/>
+        </p:nvSpPr>
+        <p:spPr>
+          <a:xfrm>
+            <a:off x="3227832" y="3108960"/>
+            <a:ext cx="2688336" cy="502920"/>
           </a:xfrm>
           <a:prstGeom prst="rect">
             <a:avLst/>
@@ -3826,20 +3861,20 @@
           <a:lstStyle/>
           <a:p>
             <a:pPr>
+              <a:defRPr sz="1000" b="1">
+                <a:solidFill>
+                  <a:srgbClr val="343A40"/>
+                </a:solidFill>
+              </a:defRPr>
+            </a:pPr>
+            <a:r>
+              <a:t>CIA-Beitrag:</a:t>
+            </a:r>
+          </a:p>
+          <a:p>
+            <a:pPr>
               <a:defRPr sz="1100" b="1">
                 <a:solidFill>
-                  <a:srgbClr val="343A40"/>
-                </a:solidFill>
-              </a:defRPr>
-            </a:pPr>
-            <a:r>
-              <a:t>CIA-Beitrag:</a:t>
-            </a:r>
-          </a:p>
-          <a:p>
-            <a:pPr>
-              <a:defRPr sz="1200" b="1">
-                <a:solidFill>
                   <a:srgbClr val="007AC2"/>
                 </a:solidFill>
               </a:defRPr>
@@ -3852,14 +3887,14 @@
       </p:sp>
       <p:sp>
         <p:nvSpPr>
-          <p:cNvPr id="17" name="TextBox 16"/>
-          <p:cNvSpPr txBox="1"/>
-          <p:nvPr/>
-        </p:nvSpPr>
-        <p:spPr>
-          <a:xfrm>
-            <a:off x="3246120" y="3246120"/>
-            <a:ext cx="2651760" cy="548640"/>
+          <p:cNvPr id="18" name="TextBox 17"/>
+          <p:cNvSpPr txBox="1"/>
+          <p:nvPr/>
+        </p:nvSpPr>
+        <p:spPr>
+          <a:xfrm>
+            <a:off x="3227832" y="3611880"/>
+            <a:ext cx="2688336" cy="502920"/>
           </a:xfrm>
           <a:prstGeom prst="rect">
             <a:avLst/>
@@ -3873,7 +3908,7 @@
           <a:lstStyle/>
           <a:p>
             <a:pPr>
-              <a:defRPr sz="1100" b="1">
+              <a:defRPr sz="1000" b="1">
                 <a:solidFill>
                   <a:srgbClr val="343A40"/>
                 </a:solidFill>
@@ -3885,7 +3920,7 @@
           </a:p>
           <a:p>
             <a:pPr>
-              <a:defRPr sz="1100">
+              <a:defRPr sz="1000">
                 <a:solidFill>
                   <a:srgbClr val="343A40"/>
                 </a:solidFill>
@@ -3899,14 +3934,14 @@
       </p:sp>
       <p:sp>
         <p:nvSpPr>
-          <p:cNvPr id="18" name="TextBox 17"/>
-          <p:cNvSpPr txBox="1"/>
-          <p:nvPr/>
-        </p:nvSpPr>
-        <p:spPr>
-          <a:xfrm>
-            <a:off x="3246120" y="3794760"/>
-            <a:ext cx="2651760" cy="1280160"/>
+          <p:cNvPr id="19" name="TextBox 18"/>
+          <p:cNvSpPr txBox="1"/>
+          <p:nvPr/>
+        </p:nvSpPr>
+        <p:spPr>
+          <a:xfrm>
+            <a:off x="3227832" y="4114800"/>
+            <a:ext cx="2688336" cy="1188720"/>
           </a:xfrm>
           <a:prstGeom prst="rect">
             <a:avLst/>
@@ -3920,7 +3955,7 @@
           <a:lstStyle/>
           <a:p>
             <a:pPr>
-              <a:defRPr sz="1100" b="1">
+              <a:defRPr sz="1000" b="1">
                 <a:solidFill>
                   <a:srgbClr val="343A40"/>
                 </a:solidFill>
@@ -3932,7 +3967,7 @@
           </a:p>
           <a:p>
             <a:pPr>
-              <a:defRPr sz="1100" i="1">
+              <a:defRPr sz="1000" i="1">
                 <a:solidFill>
                   <a:srgbClr val="343A40"/>
                 </a:solidFill>
@@ -3946,14 +3981,14 @@
       </p:sp>
       <p:sp>
         <p:nvSpPr>
-          <p:cNvPr id="19" name="Rounded Rectangle 18"/>
+          <p:cNvPr id="20" name="Rounded Rectangle 19"/>
           <p:cNvSpPr/>
           <p:nvPr/>
         </p:nvSpPr>
         <p:spPr>
           <a:xfrm>
-            <a:off x="6080760" y="1463040"/>
-            <a:ext cx="2834640" cy="5029200"/>
+            <a:off x="6080760" y="1920240"/>
+            <a:ext cx="2834640" cy="4754880"/>
           </a:xfrm>
           <a:prstGeom prst="roundRect">
             <a:avLst/>
@@ -3991,14 +4026,14 @@
       </p:sp>
       <p:sp>
         <p:nvSpPr>
-          <p:cNvPr id="20" name="Rectangle 19"/>
+          <p:cNvPr id="21" name="Rectangle 20"/>
           <p:cNvSpPr/>
           <p:nvPr/>
         </p:nvSpPr>
         <p:spPr>
           <a:xfrm>
-            <a:off x="6080760" y="1463040"/>
-            <a:ext cx="2834640" cy="457200"/>
+            <a:off x="6080760" y="1920240"/>
+            <a:ext cx="2834640" cy="411480"/>
           </a:xfrm>
           <a:prstGeom prst="rect">
             <a:avLst/>
@@ -4034,13 +4069,13 @@
       </p:sp>
       <p:sp>
         <p:nvSpPr>
-          <p:cNvPr id="21" name="TextBox 20"/>
-          <p:cNvSpPr txBox="1"/>
-          <p:nvPr/>
-        </p:nvSpPr>
-        <p:spPr>
-          <a:xfrm>
-            <a:off x="6080760" y="1508760"/>
+          <p:cNvPr id="22" name="TextBox 21"/>
+          <p:cNvSpPr txBox="1"/>
+          <p:nvPr/>
+        </p:nvSpPr>
+        <p:spPr>
+          <a:xfrm>
+            <a:off x="6080760" y="1947672"/>
             <a:ext cx="2834640" cy="365760"/>
           </a:xfrm>
           <a:prstGeom prst="rect">
@@ -4055,7 +4090,7 @@
           <a:lstStyle/>
           <a:p>
             <a:pPr algn="ctr">
-              <a:defRPr sz="1400" b="1">
+              <a:defRPr sz="1300" b="1">
                 <a:solidFill>
                   <a:srgbClr val="FFFFFF"/>
                 </a:solidFill>
@@ -4069,14 +4104,14 @@
       </p:sp>
       <p:sp>
         <p:nvSpPr>
-          <p:cNvPr id="22" name="TextBox 21"/>
-          <p:cNvSpPr txBox="1"/>
-          <p:nvPr/>
-        </p:nvSpPr>
-        <p:spPr>
-          <a:xfrm>
-            <a:off x="6172200" y="1965960"/>
-            <a:ext cx="2651760" cy="731520"/>
+          <p:cNvPr id="23" name="TextBox 22"/>
+          <p:cNvSpPr txBox="1"/>
+          <p:nvPr/>
+        </p:nvSpPr>
+        <p:spPr>
+          <a:xfrm>
+            <a:off x="6153912" y="2377440"/>
+            <a:ext cx="2688336" cy="685800"/>
           </a:xfrm>
           <a:prstGeom prst="rect">
             <a:avLst/>
@@ -4090,28 +4125,28 @@
           <a:lstStyle/>
           <a:p>
             <a:pPr>
-              <a:defRPr sz="1100">
-                <a:solidFill>
-                  <a:srgbClr val="343A40"/>
-                </a:solidFill>
-              </a:defRPr>
-            </a:pPr>
-            <a:r>
-              <a:t>Multi-Cloud-Security, IaC-Scanning, CNAPP</a:t>
-            </a:r>
-          </a:p>
-        </p:txBody>
-      </p:sp>
-      <p:sp>
-        <p:nvSpPr>
-          <p:cNvPr id="23" name="TextBox 22"/>
-          <p:cNvSpPr txBox="1"/>
-          <p:nvPr/>
-        </p:nvSpPr>
-        <p:spPr>
-          <a:xfrm>
-            <a:off x="6172200" y="2697480"/>
-            <a:ext cx="2651760" cy="548640"/>
+              <a:defRPr sz="1000">
+                <a:solidFill>
+                  <a:srgbClr val="343A40"/>
+                </a:solidFill>
+              </a:defRPr>
+            </a:pPr>
+            <a:r>
+              <a:t>Premium: Umfassende Sicherheit über mehrere Cloud-Anbieter, automatische Prüfung aller Cloud-Konfigurationen.</a:t>
+            </a:r>
+          </a:p>
+        </p:txBody>
+      </p:sp>
+      <p:sp>
+        <p:nvSpPr>
+          <p:cNvPr id="24" name="TextBox 23"/>
+          <p:cNvSpPr txBox="1"/>
+          <p:nvPr/>
+        </p:nvSpPr>
+        <p:spPr>
+          <a:xfrm>
+            <a:off x="6153912" y="3108960"/>
+            <a:ext cx="2688336" cy="502920"/>
           </a:xfrm>
           <a:prstGeom prst="rect">
             <a:avLst/>
@@ -4125,20 +4160,20 @@
           <a:lstStyle/>
           <a:p>
             <a:pPr>
+              <a:defRPr sz="1000" b="1">
+                <a:solidFill>
+                  <a:srgbClr val="343A40"/>
+                </a:solidFill>
+              </a:defRPr>
+            </a:pPr>
+            <a:r>
+              <a:t>CIA-Beitrag:</a:t>
+            </a:r>
+          </a:p>
+          <a:p>
+            <a:pPr>
               <a:defRPr sz="1100" b="1">
                 <a:solidFill>
-                  <a:srgbClr val="343A40"/>
-                </a:solidFill>
-              </a:defRPr>
-            </a:pPr>
-            <a:r>
-              <a:t>CIA-Beitrag:</a:t>
-            </a:r>
-          </a:p>
-          <a:p>
-            <a:pPr>
-              <a:defRPr sz="1200" b="1">
-                <a:solidFill>
                   <a:srgbClr val="007AC2"/>
                 </a:solidFill>
               </a:defRPr>
@@ -4151,14 +4186,14 @@
       </p:sp>
       <p:sp>
         <p:nvSpPr>
-          <p:cNvPr id="24" name="TextBox 23"/>
-          <p:cNvSpPr txBox="1"/>
-          <p:nvPr/>
-        </p:nvSpPr>
-        <p:spPr>
-          <a:xfrm>
-            <a:off x="6172200" y="3246120"/>
-            <a:ext cx="2651760" cy="548640"/>
+          <p:cNvPr id="25" name="TextBox 24"/>
+          <p:cNvSpPr txBox="1"/>
+          <p:nvPr/>
+        </p:nvSpPr>
+        <p:spPr>
+          <a:xfrm>
+            <a:off x="6153912" y="3611880"/>
+            <a:ext cx="2688336" cy="502920"/>
           </a:xfrm>
           <a:prstGeom prst="rect">
             <a:avLst/>
@@ -4172,7 +4207,7 @@
           <a:lstStyle/>
           <a:p>
             <a:pPr>
-              <a:defRPr sz="1100" b="1">
+              <a:defRPr sz="1000" b="1">
                 <a:solidFill>
                   <a:srgbClr val="343A40"/>
                 </a:solidFill>
@@ -4184,7 +4219,7 @@
           </a:p>
           <a:p>
             <a:pPr>
-              <a:defRPr sz="1100">
+              <a:defRPr sz="1000">
                 <a:solidFill>
                   <a:srgbClr val="343A40"/>
                 </a:solidFill>
@@ -4198,14 +4233,14 @@
       </p:sp>
       <p:sp>
         <p:nvSpPr>
-          <p:cNvPr id="25" name="TextBox 24"/>
-          <p:cNvSpPr txBox="1"/>
-          <p:nvPr/>
-        </p:nvSpPr>
-        <p:spPr>
-          <a:xfrm>
-            <a:off x="6172200" y="3794760"/>
-            <a:ext cx="2651760" cy="1280160"/>
+          <p:cNvPr id="26" name="TextBox 25"/>
+          <p:cNvSpPr txBox="1"/>
+          <p:nvPr/>
+        </p:nvSpPr>
+        <p:spPr>
+          <a:xfrm>
+            <a:off x="6153912" y="4114800"/>
+            <a:ext cx="2688336" cy="1188720"/>
           </a:xfrm>
           <a:prstGeom prst="rect">
             <a:avLst/>
@@ -4219,7 +4254,7 @@
           <a:lstStyle/>
           <a:p>
             <a:pPr>
-              <a:defRPr sz="1100" b="1">
+              <a:defRPr sz="1000" b="1">
                 <a:solidFill>
                   <a:srgbClr val="343A40"/>
                 </a:solidFill>
@@ -4231,7 +4266,7 @@
           </a:p>
           <a:p>
             <a:pPr>
-              <a:defRPr sz="1100">
+              <a:defRPr sz="1000">
                 <a:solidFill>
                   <a:srgbClr val="00994C"/>
                 </a:solidFill>
@@ -4270,7 +4305,7 @@
         <p:spPr>
           <a:xfrm>
             <a:off x="0" y="0"/>
-            <a:ext cx="9144000" cy="1280160"/>
+            <a:ext cx="9144000" cy="1737360"/>
           </a:xfrm>
           <a:prstGeom prst="rect">
             <a:avLst/>
@@ -4312,8 +4347,8 @@
         </p:nvSpPr>
         <p:spPr>
           <a:xfrm>
-            <a:off x="274320" y="182880"/>
-            <a:ext cx="8595360" cy="548640"/>
+            <a:off x="274320" y="137160"/>
+            <a:ext cx="8595360" cy="457200"/>
           </a:xfrm>
           <a:prstGeom prst="rect">
             <a:avLst/>
@@ -4327,7 +4362,7 @@
           <a:lstStyle/>
           <a:p>
             <a:pPr>
-              <a:defRPr sz="3200" b="1">
+              <a:defRPr sz="2800" b="1">
                 <a:solidFill>
                   <a:srgbClr val="FFFFFF"/>
                 </a:solidFill>
@@ -4347,7 +4382,42 @@
         </p:nvSpPr>
         <p:spPr>
           <a:xfrm>
-            <a:off x="274320" y="777240"/>
+            <a:off x="274320" y="594360"/>
+            <a:ext cx="8595360" cy="640080"/>
+          </a:xfrm>
+          <a:prstGeom prst="rect">
+            <a:avLst/>
+          </a:prstGeom>
+          <a:noFill/>
+        </p:spPr>
+        <p:txBody>
+          <a:bodyPr wrap="square">
+            <a:spAutoFit/>
+          </a:bodyPr>
+          <a:lstStyle/>
+          <a:p>
+            <a:pPr>
+              <a:defRPr sz="1400">
+                <a:solidFill>
+                  <a:srgbClr val="F8F9FA"/>
+                </a:solidFill>
+              </a:defRPr>
+            </a:pPr>
+            <a:r>
+              <a:t>Schützt mobile Geräte der Mitarbeiter. Verhindert Datenverlust bei Diebstahl und kontrolliert welche Apps genutzt werden dürfen.</a:t>
+            </a:r>
+          </a:p>
+        </p:txBody>
+      </p:sp>
+      <p:sp>
+        <p:nvSpPr>
+          <p:cNvPr id="5" name="TextBox 4"/>
+          <p:cNvSpPr txBox="1"/>
+          <p:nvPr/>
+        </p:nvSpPr>
+        <p:spPr>
+          <a:xfrm>
+            <a:off x="274320" y="1280160"/>
             <a:ext cx="8595360" cy="365760"/>
           </a:xfrm>
           <a:prstGeom prst="rect">
@@ -4362,28 +4432,28 @@
           <a:lstStyle/>
           <a:p>
             <a:pPr>
-              <a:defRPr sz="1600" i="1">
+              <a:defRPr sz="1100" i="1">
                 <a:solidFill>
                   <a:srgbClr val="F8F9FA"/>
                 </a:solidFill>
               </a:defRPr>
             </a:pPr>
             <a:r>
-              <a:t>Fokus: Smartphones/Tablets absichern</a:t>
-            </a:r>
-          </a:p>
-        </p:txBody>
-      </p:sp>
-      <p:sp>
-        <p:nvSpPr>
-          <p:cNvPr id="5" name="Rounded Rectangle 4"/>
+              <a:t>Technischer Fokus: Smartphones/Tablets absichern</a:t>
+            </a:r>
+          </a:p>
+        </p:txBody>
+      </p:sp>
+      <p:sp>
+        <p:nvSpPr>
+          <p:cNvPr id="6" name="Rounded Rectangle 5"/>
           <p:cNvSpPr/>
           <p:nvPr/>
         </p:nvSpPr>
         <p:spPr>
           <a:xfrm>
-            <a:off x="228600" y="1463040"/>
-            <a:ext cx="2834640" cy="5029200"/>
+            <a:off x="228600" y="1920240"/>
+            <a:ext cx="2834640" cy="4754880"/>
           </a:xfrm>
           <a:prstGeom prst="roundRect">
             <a:avLst/>
@@ -4421,14 +4491,14 @@
       </p:sp>
       <p:sp>
         <p:nvSpPr>
-          <p:cNvPr id="6" name="Rectangle 5"/>
+          <p:cNvPr id="7" name="Rectangle 6"/>
           <p:cNvSpPr/>
           <p:nvPr/>
         </p:nvSpPr>
         <p:spPr>
           <a:xfrm>
-            <a:off x="228600" y="1463040"/>
-            <a:ext cx="2834640" cy="457200"/>
+            <a:off x="228600" y="1920240"/>
+            <a:ext cx="2834640" cy="411480"/>
           </a:xfrm>
           <a:prstGeom prst="rect">
             <a:avLst/>
@@ -4464,13 +4534,13 @@
       </p:sp>
       <p:sp>
         <p:nvSpPr>
-          <p:cNvPr id="7" name="TextBox 6"/>
-          <p:cNvSpPr txBox="1"/>
-          <p:nvPr/>
-        </p:nvSpPr>
-        <p:spPr>
-          <a:xfrm>
-            <a:off x="228600" y="1508760"/>
+          <p:cNvPr id="8" name="TextBox 7"/>
+          <p:cNvSpPr txBox="1"/>
+          <p:nvPr/>
+        </p:nvSpPr>
+        <p:spPr>
+          <a:xfrm>
+            <a:off x="228600" y="1947672"/>
             <a:ext cx="2834640" cy="365760"/>
           </a:xfrm>
           <a:prstGeom prst="rect">
@@ -4485,7 +4555,7 @@
           <a:lstStyle/>
           <a:p>
             <a:pPr algn="ctr">
-              <a:defRPr sz="1400" b="1">
+              <a:defRPr sz="1300" b="1">
                 <a:solidFill>
                   <a:srgbClr val="FFFFFF"/>
                 </a:solidFill>
@@ -4499,14 +4569,14 @@
       </p:sp>
       <p:sp>
         <p:nvSpPr>
-          <p:cNvPr id="8" name="TextBox 7"/>
-          <p:cNvSpPr txBox="1"/>
-          <p:nvPr/>
-        </p:nvSpPr>
-        <p:spPr>
-          <a:xfrm>
-            <a:off x="320040" y="1965960"/>
-            <a:ext cx="2651760" cy="731520"/>
+          <p:cNvPr id="9" name="TextBox 8"/>
+          <p:cNvSpPr txBox="1"/>
+          <p:nvPr/>
+        </p:nvSpPr>
+        <p:spPr>
+          <a:xfrm>
+            <a:off x="301752" y="2377440"/>
+            <a:ext cx="2688336" cy="685800"/>
           </a:xfrm>
           <a:prstGeom prst="rect">
             <a:avLst/>
@@ -4520,28 +4590,28 @@
           <a:lstStyle/>
           <a:p>
             <a:pPr>
-              <a:defRPr sz="1100">
-                <a:solidFill>
-                  <a:srgbClr val="343A40"/>
-                </a:solidFill>
-              </a:defRPr>
-            </a:pPr>
-            <a:r>
-              <a:t>PIN-Pflicht, Remote-Wipe bei Verlust</a:t>
-            </a:r>
-          </a:p>
-        </p:txBody>
-      </p:sp>
-      <p:sp>
-        <p:nvSpPr>
-          <p:cNvPr id="9" name="TextBox 8"/>
-          <p:cNvSpPr txBox="1"/>
-          <p:nvPr/>
-        </p:nvSpPr>
-        <p:spPr>
-          <a:xfrm>
-            <a:off x="320040" y="2697480"/>
-            <a:ext cx="2651760" cy="548640"/>
+              <a:defRPr sz="1000">
+                <a:solidFill>
+                  <a:srgbClr val="343A40"/>
+                </a:solidFill>
+              </a:defRPr>
+            </a:pPr>
+            <a:r>
+              <a:t>Grundschutz: PIN-Schutz Pflicht, bei Verlust kann das Gerät aus der Ferne gelöscht werden.</a:t>
+            </a:r>
+          </a:p>
+        </p:txBody>
+      </p:sp>
+      <p:sp>
+        <p:nvSpPr>
+          <p:cNvPr id="10" name="TextBox 9"/>
+          <p:cNvSpPr txBox="1"/>
+          <p:nvPr/>
+        </p:nvSpPr>
+        <p:spPr>
+          <a:xfrm>
+            <a:off x="301752" y="3108960"/>
+            <a:ext cx="2688336" cy="502920"/>
           </a:xfrm>
           <a:prstGeom prst="rect">
             <a:avLst/>
@@ -4555,20 +4625,20 @@
           <a:lstStyle/>
           <a:p>
             <a:pPr>
+              <a:defRPr sz="1000" b="1">
+                <a:solidFill>
+                  <a:srgbClr val="343A40"/>
+                </a:solidFill>
+              </a:defRPr>
+            </a:pPr>
+            <a:r>
+              <a:t>CIA-Beitrag:</a:t>
+            </a:r>
+          </a:p>
+          <a:p>
+            <a:pPr>
               <a:defRPr sz="1100" b="1">
                 <a:solidFill>
-                  <a:srgbClr val="343A40"/>
-                </a:solidFill>
-              </a:defRPr>
-            </a:pPr>
-            <a:r>
-              <a:t>CIA-Beitrag:</a:t>
-            </a:r>
-          </a:p>
-          <a:p>
-            <a:pPr>
-              <a:defRPr sz="1200" b="1">
-                <a:solidFill>
                   <a:srgbClr val="007AC2"/>
                 </a:solidFill>
               </a:defRPr>
@@ -4581,14 +4651,14 @@
       </p:sp>
       <p:sp>
         <p:nvSpPr>
-          <p:cNvPr id="10" name="TextBox 9"/>
-          <p:cNvSpPr txBox="1"/>
-          <p:nvPr/>
-        </p:nvSpPr>
-        <p:spPr>
-          <a:xfrm>
-            <a:off x="320040" y="3246120"/>
-            <a:ext cx="2651760" cy="548640"/>
+          <p:cNvPr id="11" name="TextBox 10"/>
+          <p:cNvSpPr txBox="1"/>
+          <p:nvPr/>
+        </p:nvSpPr>
+        <p:spPr>
+          <a:xfrm>
+            <a:off x="301752" y="3611880"/>
+            <a:ext cx="2688336" cy="502920"/>
           </a:xfrm>
           <a:prstGeom prst="rect">
             <a:avLst/>
@@ -4602,7 +4672,7 @@
           <a:lstStyle/>
           <a:p>
             <a:pPr>
-              <a:defRPr sz="1100" b="1">
+              <a:defRPr sz="1000" b="1">
                 <a:solidFill>
                   <a:srgbClr val="343A40"/>
                 </a:solidFill>
@@ -4614,7 +4684,7 @@
           </a:p>
           <a:p>
             <a:pPr>
-              <a:defRPr sz="1100">
+              <a:defRPr sz="1000">
                 <a:solidFill>
                   <a:srgbClr val="343A40"/>
                 </a:solidFill>
@@ -4628,14 +4698,14 @@
       </p:sp>
       <p:sp>
         <p:nvSpPr>
-          <p:cNvPr id="11" name="TextBox 10"/>
-          <p:cNvSpPr txBox="1"/>
-          <p:nvPr/>
-        </p:nvSpPr>
-        <p:spPr>
-          <a:xfrm>
-            <a:off x="320040" y="3794760"/>
-            <a:ext cx="2651760" cy="1280160"/>
+          <p:cNvPr id="12" name="TextBox 11"/>
+          <p:cNvSpPr txBox="1"/>
+          <p:nvPr/>
+        </p:nvSpPr>
+        <p:spPr>
+          <a:xfrm>
+            <a:off x="301752" y="4114800"/>
+            <a:ext cx="2688336" cy="1188720"/>
           </a:xfrm>
           <a:prstGeom prst="rect">
             <a:avLst/>
@@ -4649,7 +4719,7 @@
           <a:lstStyle/>
           <a:p>
             <a:pPr>
-              <a:defRPr sz="1100" b="1">
+              <a:defRPr sz="1000" b="1">
                 <a:solidFill>
                   <a:srgbClr val="343A40"/>
                 </a:solidFill>
@@ -4661,7 +4731,7 @@
           </a:p>
           <a:p>
             <a:pPr>
-              <a:defRPr sz="1100" i="1">
+              <a:defRPr sz="1000" i="1">
                 <a:solidFill>
                   <a:srgbClr val="343A40"/>
                 </a:solidFill>
@@ -4675,14 +4745,14 @@
       </p:sp>
       <p:sp>
         <p:nvSpPr>
-          <p:cNvPr id="12" name="Rounded Rectangle 11"/>
+          <p:cNvPr id="13" name="Rounded Rectangle 12"/>
           <p:cNvSpPr/>
           <p:nvPr/>
         </p:nvSpPr>
         <p:spPr>
           <a:xfrm>
-            <a:off x="3154680" y="1463040"/>
-            <a:ext cx="2834640" cy="5029200"/>
+            <a:off x="3154680" y="1920240"/>
+            <a:ext cx="2834640" cy="4754880"/>
           </a:xfrm>
           <a:prstGeom prst="roundRect">
             <a:avLst/>
@@ -4720,14 +4790,14 @@
       </p:sp>
       <p:sp>
         <p:nvSpPr>
-          <p:cNvPr id="13" name="Rectangle 12"/>
+          <p:cNvPr id="14" name="Rectangle 13"/>
           <p:cNvSpPr/>
           <p:nvPr/>
         </p:nvSpPr>
         <p:spPr>
           <a:xfrm>
-            <a:off x="3154680" y="1463040"/>
-            <a:ext cx="2834640" cy="457200"/>
+            <a:off x="3154680" y="1920240"/>
+            <a:ext cx="2834640" cy="411480"/>
           </a:xfrm>
           <a:prstGeom prst="rect">
             <a:avLst/>
@@ -4763,13 +4833,13 @@
       </p:sp>
       <p:sp>
         <p:nvSpPr>
-          <p:cNvPr id="14" name="TextBox 13"/>
-          <p:cNvSpPr txBox="1"/>
-          <p:nvPr/>
-        </p:nvSpPr>
-        <p:spPr>
-          <a:xfrm>
-            <a:off x="3154680" y="1508760"/>
+          <p:cNvPr id="15" name="TextBox 14"/>
+          <p:cNvSpPr txBox="1"/>
+          <p:nvPr/>
+        </p:nvSpPr>
+        <p:spPr>
+          <a:xfrm>
+            <a:off x="3154680" y="1947672"/>
             <a:ext cx="2834640" cy="365760"/>
           </a:xfrm>
           <a:prstGeom prst="rect">
@@ -4784,7 +4854,7 @@
           <a:lstStyle/>
           <a:p>
             <a:pPr algn="ctr">
-              <a:defRPr sz="1400" b="1">
+              <a:defRPr sz="1300" b="1">
                 <a:solidFill>
                   <a:srgbClr val="FFFFFF"/>
                 </a:solidFill>
@@ -4798,14 +4868,14 @@
       </p:sp>
       <p:sp>
         <p:nvSpPr>
-          <p:cNvPr id="15" name="TextBox 14"/>
-          <p:cNvSpPr txBox="1"/>
-          <p:nvPr/>
-        </p:nvSpPr>
-        <p:spPr>
-          <a:xfrm>
-            <a:off x="3246120" y="1965960"/>
-            <a:ext cx="2651760" cy="731520"/>
+          <p:cNvPr id="16" name="TextBox 15"/>
+          <p:cNvSpPr txBox="1"/>
+          <p:nvPr/>
+        </p:nvSpPr>
+        <p:spPr>
+          <a:xfrm>
+            <a:off x="3227832" y="2377440"/>
+            <a:ext cx="2688336" cy="685800"/>
           </a:xfrm>
           <a:prstGeom prst="rect">
             <a:avLst/>
@@ -4819,28 +4889,28 @@
           <a:lstStyle/>
           <a:p>
             <a:pPr>
-              <a:defRPr sz="1100">
-                <a:solidFill>
-                  <a:srgbClr val="343A40"/>
-                </a:solidFill>
-              </a:defRPr>
-            </a:pPr>
-            <a:r>
-              <a:t>MDM-Plattform (Intune/Jamf), App-Whitelisting</a:t>
-            </a:r>
-          </a:p>
-        </p:txBody>
-      </p:sp>
-      <p:sp>
-        <p:nvSpPr>
-          <p:cNvPr id="16" name="TextBox 15"/>
-          <p:cNvSpPr txBox="1"/>
-          <p:nvPr/>
-        </p:nvSpPr>
-        <p:spPr>
-          <a:xfrm>
-            <a:off x="3246120" y="2697480"/>
-            <a:ext cx="2651760" cy="548640"/>
+              <a:defRPr sz="1000">
+                <a:solidFill>
+                  <a:srgbClr val="343A40"/>
+                </a:solidFill>
+              </a:defRPr>
+            </a:pPr>
+            <a:r>
+              <a:t>Besser: Zentrale Verwaltung aller Mobilgeräte, nur zugelassene Apps können installiert werden.</a:t>
+            </a:r>
+          </a:p>
+        </p:txBody>
+      </p:sp>
+      <p:sp>
+        <p:nvSpPr>
+          <p:cNvPr id="17" name="TextBox 16"/>
+          <p:cNvSpPr txBox="1"/>
+          <p:nvPr/>
+        </p:nvSpPr>
+        <p:spPr>
+          <a:xfrm>
+            <a:off x="3227832" y="3108960"/>
+            <a:ext cx="2688336" cy="502920"/>
           </a:xfrm>
           <a:prstGeom prst="rect">
             <a:avLst/>
@@ -4854,20 +4924,20 @@
           <a:lstStyle/>
           <a:p>
             <a:pPr>
+              <a:defRPr sz="1000" b="1">
+                <a:solidFill>
+                  <a:srgbClr val="343A40"/>
+                </a:solidFill>
+              </a:defRPr>
+            </a:pPr>
+            <a:r>
+              <a:t>CIA-Beitrag:</a:t>
+            </a:r>
+          </a:p>
+          <a:p>
+            <a:pPr>
               <a:defRPr sz="1100" b="1">
                 <a:solidFill>
-                  <a:srgbClr val="343A40"/>
-                </a:solidFill>
-              </a:defRPr>
-            </a:pPr>
-            <a:r>
-              <a:t>CIA-Beitrag:</a:t>
-            </a:r>
-          </a:p>
-          <a:p>
-            <a:pPr>
-              <a:defRPr sz="1200" b="1">
-                <a:solidFill>
                   <a:srgbClr val="007AC2"/>
                 </a:solidFill>
               </a:defRPr>
@@ -4880,14 +4950,14 @@
       </p:sp>
       <p:sp>
         <p:nvSpPr>
-          <p:cNvPr id="17" name="TextBox 16"/>
-          <p:cNvSpPr txBox="1"/>
-          <p:nvPr/>
-        </p:nvSpPr>
-        <p:spPr>
-          <a:xfrm>
-            <a:off x="3246120" y="3246120"/>
-            <a:ext cx="2651760" cy="548640"/>
+          <p:cNvPr id="18" name="TextBox 17"/>
+          <p:cNvSpPr txBox="1"/>
+          <p:nvPr/>
+        </p:nvSpPr>
+        <p:spPr>
+          <a:xfrm>
+            <a:off x="3227832" y="3611880"/>
+            <a:ext cx="2688336" cy="502920"/>
           </a:xfrm>
           <a:prstGeom prst="rect">
             <a:avLst/>
@@ -4901,7 +4971,7 @@
           <a:lstStyle/>
           <a:p>
             <a:pPr>
-              <a:defRPr sz="1100" b="1">
+              <a:defRPr sz="1000" b="1">
                 <a:solidFill>
                   <a:srgbClr val="343A40"/>
                 </a:solidFill>
@@ -4913,7 +4983,7 @@
           </a:p>
           <a:p>
             <a:pPr>
-              <a:defRPr sz="1100">
+              <a:defRPr sz="1000">
                 <a:solidFill>
                   <a:srgbClr val="343A40"/>
                 </a:solidFill>
@@ -4927,14 +4997,14 @@
       </p:sp>
       <p:sp>
         <p:nvSpPr>
-          <p:cNvPr id="18" name="TextBox 17"/>
-          <p:cNvSpPr txBox="1"/>
-          <p:nvPr/>
-        </p:nvSpPr>
-        <p:spPr>
-          <a:xfrm>
-            <a:off x="3246120" y="3794760"/>
-            <a:ext cx="2651760" cy="1280160"/>
+          <p:cNvPr id="19" name="TextBox 18"/>
+          <p:cNvSpPr txBox="1"/>
+          <p:nvPr/>
+        </p:nvSpPr>
+        <p:spPr>
+          <a:xfrm>
+            <a:off x="3227832" y="4114800"/>
+            <a:ext cx="2688336" cy="1188720"/>
           </a:xfrm>
           <a:prstGeom prst="rect">
             <a:avLst/>
@@ -4948,7 +5018,7 @@
           <a:lstStyle/>
           <a:p>
             <a:pPr>
-              <a:defRPr sz="1100" b="1">
+              <a:defRPr sz="1000" b="1">
                 <a:solidFill>
                   <a:srgbClr val="343A40"/>
                 </a:solidFill>
@@ -4960,7 +5030,7 @@
           </a:p>
           <a:p>
             <a:pPr>
-              <a:defRPr sz="1100">
+              <a:defRPr sz="1000">
                 <a:solidFill>
                   <a:srgbClr val="00994C"/>
                 </a:solidFill>
@@ -4974,14 +5044,14 @@
       </p:sp>
       <p:sp>
         <p:nvSpPr>
-          <p:cNvPr id="19" name="Rounded Rectangle 18"/>
+          <p:cNvPr id="20" name="Rounded Rectangle 19"/>
           <p:cNvSpPr/>
           <p:nvPr/>
         </p:nvSpPr>
         <p:spPr>
           <a:xfrm>
-            <a:off x="6080760" y="1463040"/>
-            <a:ext cx="2834640" cy="5029200"/>
+            <a:off x="6080760" y="1920240"/>
+            <a:ext cx="2834640" cy="4754880"/>
           </a:xfrm>
           <a:prstGeom prst="roundRect">
             <a:avLst/>
@@ -5019,14 +5089,14 @@
       </p:sp>
       <p:sp>
         <p:nvSpPr>
-          <p:cNvPr id="20" name="Rectangle 19"/>
+          <p:cNvPr id="21" name="Rectangle 20"/>
           <p:cNvSpPr/>
           <p:nvPr/>
         </p:nvSpPr>
         <p:spPr>
           <a:xfrm>
-            <a:off x="6080760" y="1463040"/>
-            <a:ext cx="2834640" cy="457200"/>
+            <a:off x="6080760" y="1920240"/>
+            <a:ext cx="2834640" cy="411480"/>
           </a:xfrm>
           <a:prstGeom prst="rect">
             <a:avLst/>
@@ -5062,13 +5132,13 @@
       </p:sp>
       <p:sp>
         <p:nvSpPr>
-          <p:cNvPr id="21" name="TextBox 20"/>
-          <p:cNvSpPr txBox="1"/>
-          <p:nvPr/>
-        </p:nvSpPr>
-        <p:spPr>
-          <a:xfrm>
-            <a:off x="6080760" y="1508760"/>
+          <p:cNvPr id="22" name="TextBox 21"/>
+          <p:cNvSpPr txBox="1"/>
+          <p:nvPr/>
+        </p:nvSpPr>
+        <p:spPr>
+          <a:xfrm>
+            <a:off x="6080760" y="1947672"/>
             <a:ext cx="2834640" cy="365760"/>
           </a:xfrm>
           <a:prstGeom prst="rect">
@@ -5083,7 +5153,7 @@
           <a:lstStyle/>
           <a:p>
             <a:pPr algn="ctr">
-              <a:defRPr sz="1400" b="1">
+              <a:defRPr sz="1300" b="1">
                 <a:solidFill>
                   <a:srgbClr val="FFFFFF"/>
                 </a:solidFill>
@@ -5097,14 +5167,14 @@
       </p:sp>
       <p:sp>
         <p:nvSpPr>
-          <p:cNvPr id="22" name="TextBox 21"/>
-          <p:cNvSpPr txBox="1"/>
-          <p:nvPr/>
-        </p:nvSpPr>
-        <p:spPr>
-          <a:xfrm>
-            <a:off x="6172200" y="1965960"/>
-            <a:ext cx="2651760" cy="731520"/>
+          <p:cNvPr id="23" name="TextBox 22"/>
+          <p:cNvSpPr txBox="1"/>
+          <p:nvPr/>
+        </p:nvSpPr>
+        <p:spPr>
+          <a:xfrm>
+            <a:off x="6153912" y="2377440"/>
+            <a:ext cx="2688336" cy="685800"/>
           </a:xfrm>
           <a:prstGeom prst="rect">
             <a:avLst/>
@@ -5118,28 +5188,28 @@
           <a:lstStyle/>
           <a:p>
             <a:pPr>
-              <a:defRPr sz="1100">
-                <a:solidFill>
-                  <a:srgbClr val="343A40"/>
-                </a:solidFill>
-              </a:defRPr>
-            </a:pPr>
-            <a:r>
-              <a:t>UEM (Unified Endpoint Mgmt.), MTD (Mobile Threat Def.)</a:t>
-            </a:r>
-          </a:p>
-        </p:txBody>
-      </p:sp>
-      <p:sp>
-        <p:nvSpPr>
-          <p:cNvPr id="23" name="TextBox 22"/>
-          <p:cNvSpPr txBox="1"/>
-          <p:nvPr/>
-        </p:nvSpPr>
-        <p:spPr>
-          <a:xfrm>
-            <a:off x="6172200" y="2697480"/>
-            <a:ext cx="2651760" cy="548640"/>
+              <a:defRPr sz="1000">
+                <a:solidFill>
+                  <a:srgbClr val="343A40"/>
+                </a:solidFill>
+              </a:defRPr>
+            </a:pPr>
+            <a:r>
+              <a:t>Premium: Einheitliche Verwaltung aller Endgeräte, aktiver Schutz vor mobilen Bedrohungen.</a:t>
+            </a:r>
+          </a:p>
+        </p:txBody>
+      </p:sp>
+      <p:sp>
+        <p:nvSpPr>
+          <p:cNvPr id="24" name="TextBox 23"/>
+          <p:cNvSpPr txBox="1"/>
+          <p:nvPr/>
+        </p:nvSpPr>
+        <p:spPr>
+          <a:xfrm>
+            <a:off x="6153912" y="3108960"/>
+            <a:ext cx="2688336" cy="502920"/>
           </a:xfrm>
           <a:prstGeom prst="rect">
             <a:avLst/>
@@ -5153,20 +5223,20 @@
           <a:lstStyle/>
           <a:p>
             <a:pPr>
+              <a:defRPr sz="1000" b="1">
+                <a:solidFill>
+                  <a:srgbClr val="343A40"/>
+                </a:solidFill>
+              </a:defRPr>
+            </a:pPr>
+            <a:r>
+              <a:t>CIA-Beitrag:</a:t>
+            </a:r>
+          </a:p>
+          <a:p>
+            <a:pPr>
               <a:defRPr sz="1100" b="1">
                 <a:solidFill>
-                  <a:srgbClr val="343A40"/>
-                </a:solidFill>
-              </a:defRPr>
-            </a:pPr>
-            <a:r>
-              <a:t>CIA-Beitrag:</a:t>
-            </a:r>
-          </a:p>
-          <a:p>
-            <a:pPr>
-              <a:defRPr sz="1200" b="1">
-                <a:solidFill>
                   <a:srgbClr val="007AC2"/>
                 </a:solidFill>
               </a:defRPr>
@@ -5179,14 +5249,14 @@
       </p:sp>
       <p:sp>
         <p:nvSpPr>
-          <p:cNvPr id="24" name="TextBox 23"/>
-          <p:cNvSpPr txBox="1"/>
-          <p:nvPr/>
-        </p:nvSpPr>
-        <p:spPr>
-          <a:xfrm>
-            <a:off x="6172200" y="3246120"/>
-            <a:ext cx="2651760" cy="548640"/>
+          <p:cNvPr id="25" name="TextBox 24"/>
+          <p:cNvSpPr txBox="1"/>
+          <p:nvPr/>
+        </p:nvSpPr>
+        <p:spPr>
+          <a:xfrm>
+            <a:off x="6153912" y="3611880"/>
+            <a:ext cx="2688336" cy="502920"/>
           </a:xfrm>
           <a:prstGeom prst="rect">
             <a:avLst/>
@@ -5200,7 +5270,7 @@
           <a:lstStyle/>
           <a:p>
             <a:pPr>
-              <a:defRPr sz="1100" b="1">
+              <a:defRPr sz="1000" b="1">
                 <a:solidFill>
                   <a:srgbClr val="343A40"/>
                 </a:solidFill>
@@ -5212,7 +5282,7 @@
           </a:p>
           <a:p>
             <a:pPr>
-              <a:defRPr sz="1100">
+              <a:defRPr sz="1000">
                 <a:solidFill>
                   <a:srgbClr val="343A40"/>
                 </a:solidFill>
@@ -5226,14 +5296,14 @@
       </p:sp>
       <p:sp>
         <p:nvSpPr>
-          <p:cNvPr id="25" name="TextBox 24"/>
-          <p:cNvSpPr txBox="1"/>
-          <p:nvPr/>
-        </p:nvSpPr>
-        <p:spPr>
-          <a:xfrm>
-            <a:off x="6172200" y="3794760"/>
-            <a:ext cx="2651760" cy="1280160"/>
+          <p:cNvPr id="26" name="TextBox 25"/>
+          <p:cNvSpPr txBox="1"/>
+          <p:nvPr/>
+        </p:nvSpPr>
+        <p:spPr>
+          <a:xfrm>
+            <a:off x="6153912" y="4114800"/>
+            <a:ext cx="2688336" cy="1188720"/>
           </a:xfrm>
           <a:prstGeom prst="rect">
             <a:avLst/>
@@ -5247,7 +5317,7 @@
           <a:lstStyle/>
           <a:p>
             <a:pPr>
-              <a:defRPr sz="1100" b="1">
+              <a:defRPr sz="1000" b="1">
                 <a:solidFill>
                   <a:srgbClr val="343A40"/>
                 </a:solidFill>
@@ -5259,7 +5329,7 @@
           </a:p>
           <a:p>
             <a:pPr>
-              <a:defRPr sz="1100">
+              <a:defRPr sz="1000">
                 <a:solidFill>
                   <a:srgbClr val="00994C"/>
                 </a:solidFill>
@@ -5298,7 +5368,7 @@
         <p:spPr>
           <a:xfrm>
             <a:off x="0" y="0"/>
-            <a:ext cx="9144000" cy="1280160"/>
+            <a:ext cx="9144000" cy="1737360"/>
           </a:xfrm>
           <a:prstGeom prst="rect">
             <a:avLst/>
@@ -5340,8 +5410,8 @@
         </p:nvSpPr>
         <p:spPr>
           <a:xfrm>
-            <a:off x="274320" y="182880"/>
-            <a:ext cx="8595360" cy="548640"/>
+            <a:off x="274320" y="137160"/>
+            <a:ext cx="8595360" cy="457200"/>
           </a:xfrm>
           <a:prstGeom prst="rect">
             <a:avLst/>
@@ -5355,7 +5425,7 @@
           <a:lstStyle/>
           <a:p>
             <a:pPr>
-              <a:defRPr sz="3200" b="1">
+              <a:defRPr sz="2800" b="1">
                 <a:solidFill>
                   <a:srgbClr val="FFFFFF"/>
                 </a:solidFill>
@@ -5375,7 +5445,42 @@
         </p:nvSpPr>
         <p:spPr>
           <a:xfrm>
-            <a:off x="274320" y="777240"/>
+            <a:off x="274320" y="594360"/>
+            <a:ext cx="8595360" cy="640080"/>
+          </a:xfrm>
+          <a:prstGeom prst="rect">
+            <a:avLst/>
+          </a:prstGeom>
+          <a:noFill/>
+        </p:spPr>
+        <p:txBody>
+          <a:bodyPr wrap="square">
+            <a:spAutoFit/>
+          </a:bodyPr>
+          <a:lstStyle/>
+          <a:p>
+            <a:pPr>
+              <a:defRPr sz="1400">
+                <a:solidFill>
+                  <a:srgbClr val="F8F9FA"/>
+                </a:solidFill>
+              </a:defRPr>
+            </a:pPr>
+            <a:r>
+              <a:t>Wer darf was im Unternehmen? Diese Maßnahme stellt sicher, dass nur berechtigte Personen Zugang zu sensiblen Systemen haben - wie ein digitaler Türsteher.</a:t>
+            </a:r>
+          </a:p>
+        </p:txBody>
+      </p:sp>
+      <p:sp>
+        <p:nvSpPr>
+          <p:cNvPr id="5" name="TextBox 4"/>
+          <p:cNvSpPr txBox="1"/>
+          <p:nvPr/>
+        </p:nvSpPr>
+        <p:spPr>
+          <a:xfrm>
+            <a:off x="274320" y="1280160"/>
             <a:ext cx="8595360" cy="365760"/>
           </a:xfrm>
           <a:prstGeom prst="rect">
@@ -5390,28 +5495,28 @@
           <a:lstStyle/>
           <a:p>
             <a:pPr>
-              <a:defRPr sz="1600" i="1">
+              <a:defRPr sz="1100" i="1">
                 <a:solidFill>
                   <a:srgbClr val="F8F9FA"/>
                 </a:solidFill>
               </a:defRPr>
             </a:pPr>
             <a:r>
-              <a:t>Fokus: Zugriffskontrolle, privilegierte Accounts</a:t>
-            </a:r>
-          </a:p>
-        </p:txBody>
-      </p:sp>
-      <p:sp>
-        <p:nvSpPr>
-          <p:cNvPr id="5" name="Rounded Rectangle 4"/>
+              <a:t>Technischer Fokus: Zugriffskontrolle, privilegierte Accounts</a:t>
+            </a:r>
+          </a:p>
+        </p:txBody>
+      </p:sp>
+      <p:sp>
+        <p:nvSpPr>
+          <p:cNvPr id="6" name="Rounded Rectangle 5"/>
           <p:cNvSpPr/>
           <p:nvPr/>
         </p:nvSpPr>
         <p:spPr>
           <a:xfrm>
-            <a:off x="228600" y="1463040"/>
-            <a:ext cx="2834640" cy="5029200"/>
+            <a:off x="228600" y="1920240"/>
+            <a:ext cx="2834640" cy="4754880"/>
           </a:xfrm>
           <a:prstGeom prst="roundRect">
             <a:avLst/>
@@ -5449,14 +5554,14 @@
       </p:sp>
       <p:sp>
         <p:nvSpPr>
-          <p:cNvPr id="6" name="Rectangle 5"/>
+          <p:cNvPr id="7" name="Rectangle 6"/>
           <p:cNvSpPr/>
           <p:nvPr/>
         </p:nvSpPr>
         <p:spPr>
           <a:xfrm>
-            <a:off x="228600" y="1463040"/>
-            <a:ext cx="2834640" cy="457200"/>
+            <a:off x="228600" y="1920240"/>
+            <a:ext cx="2834640" cy="411480"/>
           </a:xfrm>
           <a:prstGeom prst="rect">
             <a:avLst/>
@@ -5492,13 +5597,13 @@
       </p:sp>
       <p:sp>
         <p:nvSpPr>
-          <p:cNvPr id="7" name="TextBox 6"/>
-          <p:cNvSpPr txBox="1"/>
-          <p:nvPr/>
-        </p:nvSpPr>
-        <p:spPr>
-          <a:xfrm>
-            <a:off x="228600" y="1508760"/>
+          <p:cNvPr id="8" name="TextBox 7"/>
+          <p:cNvSpPr txBox="1"/>
+          <p:nvPr/>
+        </p:nvSpPr>
+        <p:spPr>
+          <a:xfrm>
+            <a:off x="228600" y="1947672"/>
             <a:ext cx="2834640" cy="365760"/>
           </a:xfrm>
           <a:prstGeom prst="rect">
@@ -5513,7 +5618,7 @@
           <a:lstStyle/>
           <a:p>
             <a:pPr algn="ctr">
-              <a:defRPr sz="1400" b="1">
+              <a:defRPr sz="1300" b="1">
                 <a:solidFill>
                   <a:srgbClr val="FFFFFF"/>
                 </a:solidFill>
@@ -5527,14 +5632,14 @@
       </p:sp>
       <p:sp>
         <p:nvSpPr>
-          <p:cNvPr id="8" name="TextBox 7"/>
-          <p:cNvSpPr txBox="1"/>
-          <p:nvPr/>
-        </p:nvSpPr>
-        <p:spPr>
-          <a:xfrm>
-            <a:off x="320040" y="1965960"/>
-            <a:ext cx="2651760" cy="731520"/>
+          <p:cNvPr id="9" name="TextBox 8"/>
+          <p:cNvSpPr txBox="1"/>
+          <p:nvPr/>
+        </p:nvSpPr>
+        <p:spPr>
+          <a:xfrm>
+            <a:off x="301752" y="2377440"/>
+            <a:ext cx="2688336" cy="685800"/>
           </a:xfrm>
           <a:prstGeom prst="rect">
             <a:avLst/>
@@ -5548,28 +5653,28 @@
           <a:lstStyle/>
           <a:p>
             <a:pPr>
-              <a:defRPr sz="1100">
-                <a:solidFill>
-                  <a:srgbClr val="343A40"/>
-                </a:solidFill>
-              </a:defRPr>
-            </a:pPr>
-            <a:r>
-              <a:t>Zentrale AD, MFA für Admins, Passwortrichtlinie</a:t>
-            </a:r>
-          </a:p>
-        </p:txBody>
-      </p:sp>
-      <p:sp>
-        <p:nvSpPr>
-          <p:cNvPr id="9" name="TextBox 8"/>
-          <p:cNvSpPr txBox="1"/>
-          <p:nvPr/>
-        </p:nvSpPr>
-        <p:spPr>
-          <a:xfrm>
-            <a:off x="320040" y="2697480"/>
-            <a:ext cx="2651760" cy="548640"/>
+              <a:defRPr sz="1000">
+                <a:solidFill>
+                  <a:srgbClr val="343A40"/>
+                </a:solidFill>
+              </a:defRPr>
+            </a:pPr>
+            <a:r>
+              <a:t>Grundschutz: Zentrale Benutzerverwaltung, Admins brauchen zwei Faktoren zum Einloggen.</a:t>
+            </a:r>
+          </a:p>
+        </p:txBody>
+      </p:sp>
+      <p:sp>
+        <p:nvSpPr>
+          <p:cNvPr id="10" name="TextBox 9"/>
+          <p:cNvSpPr txBox="1"/>
+          <p:nvPr/>
+        </p:nvSpPr>
+        <p:spPr>
+          <a:xfrm>
+            <a:off x="301752" y="3108960"/>
+            <a:ext cx="2688336" cy="502920"/>
           </a:xfrm>
           <a:prstGeom prst="rect">
             <a:avLst/>
@@ -5583,20 +5688,20 @@
           <a:lstStyle/>
           <a:p>
             <a:pPr>
+              <a:defRPr sz="1000" b="1">
+                <a:solidFill>
+                  <a:srgbClr val="343A40"/>
+                </a:solidFill>
+              </a:defRPr>
+            </a:pPr>
+            <a:r>
+              <a:t>CIA-Beitrag:</a:t>
+            </a:r>
+          </a:p>
+          <a:p>
+            <a:pPr>
               <a:defRPr sz="1100" b="1">
                 <a:solidFill>
-                  <a:srgbClr val="343A40"/>
-                </a:solidFill>
-              </a:defRPr>
-            </a:pPr>
-            <a:r>
-              <a:t>CIA-Beitrag:</a:t>
-            </a:r>
-          </a:p>
-          <a:p>
-            <a:pPr>
-              <a:defRPr sz="1200" b="1">
-                <a:solidFill>
                   <a:srgbClr val="007AC2"/>
                 </a:solidFill>
               </a:defRPr>
@@ -5609,14 +5714,14 @@
       </p:sp>
       <p:sp>
         <p:nvSpPr>
-          <p:cNvPr id="10" name="TextBox 9"/>
-          <p:cNvSpPr txBox="1"/>
-          <p:nvPr/>
-        </p:nvSpPr>
-        <p:spPr>
-          <a:xfrm>
-            <a:off x="320040" y="3246120"/>
-            <a:ext cx="2651760" cy="548640"/>
+          <p:cNvPr id="11" name="TextBox 10"/>
+          <p:cNvSpPr txBox="1"/>
+          <p:nvPr/>
+        </p:nvSpPr>
+        <p:spPr>
+          <a:xfrm>
+            <a:off x="301752" y="3611880"/>
+            <a:ext cx="2688336" cy="502920"/>
           </a:xfrm>
           <a:prstGeom prst="rect">
             <a:avLst/>
@@ -5630,7 +5735,7 @@
           <a:lstStyle/>
           <a:p>
             <a:pPr>
-              <a:defRPr sz="1100" b="1">
+              <a:defRPr sz="1000" b="1">
                 <a:solidFill>
                   <a:srgbClr val="343A40"/>
                 </a:solidFill>
@@ -5642,7 +5747,7 @@
           </a:p>
           <a:p>
             <a:pPr>
-              <a:defRPr sz="1100">
+              <a:defRPr sz="1000">
                 <a:solidFill>
                   <a:srgbClr val="343A40"/>
                 </a:solidFill>
@@ -5656,14 +5761,14 @@
       </p:sp>
       <p:sp>
         <p:nvSpPr>
-          <p:cNvPr id="11" name="TextBox 10"/>
-          <p:cNvSpPr txBox="1"/>
-          <p:nvPr/>
-        </p:nvSpPr>
-        <p:spPr>
-          <a:xfrm>
-            <a:off x="320040" y="3794760"/>
-            <a:ext cx="2651760" cy="1280160"/>
+          <p:cNvPr id="12" name="TextBox 11"/>
+          <p:cNvSpPr txBox="1"/>
+          <p:nvPr/>
+        </p:nvSpPr>
+        <p:spPr>
+          <a:xfrm>
+            <a:off x="301752" y="4114800"/>
+            <a:ext cx="2688336" cy="1188720"/>
           </a:xfrm>
           <a:prstGeom prst="rect">
             <a:avLst/>
@@ -5677,7 +5782,7 @@
           <a:lstStyle/>
           <a:p>
             <a:pPr>
-              <a:defRPr sz="1100" b="1">
+              <a:defRPr sz="1000" b="1">
                 <a:solidFill>
                   <a:srgbClr val="343A40"/>
                 </a:solidFill>
@@ -5689,7 +5794,7 @@
           </a:p>
           <a:p>
             <a:pPr>
-              <a:defRPr sz="1100">
+              <a:defRPr sz="1000">
                 <a:solidFill>
                   <a:srgbClr val="00994C"/>
                 </a:solidFill>
@@ -5701,7 +5806,7 @@
           </a:p>
           <a:p>
             <a:pPr>
-              <a:defRPr sz="1100">
+              <a:defRPr sz="1000">
                 <a:solidFill>
                   <a:srgbClr val="00994C"/>
                 </a:solidFill>
@@ -5715,14 +5820,14 @@
       </p:sp>
       <p:sp>
         <p:nvSpPr>
-          <p:cNvPr id="12" name="TextBox 11"/>
-          <p:cNvSpPr txBox="1"/>
-          <p:nvPr/>
-        </p:nvSpPr>
-        <p:spPr>
-          <a:xfrm>
-            <a:off x="320040" y="5029200"/>
-            <a:ext cx="2651760" cy="457200"/>
+          <p:cNvPr id="13" name="TextBox 12"/>
+          <p:cNvSpPr txBox="1"/>
+          <p:nvPr/>
+        </p:nvSpPr>
+        <p:spPr>
+          <a:xfrm>
+            <a:off x="301752" y="5303520"/>
+            <a:ext cx="2688336" cy="411480"/>
           </a:xfrm>
           <a:prstGeom prst="rect">
             <a:avLst/>
@@ -5739,14 +5844,14 @@
       </p:sp>
       <p:sp>
         <p:nvSpPr>
-          <p:cNvPr id="13" name="Rounded Rectangle 12"/>
+          <p:cNvPr id="14" name="Rounded Rectangle 13"/>
           <p:cNvSpPr/>
           <p:nvPr/>
         </p:nvSpPr>
         <p:spPr>
           <a:xfrm>
-            <a:off x="3154680" y="1463040"/>
-            <a:ext cx="2834640" cy="5029200"/>
+            <a:off x="3154680" y="1920240"/>
+            <a:ext cx="2834640" cy="4754880"/>
           </a:xfrm>
           <a:prstGeom prst="roundRect">
             <a:avLst/>
@@ -5784,14 +5889,14 @@
       </p:sp>
       <p:sp>
         <p:nvSpPr>
-          <p:cNvPr id="14" name="Rectangle 13"/>
+          <p:cNvPr id="15" name="Rectangle 14"/>
           <p:cNvSpPr/>
           <p:nvPr/>
         </p:nvSpPr>
         <p:spPr>
           <a:xfrm>
-            <a:off x="3154680" y="1463040"/>
-            <a:ext cx="2834640" cy="457200"/>
+            <a:off x="3154680" y="1920240"/>
+            <a:ext cx="2834640" cy="411480"/>
           </a:xfrm>
           <a:prstGeom prst="rect">
             <a:avLst/>
@@ -5827,13 +5932,13 @@
       </p:sp>
       <p:sp>
         <p:nvSpPr>
-          <p:cNvPr id="15" name="TextBox 14"/>
-          <p:cNvSpPr txBox="1"/>
-          <p:nvPr/>
-        </p:nvSpPr>
-        <p:spPr>
-          <a:xfrm>
-            <a:off x="3154680" y="1508760"/>
+          <p:cNvPr id="16" name="TextBox 15"/>
+          <p:cNvSpPr txBox="1"/>
+          <p:nvPr/>
+        </p:nvSpPr>
+        <p:spPr>
+          <a:xfrm>
+            <a:off x="3154680" y="1947672"/>
             <a:ext cx="2834640" cy="365760"/>
           </a:xfrm>
           <a:prstGeom prst="rect">
@@ -5848,7 +5953,7 @@
           <a:lstStyle/>
           <a:p>
             <a:pPr algn="ctr">
-              <a:defRPr sz="1400" b="1">
+              <a:defRPr sz="1300" b="1">
                 <a:solidFill>
                   <a:srgbClr val="FFFFFF"/>
                 </a:solidFill>
@@ -5862,14 +5967,14 @@
       </p:sp>
       <p:sp>
         <p:nvSpPr>
-          <p:cNvPr id="16" name="TextBox 15"/>
-          <p:cNvSpPr txBox="1"/>
-          <p:nvPr/>
-        </p:nvSpPr>
-        <p:spPr>
-          <a:xfrm>
-            <a:off x="3246120" y="1965960"/>
-            <a:ext cx="2651760" cy="731520"/>
+          <p:cNvPr id="17" name="TextBox 16"/>
+          <p:cNvSpPr txBox="1"/>
+          <p:nvPr/>
+        </p:nvSpPr>
+        <p:spPr>
+          <a:xfrm>
+            <a:off x="3227832" y="2377440"/>
+            <a:ext cx="2688336" cy="685800"/>
           </a:xfrm>
           <a:prstGeom prst="rect">
             <a:avLst/>
@@ -5883,28 +5988,28 @@
           <a:lstStyle/>
           <a:p>
             <a:pPr>
-              <a:defRPr sz="1100">
-                <a:solidFill>
-                  <a:srgbClr val="343A40"/>
-                </a:solidFill>
-              </a:defRPr>
-            </a:pPr>
-            <a:r>
-              <a:t>PAM (Privileged Access Management), Rollenkonzept</a:t>
-            </a:r>
-          </a:p>
-        </p:txBody>
-      </p:sp>
-      <p:sp>
-        <p:nvSpPr>
-          <p:cNvPr id="17" name="TextBox 16"/>
-          <p:cNvSpPr txBox="1"/>
-          <p:nvPr/>
-        </p:nvSpPr>
-        <p:spPr>
-          <a:xfrm>
-            <a:off x="3246120" y="2697480"/>
-            <a:ext cx="2651760" cy="548640"/>
+              <a:defRPr sz="1000">
+                <a:solidFill>
+                  <a:srgbClr val="343A40"/>
+                </a:solidFill>
+              </a:defRPr>
+            </a:pPr>
+            <a:r>
+              <a:t>Besser: Spezielle Verwaltung für Admin-Konten, klare Rollen wer was darf.</a:t>
+            </a:r>
+          </a:p>
+        </p:txBody>
+      </p:sp>
+      <p:sp>
+        <p:nvSpPr>
+          <p:cNvPr id="18" name="TextBox 17"/>
+          <p:cNvSpPr txBox="1"/>
+          <p:nvPr/>
+        </p:nvSpPr>
+        <p:spPr>
+          <a:xfrm>
+            <a:off x="3227832" y="3108960"/>
+            <a:ext cx="2688336" cy="502920"/>
           </a:xfrm>
           <a:prstGeom prst="rect">
             <a:avLst/>
@@ -5918,20 +6023,20 @@
           <a:lstStyle/>
           <a:p>
             <a:pPr>
+              <a:defRPr sz="1000" b="1">
+                <a:solidFill>
+                  <a:srgbClr val="343A40"/>
+                </a:solidFill>
+              </a:defRPr>
+            </a:pPr>
+            <a:r>
+              <a:t>CIA-Beitrag:</a:t>
+            </a:r>
+          </a:p>
+          <a:p>
+            <a:pPr>
               <a:defRPr sz="1100" b="1">
                 <a:solidFill>
-                  <a:srgbClr val="343A40"/>
-                </a:solidFill>
-              </a:defRPr>
-            </a:pPr>
-            <a:r>
-              <a:t>CIA-Beitrag:</a:t>
-            </a:r>
-          </a:p>
-          <a:p>
-            <a:pPr>
-              <a:defRPr sz="1200" b="1">
-                <a:solidFill>
                   <a:srgbClr val="007AC2"/>
                 </a:solidFill>
               </a:defRPr>
@@ -5944,14 +6049,14 @@
       </p:sp>
       <p:sp>
         <p:nvSpPr>
-          <p:cNvPr id="18" name="TextBox 17"/>
-          <p:cNvSpPr txBox="1"/>
-          <p:nvPr/>
-        </p:nvSpPr>
-        <p:spPr>
-          <a:xfrm>
-            <a:off x="3246120" y="3246120"/>
-            <a:ext cx="2651760" cy="548640"/>
+          <p:cNvPr id="19" name="TextBox 18"/>
+          <p:cNvSpPr txBox="1"/>
+          <p:nvPr/>
+        </p:nvSpPr>
+        <p:spPr>
+          <a:xfrm>
+            <a:off x="3227832" y="3611880"/>
+            <a:ext cx="2688336" cy="502920"/>
           </a:xfrm>
           <a:prstGeom prst="rect">
             <a:avLst/>
@@ -5965,7 +6070,7 @@
           <a:lstStyle/>
           <a:p>
             <a:pPr>
-              <a:defRPr sz="1100" b="1">
+              <a:defRPr sz="1000" b="1">
                 <a:solidFill>
                   <a:srgbClr val="343A40"/>
                 </a:solidFill>
@@ -5977,7 +6082,7 @@
           </a:p>
           <a:p>
             <a:pPr>
-              <a:defRPr sz="1100">
+              <a:defRPr sz="1000">
                 <a:solidFill>
                   <a:srgbClr val="343A40"/>
                 </a:solidFill>
@@ -5991,14 +6096,14 @@
       </p:sp>
       <p:sp>
         <p:nvSpPr>
-          <p:cNvPr id="19" name="TextBox 18"/>
-          <p:cNvSpPr txBox="1"/>
-          <p:nvPr/>
-        </p:nvSpPr>
-        <p:spPr>
-          <a:xfrm>
-            <a:off x="3246120" y="3794760"/>
-            <a:ext cx="2651760" cy="1280160"/>
+          <p:cNvPr id="20" name="TextBox 19"/>
+          <p:cNvSpPr txBox="1"/>
+          <p:nvPr/>
+        </p:nvSpPr>
+        <p:spPr>
+          <a:xfrm>
+            <a:off x="3227832" y="4114800"/>
+            <a:ext cx="2688336" cy="1188720"/>
           </a:xfrm>
           <a:prstGeom prst="rect">
             <a:avLst/>
@@ -6012,7 +6117,7 @@
           <a:lstStyle/>
           <a:p>
             <a:pPr>
-              <a:defRPr sz="1100" b="1">
+              <a:defRPr sz="1000" b="1">
                 <a:solidFill>
                   <a:srgbClr val="343A40"/>
                 </a:solidFill>
@@ -6024,7 +6129,7 @@
           </a:p>
           <a:p>
             <a:pPr>
-              <a:defRPr sz="1100">
+              <a:defRPr sz="1000">
                 <a:solidFill>
                   <a:srgbClr val="00994C"/>
                 </a:solidFill>
@@ -6036,7 +6141,7 @@
           </a:p>
           <a:p>
             <a:pPr>
-              <a:defRPr sz="1100">
+              <a:defRPr sz="1000">
                 <a:solidFill>
                   <a:srgbClr val="00994C"/>
                 </a:solidFill>
@@ -6050,14 +6155,14 @@
       </p:sp>
       <p:sp>
         <p:nvSpPr>
-          <p:cNvPr id="20" name="TextBox 19"/>
-          <p:cNvSpPr txBox="1"/>
-          <p:nvPr/>
-        </p:nvSpPr>
-        <p:spPr>
-          <a:xfrm>
-            <a:off x="3246120" y="5029200"/>
-            <a:ext cx="2651760" cy="457200"/>
+          <p:cNvPr id="21" name="TextBox 20"/>
+          <p:cNvSpPr txBox="1"/>
+          <p:nvPr/>
+        </p:nvSpPr>
+        <p:spPr>
+          <a:xfrm>
+            <a:off x="3227832" y="5303520"/>
+            <a:ext cx="2688336" cy="411480"/>
           </a:xfrm>
           <a:prstGeom prst="rect">
             <a:avLst/>
@@ -6074,14 +6179,14 @@
       </p:sp>
       <p:sp>
         <p:nvSpPr>
-          <p:cNvPr id="21" name="Rounded Rectangle 20"/>
+          <p:cNvPr id="22" name="Rounded Rectangle 21"/>
           <p:cNvSpPr/>
           <p:nvPr/>
         </p:nvSpPr>
         <p:spPr>
           <a:xfrm>
-            <a:off x="6080760" y="1463040"/>
-            <a:ext cx="2834640" cy="5029200"/>
+            <a:off x="6080760" y="1920240"/>
+            <a:ext cx="2834640" cy="4754880"/>
           </a:xfrm>
           <a:prstGeom prst="roundRect">
             <a:avLst/>
@@ -6119,14 +6224,14 @@
       </p:sp>
       <p:sp>
         <p:nvSpPr>
-          <p:cNvPr id="22" name="Rectangle 21"/>
+          <p:cNvPr id="23" name="Rectangle 22"/>
           <p:cNvSpPr/>
           <p:nvPr/>
         </p:nvSpPr>
         <p:spPr>
           <a:xfrm>
-            <a:off x="6080760" y="1463040"/>
-            <a:ext cx="2834640" cy="457200"/>
+            <a:off x="6080760" y="1920240"/>
+            <a:ext cx="2834640" cy="411480"/>
           </a:xfrm>
           <a:prstGeom prst="rect">
             <a:avLst/>
@@ -6162,13 +6267,13 @@
       </p:sp>
       <p:sp>
         <p:nvSpPr>
-          <p:cNvPr id="23" name="TextBox 22"/>
-          <p:cNvSpPr txBox="1"/>
-          <p:nvPr/>
-        </p:nvSpPr>
-        <p:spPr>
-          <a:xfrm>
-            <a:off x="6080760" y="1508760"/>
+          <p:cNvPr id="24" name="TextBox 23"/>
+          <p:cNvSpPr txBox="1"/>
+          <p:nvPr/>
+        </p:nvSpPr>
+        <p:spPr>
+          <a:xfrm>
+            <a:off x="6080760" y="1947672"/>
             <a:ext cx="2834640" cy="365760"/>
           </a:xfrm>
           <a:prstGeom prst="rect">
@@ -6183,7 +6288,7 @@
           <a:lstStyle/>
           <a:p>
             <a:pPr algn="ctr">
-              <a:defRPr sz="1400" b="1">
+              <a:defRPr sz="1300" b="1">
                 <a:solidFill>
                   <a:srgbClr val="FFFFFF"/>
                 </a:solidFill>
@@ -6197,14 +6302,14 @@
       </p:sp>
       <p:sp>
         <p:nvSpPr>
-          <p:cNvPr id="24" name="TextBox 23"/>
-          <p:cNvSpPr txBox="1"/>
-          <p:nvPr/>
-        </p:nvSpPr>
-        <p:spPr>
-          <a:xfrm>
-            <a:off x="6172200" y="1965960"/>
-            <a:ext cx="2651760" cy="731520"/>
+          <p:cNvPr id="25" name="TextBox 24"/>
+          <p:cNvSpPr txBox="1"/>
+          <p:nvPr/>
+        </p:nvSpPr>
+        <p:spPr>
+          <a:xfrm>
+            <a:off x="6153912" y="2377440"/>
+            <a:ext cx="2688336" cy="685800"/>
           </a:xfrm>
           <a:prstGeom prst="rect">
             <a:avLst/>
@@ -6218,28 +6323,28 @@
           <a:lstStyle/>
           <a:p>
             <a:pPr>
-              <a:defRPr sz="1100">
-                <a:solidFill>
-                  <a:srgbClr val="343A40"/>
-                </a:solidFill>
-              </a:defRPr>
-            </a:pPr>
-            <a:r>
-              <a:t>JIT-Access, Session-Recording, Access-Reviews</a:t>
-            </a:r>
-          </a:p>
-        </p:txBody>
-      </p:sp>
-      <p:sp>
-        <p:nvSpPr>
-          <p:cNvPr id="25" name="TextBox 24"/>
-          <p:cNvSpPr txBox="1"/>
-          <p:nvPr/>
-        </p:nvSpPr>
-        <p:spPr>
-          <a:xfrm>
-            <a:off x="6172200" y="2697480"/>
-            <a:ext cx="2651760" cy="548640"/>
+              <a:defRPr sz="1000">
+                <a:solidFill>
+                  <a:srgbClr val="343A40"/>
+                </a:solidFill>
+              </a:defRPr>
+            </a:pPr>
+            <a:r>
+              <a:t>Premium: Zugriff nur bei Bedarf, alle Admin-Aktionen werden aufgezeichnet.</a:t>
+            </a:r>
+          </a:p>
+        </p:txBody>
+      </p:sp>
+      <p:sp>
+        <p:nvSpPr>
+          <p:cNvPr id="26" name="TextBox 25"/>
+          <p:cNvSpPr txBox="1"/>
+          <p:nvPr/>
+        </p:nvSpPr>
+        <p:spPr>
+          <a:xfrm>
+            <a:off x="6153912" y="3108960"/>
+            <a:ext cx="2688336" cy="502920"/>
           </a:xfrm>
           <a:prstGeom prst="rect">
             <a:avLst/>
@@ -6253,20 +6358,20 @@
           <a:lstStyle/>
           <a:p>
             <a:pPr>
+              <a:defRPr sz="1000" b="1">
+                <a:solidFill>
+                  <a:srgbClr val="343A40"/>
+                </a:solidFill>
+              </a:defRPr>
+            </a:pPr>
+            <a:r>
+              <a:t>CIA-Beitrag:</a:t>
+            </a:r>
+          </a:p>
+          <a:p>
+            <a:pPr>
               <a:defRPr sz="1100" b="1">
                 <a:solidFill>
-                  <a:srgbClr val="343A40"/>
-                </a:solidFill>
-              </a:defRPr>
-            </a:pPr>
-            <a:r>
-              <a:t>CIA-Beitrag:</a:t>
-            </a:r>
-          </a:p>
-          <a:p>
-            <a:pPr>
-              <a:defRPr sz="1200" b="1">
-                <a:solidFill>
                   <a:srgbClr val="007AC2"/>
                 </a:solidFill>
               </a:defRPr>
@@ -6279,14 +6384,14 @@
       </p:sp>
       <p:sp>
         <p:nvSpPr>
-          <p:cNvPr id="26" name="TextBox 25"/>
-          <p:cNvSpPr txBox="1"/>
-          <p:nvPr/>
-        </p:nvSpPr>
-        <p:spPr>
-          <a:xfrm>
-            <a:off x="6172200" y="3246120"/>
-            <a:ext cx="2651760" cy="548640"/>
+          <p:cNvPr id="27" name="TextBox 26"/>
+          <p:cNvSpPr txBox="1"/>
+          <p:nvPr/>
+        </p:nvSpPr>
+        <p:spPr>
+          <a:xfrm>
+            <a:off x="6153912" y="3611880"/>
+            <a:ext cx="2688336" cy="502920"/>
           </a:xfrm>
           <a:prstGeom prst="rect">
             <a:avLst/>
@@ -6300,7 +6405,7 @@
           <a:lstStyle/>
           <a:p>
             <a:pPr>
-              <a:defRPr sz="1100" b="1">
+              <a:defRPr sz="1000" b="1">
                 <a:solidFill>
                   <a:srgbClr val="343A40"/>
                 </a:solidFill>
@@ -6312,7 +6417,7 @@
           </a:p>
           <a:p>
             <a:pPr>
-              <a:defRPr sz="1100">
+              <a:defRPr sz="1000">
                 <a:solidFill>
                   <a:srgbClr val="343A40"/>
                 </a:solidFill>
@@ -6326,14 +6431,14 @@
       </p:sp>
       <p:sp>
         <p:nvSpPr>
-          <p:cNvPr id="27" name="TextBox 26"/>
-          <p:cNvSpPr txBox="1"/>
-          <p:nvPr/>
-        </p:nvSpPr>
-        <p:spPr>
-          <a:xfrm>
-            <a:off x="6172200" y="3794760"/>
-            <a:ext cx="2651760" cy="1280160"/>
+          <p:cNvPr id="28" name="TextBox 27"/>
+          <p:cNvSpPr txBox="1"/>
+          <p:nvPr/>
+        </p:nvSpPr>
+        <p:spPr>
+          <a:xfrm>
+            <a:off x="6153912" y="4114800"/>
+            <a:ext cx="2688336" cy="1188720"/>
           </a:xfrm>
           <a:prstGeom prst="rect">
             <a:avLst/>
@@ -6347,7 +6452,7 @@
           <a:lstStyle/>
           <a:p>
             <a:pPr>
-              <a:defRPr sz="1100" b="1">
+              <a:defRPr sz="1000" b="1">
                 <a:solidFill>
                   <a:srgbClr val="343A40"/>
                 </a:solidFill>
@@ -6359,7 +6464,7 @@
           </a:p>
           <a:p>
             <a:pPr>
-              <a:defRPr sz="1100">
+              <a:defRPr sz="1000">
                 <a:solidFill>
                   <a:srgbClr val="00994C"/>
                 </a:solidFill>
@@ -6371,7 +6476,7 @@
           </a:p>
           <a:p>
             <a:pPr>
-              <a:defRPr sz="1100">
+              <a:defRPr sz="1000">
                 <a:solidFill>
                   <a:srgbClr val="00994C"/>
                 </a:solidFill>
@@ -6385,14 +6490,14 @@
       </p:sp>
       <p:sp>
         <p:nvSpPr>
-          <p:cNvPr id="28" name="TextBox 27"/>
-          <p:cNvSpPr txBox="1"/>
-          <p:nvPr/>
-        </p:nvSpPr>
-        <p:spPr>
-          <a:xfrm>
-            <a:off x="6172200" y="5029200"/>
-            <a:ext cx="2651760" cy="457200"/>
+          <p:cNvPr id="29" name="TextBox 28"/>
+          <p:cNvSpPr txBox="1"/>
+          <p:nvPr/>
+        </p:nvSpPr>
+        <p:spPr>
+          <a:xfrm>
+            <a:off x="6153912" y="5303520"/>
+            <a:ext cx="2688336" cy="411480"/>
           </a:xfrm>
           <a:prstGeom prst="rect">
             <a:avLst/>
@@ -6406,7 +6511,7 @@
           <a:lstStyle/>
           <a:p>
             <a:pPr>
-              <a:defRPr sz="1000" i="1">
+              <a:defRPr sz="900" i="1">
                 <a:solidFill>
                   <a:srgbClr val="DC3545"/>
                 </a:solidFill>
@@ -6445,7 +6550,7 @@
         <p:spPr>
           <a:xfrm>
             <a:off x="0" y="0"/>
-            <a:ext cx="9144000" cy="1280160"/>
+            <a:ext cx="9144000" cy="1737360"/>
           </a:xfrm>
           <a:prstGeom prst="rect">
             <a:avLst/>
@@ -6487,8 +6592,8 @@
         </p:nvSpPr>
         <p:spPr>
           <a:xfrm>
-            <a:off x="274320" y="182880"/>
-            <a:ext cx="8595360" cy="548640"/>
+            <a:off x="274320" y="137160"/>
+            <a:ext cx="8595360" cy="457200"/>
           </a:xfrm>
           <a:prstGeom prst="rect">
             <a:avLst/>
@@ -6502,7 +6607,7 @@
           <a:lstStyle/>
           <a:p>
             <a:pPr>
-              <a:defRPr sz="3200" b="1">
+              <a:defRPr sz="2800" b="1">
                 <a:solidFill>
                   <a:srgbClr val="FFFFFF"/>
                 </a:solidFill>
@@ -6522,7 +6627,42 @@
         </p:nvSpPr>
         <p:spPr>
           <a:xfrm>
-            <a:off x="274320" y="777240"/>
+            <a:off x="274320" y="594360"/>
+            <a:ext cx="8595360" cy="640080"/>
+          </a:xfrm>
+          <a:prstGeom prst="rect">
+            <a:avLst/>
+          </a:prstGeom>
+          <a:noFill/>
+        </p:spPr>
+        <p:txBody>
+          <a:bodyPr wrap="square">
+            <a:spAutoFit/>
+          </a:bodyPr>
+          <a:lstStyle/>
+          <a:p>
+            <a:pPr>
+              <a:defRPr sz="1400">
+                <a:solidFill>
+                  <a:srgbClr val="F8F9FA"/>
+                </a:solidFill>
+              </a:defRPr>
+            </a:pPr>
+            <a:r>
+              <a:t>Wie ein Überwachungssystem für die IT: Alle wichtigen Ereignisse werden protokolliert und ausgewertet, um verdächtige Aktivitäten frühzeitig zu erkennen.</a:t>
+            </a:r>
+          </a:p>
+        </p:txBody>
+      </p:sp>
+      <p:sp>
+        <p:nvSpPr>
+          <p:cNvPr id="5" name="TextBox 4"/>
+          <p:cNvSpPr txBox="1"/>
+          <p:nvPr/>
+        </p:nvSpPr>
+        <p:spPr>
+          <a:xfrm>
+            <a:off x="274320" y="1280160"/>
             <a:ext cx="8595360" cy="365760"/>
           </a:xfrm>
           <a:prstGeom prst="rect">
@@ -6537,28 +6677,28 @@
           <a:lstStyle/>
           <a:p>
             <a:pPr>
-              <a:defRPr sz="1600" i="1">
+              <a:defRPr sz="1100" i="1">
                 <a:solidFill>
                   <a:srgbClr val="F8F9FA"/>
                 </a:solidFill>
               </a:defRPr>
             </a:pPr>
             <a:r>
-              <a:t>Fokus: Sichtbarkeit schaffen, Angriffe erkennen</a:t>
-            </a:r>
-          </a:p>
-        </p:txBody>
-      </p:sp>
-      <p:sp>
-        <p:nvSpPr>
-          <p:cNvPr id="5" name="Rounded Rectangle 4"/>
+              <a:t>Technischer Fokus: Sichtbarkeit schaffen, Angriffe erkennen</a:t>
+            </a:r>
+          </a:p>
+        </p:txBody>
+      </p:sp>
+      <p:sp>
+        <p:nvSpPr>
+          <p:cNvPr id="6" name="Rounded Rectangle 5"/>
           <p:cNvSpPr/>
           <p:nvPr/>
         </p:nvSpPr>
         <p:spPr>
           <a:xfrm>
-            <a:off x="228600" y="1463040"/>
-            <a:ext cx="2834640" cy="5029200"/>
+            <a:off x="228600" y="1920240"/>
+            <a:ext cx="2834640" cy="4754880"/>
           </a:xfrm>
           <a:prstGeom prst="roundRect">
             <a:avLst/>
@@ -6596,14 +6736,14 @@
       </p:sp>
       <p:sp>
         <p:nvSpPr>
-          <p:cNvPr id="6" name="Rectangle 5"/>
+          <p:cNvPr id="7" name="Rectangle 6"/>
           <p:cNvSpPr/>
           <p:nvPr/>
         </p:nvSpPr>
         <p:spPr>
           <a:xfrm>
-            <a:off x="228600" y="1463040"/>
-            <a:ext cx="2834640" cy="457200"/>
+            <a:off x="228600" y="1920240"/>
+            <a:ext cx="2834640" cy="411480"/>
           </a:xfrm>
           <a:prstGeom prst="rect">
             <a:avLst/>
@@ -6639,13 +6779,13 @@
       </p:sp>
       <p:sp>
         <p:nvSpPr>
-          <p:cNvPr id="7" name="TextBox 6"/>
-          <p:cNvSpPr txBox="1"/>
-          <p:nvPr/>
-        </p:nvSpPr>
-        <p:spPr>
-          <a:xfrm>
-            <a:off x="228600" y="1508760"/>
+          <p:cNvPr id="8" name="TextBox 7"/>
+          <p:cNvSpPr txBox="1"/>
+          <p:nvPr/>
+        </p:nvSpPr>
+        <p:spPr>
+          <a:xfrm>
+            <a:off x="228600" y="1947672"/>
             <a:ext cx="2834640" cy="365760"/>
           </a:xfrm>
           <a:prstGeom prst="rect">
@@ -6660,7 +6800,7 @@
           <a:lstStyle/>
           <a:p>
             <a:pPr algn="ctr">
-              <a:defRPr sz="1400" b="1">
+              <a:defRPr sz="1300" b="1">
                 <a:solidFill>
                   <a:srgbClr val="FFFFFF"/>
                 </a:solidFill>
@@ -6674,14 +6814,14 @@
       </p:sp>
       <p:sp>
         <p:nvSpPr>
-          <p:cNvPr id="8" name="TextBox 7"/>
-          <p:cNvSpPr txBox="1"/>
-          <p:nvPr/>
-        </p:nvSpPr>
-        <p:spPr>
-          <a:xfrm>
-            <a:off x="320040" y="1965960"/>
-            <a:ext cx="2651760" cy="731520"/>
+          <p:cNvPr id="9" name="TextBox 8"/>
+          <p:cNvSpPr txBox="1"/>
+          <p:nvPr/>
+        </p:nvSpPr>
+        <p:spPr>
+          <a:xfrm>
+            <a:off x="301752" y="2377440"/>
+            <a:ext cx="2688336" cy="685800"/>
           </a:xfrm>
           <a:prstGeom prst="rect">
             <a:avLst/>
@@ -6695,28 +6835,28 @@
           <a:lstStyle/>
           <a:p>
             <a:pPr>
-              <a:defRPr sz="1100">
-                <a:solidFill>
-                  <a:srgbClr val="343A40"/>
-                </a:solidFill>
-              </a:defRPr>
-            </a:pPr>
-            <a:r>
-              <a:t>Windows Event Logs zentral sammeln, 30 Tage</a:t>
-            </a:r>
-          </a:p>
-        </p:txBody>
-      </p:sp>
-      <p:sp>
-        <p:nvSpPr>
-          <p:cNvPr id="9" name="TextBox 8"/>
-          <p:cNvSpPr txBox="1"/>
-          <p:nvPr/>
-        </p:nvSpPr>
-        <p:spPr>
-          <a:xfrm>
-            <a:off x="320040" y="2697480"/>
-            <a:ext cx="2651760" cy="548640"/>
+              <a:defRPr sz="1000">
+                <a:solidFill>
+                  <a:srgbClr val="343A40"/>
+                </a:solidFill>
+              </a:defRPr>
+            </a:pPr>
+            <a:r>
+              <a:t>Grundschutz: Protokolle werden gesammelt und 30 Tage aufbewahrt.</a:t>
+            </a:r>
+          </a:p>
+        </p:txBody>
+      </p:sp>
+      <p:sp>
+        <p:nvSpPr>
+          <p:cNvPr id="10" name="TextBox 9"/>
+          <p:cNvSpPr txBox="1"/>
+          <p:nvPr/>
+        </p:nvSpPr>
+        <p:spPr>
+          <a:xfrm>
+            <a:off x="301752" y="3108960"/>
+            <a:ext cx="2688336" cy="502920"/>
           </a:xfrm>
           <a:prstGeom prst="rect">
             <a:avLst/>
@@ -6730,20 +6870,20 @@
           <a:lstStyle/>
           <a:p>
             <a:pPr>
+              <a:defRPr sz="1000" b="1">
+                <a:solidFill>
+                  <a:srgbClr val="343A40"/>
+                </a:solidFill>
+              </a:defRPr>
+            </a:pPr>
+            <a:r>
+              <a:t>CIA-Beitrag:</a:t>
+            </a:r>
+          </a:p>
+          <a:p>
+            <a:pPr>
               <a:defRPr sz="1100" b="1">
                 <a:solidFill>
-                  <a:srgbClr val="343A40"/>
-                </a:solidFill>
-              </a:defRPr>
-            </a:pPr>
-            <a:r>
-              <a:t>CIA-Beitrag:</a:t>
-            </a:r>
-          </a:p>
-          <a:p>
-            <a:pPr>
-              <a:defRPr sz="1200" b="1">
-                <a:solidFill>
                   <a:srgbClr val="007AC2"/>
                 </a:solidFill>
               </a:defRPr>
@@ -6756,14 +6896,14 @@
       </p:sp>
       <p:sp>
         <p:nvSpPr>
-          <p:cNvPr id="10" name="TextBox 9"/>
-          <p:cNvSpPr txBox="1"/>
-          <p:nvPr/>
-        </p:nvSpPr>
-        <p:spPr>
-          <a:xfrm>
-            <a:off x="320040" y="3246120"/>
-            <a:ext cx="2651760" cy="548640"/>
+          <p:cNvPr id="11" name="TextBox 10"/>
+          <p:cNvSpPr txBox="1"/>
+          <p:nvPr/>
+        </p:nvSpPr>
+        <p:spPr>
+          <a:xfrm>
+            <a:off x="301752" y="3611880"/>
+            <a:ext cx="2688336" cy="502920"/>
           </a:xfrm>
           <a:prstGeom prst="rect">
             <a:avLst/>
@@ -6777,7 +6917,7 @@
           <a:lstStyle/>
           <a:p>
             <a:pPr>
-              <a:defRPr sz="1100" b="1">
+              <a:defRPr sz="1000" b="1">
                 <a:solidFill>
                   <a:srgbClr val="343A40"/>
                 </a:solidFill>
@@ -6789,7 +6929,7 @@
           </a:p>
           <a:p>
             <a:pPr>
-              <a:defRPr sz="1100">
+              <a:defRPr sz="1000">
                 <a:solidFill>
                   <a:srgbClr val="343A40"/>
                 </a:solidFill>
@@ -6803,14 +6943,14 @@
       </p:sp>
       <p:sp>
         <p:nvSpPr>
-          <p:cNvPr id="11" name="TextBox 10"/>
-          <p:cNvSpPr txBox="1"/>
-          <p:nvPr/>
-        </p:nvSpPr>
-        <p:spPr>
-          <a:xfrm>
-            <a:off x="320040" y="3794760"/>
-            <a:ext cx="2651760" cy="1280160"/>
+          <p:cNvPr id="12" name="TextBox 11"/>
+          <p:cNvSpPr txBox="1"/>
+          <p:nvPr/>
+        </p:nvSpPr>
+        <p:spPr>
+          <a:xfrm>
+            <a:off x="301752" y="4114800"/>
+            <a:ext cx="2688336" cy="1188720"/>
           </a:xfrm>
           <a:prstGeom prst="rect">
             <a:avLst/>
@@ -6824,7 +6964,7 @@
           <a:lstStyle/>
           <a:p>
             <a:pPr>
-              <a:defRPr sz="1100" b="1">
+              <a:defRPr sz="1000" b="1">
                 <a:solidFill>
                   <a:srgbClr val="343A40"/>
                 </a:solidFill>
@@ -6836,7 +6976,7 @@
           </a:p>
           <a:p>
             <a:pPr>
-              <a:defRPr sz="1100">
+              <a:defRPr sz="1000">
                 <a:solidFill>
                   <a:srgbClr val="00994C"/>
                 </a:solidFill>
@@ -6848,7 +6988,7 @@
           </a:p>
           <a:p>
             <a:pPr>
-              <a:defRPr sz="1100">
+              <a:defRPr sz="1000">
                 <a:solidFill>
                   <a:srgbClr val="00994C"/>
                 </a:solidFill>
@@ -6862,14 +7002,14 @@
       </p:sp>
       <p:sp>
         <p:nvSpPr>
-          <p:cNvPr id="12" name="Rounded Rectangle 11"/>
+          <p:cNvPr id="13" name="Rounded Rectangle 12"/>
           <p:cNvSpPr/>
           <p:nvPr/>
         </p:nvSpPr>
         <p:spPr>
           <a:xfrm>
-            <a:off x="3154680" y="1463040"/>
-            <a:ext cx="2834640" cy="5029200"/>
+            <a:off x="3154680" y="1920240"/>
+            <a:ext cx="2834640" cy="4754880"/>
           </a:xfrm>
           <a:prstGeom prst="roundRect">
             <a:avLst/>
@@ -6907,14 +7047,14 @@
       </p:sp>
       <p:sp>
         <p:nvSpPr>
-          <p:cNvPr id="13" name="Rectangle 12"/>
+          <p:cNvPr id="14" name="Rectangle 13"/>
           <p:cNvSpPr/>
           <p:nvPr/>
         </p:nvSpPr>
         <p:spPr>
           <a:xfrm>
-            <a:off x="3154680" y="1463040"/>
-            <a:ext cx="2834640" cy="457200"/>
+            <a:off x="3154680" y="1920240"/>
+            <a:ext cx="2834640" cy="411480"/>
           </a:xfrm>
           <a:prstGeom prst="rect">
             <a:avLst/>
@@ -6950,13 +7090,13 @@
       </p:sp>
       <p:sp>
         <p:nvSpPr>
-          <p:cNvPr id="14" name="TextBox 13"/>
-          <p:cNvSpPr txBox="1"/>
-          <p:nvPr/>
-        </p:nvSpPr>
-        <p:spPr>
-          <a:xfrm>
-            <a:off x="3154680" y="1508760"/>
+          <p:cNvPr id="15" name="TextBox 14"/>
+          <p:cNvSpPr txBox="1"/>
+          <p:nvPr/>
+        </p:nvSpPr>
+        <p:spPr>
+          <a:xfrm>
+            <a:off x="3154680" y="1947672"/>
             <a:ext cx="2834640" cy="365760"/>
           </a:xfrm>
           <a:prstGeom prst="rect">
@@ -6971,7 +7111,7 @@
           <a:lstStyle/>
           <a:p>
             <a:pPr algn="ctr">
-              <a:defRPr sz="1400" b="1">
+              <a:defRPr sz="1300" b="1">
                 <a:solidFill>
                   <a:srgbClr val="FFFFFF"/>
                 </a:solidFill>
@@ -6985,14 +7125,14 @@
       </p:sp>
       <p:sp>
         <p:nvSpPr>
-          <p:cNvPr id="15" name="TextBox 14"/>
-          <p:cNvSpPr txBox="1"/>
-          <p:nvPr/>
-        </p:nvSpPr>
-        <p:spPr>
-          <a:xfrm>
-            <a:off x="3246120" y="1965960"/>
-            <a:ext cx="2651760" cy="731520"/>
+          <p:cNvPr id="16" name="TextBox 15"/>
+          <p:cNvSpPr txBox="1"/>
+          <p:nvPr/>
+        </p:nvSpPr>
+        <p:spPr>
+          <a:xfrm>
+            <a:off x="3227832" y="2377440"/>
+            <a:ext cx="2688336" cy="685800"/>
           </a:xfrm>
           <a:prstGeom prst="rect">
             <a:avLst/>
@@ -7006,28 +7146,28 @@
           <a:lstStyle/>
           <a:p>
             <a:pPr>
-              <a:defRPr sz="1100">
-                <a:solidFill>
-                  <a:srgbClr val="343A40"/>
-                </a:solidFill>
-              </a:defRPr>
-            </a:pPr>
-            <a:r>
-              <a:t>SIEM mit Use Cases (Failed Logins, Priv. Escalation)</a:t>
-            </a:r>
-          </a:p>
-        </p:txBody>
-      </p:sp>
-      <p:sp>
-        <p:nvSpPr>
-          <p:cNvPr id="16" name="TextBox 15"/>
-          <p:cNvSpPr txBox="1"/>
-          <p:nvPr/>
-        </p:nvSpPr>
-        <p:spPr>
-          <a:xfrm>
-            <a:off x="3246120" y="2697480"/>
-            <a:ext cx="2651760" cy="548640"/>
+              <a:defRPr sz="1000">
+                <a:solidFill>
+                  <a:srgbClr val="343A40"/>
+                </a:solidFill>
+              </a:defRPr>
+            </a:pPr>
+            <a:r>
+              <a:t>Besser: Automatische Alarme bei verdächtigen Mustern (z.B. viele fehlgeschlagene Logins).</a:t>
+            </a:r>
+          </a:p>
+        </p:txBody>
+      </p:sp>
+      <p:sp>
+        <p:nvSpPr>
+          <p:cNvPr id="17" name="TextBox 16"/>
+          <p:cNvSpPr txBox="1"/>
+          <p:nvPr/>
+        </p:nvSpPr>
+        <p:spPr>
+          <a:xfrm>
+            <a:off x="3227832" y="3108960"/>
+            <a:ext cx="2688336" cy="502920"/>
           </a:xfrm>
           <a:prstGeom prst="rect">
             <a:avLst/>
@@ -7041,20 +7181,20 @@
           <a:lstStyle/>
           <a:p>
             <a:pPr>
+              <a:defRPr sz="1000" b="1">
+                <a:solidFill>
+                  <a:srgbClr val="343A40"/>
+                </a:solidFill>
+              </a:defRPr>
+            </a:pPr>
+            <a:r>
+              <a:t>CIA-Beitrag:</a:t>
+            </a:r>
+          </a:p>
+          <a:p>
+            <a:pPr>
               <a:defRPr sz="1100" b="1">
                 <a:solidFill>
-                  <a:srgbClr val="343A40"/>
-                </a:solidFill>
-              </a:defRPr>
-            </a:pPr>
-            <a:r>
-              <a:t>CIA-Beitrag:</a:t>
-            </a:r>
-          </a:p>
-          <a:p>
-            <a:pPr>
-              <a:defRPr sz="1200" b="1">
-                <a:solidFill>
                   <a:srgbClr val="007AC2"/>
                 </a:solidFill>
               </a:defRPr>
@@ -7067,14 +7207,14 @@
       </p:sp>
       <p:sp>
         <p:nvSpPr>
-          <p:cNvPr id="17" name="TextBox 16"/>
-          <p:cNvSpPr txBox="1"/>
-          <p:nvPr/>
-        </p:nvSpPr>
-        <p:spPr>
-          <a:xfrm>
-            <a:off x="3246120" y="3246120"/>
-            <a:ext cx="2651760" cy="548640"/>
+          <p:cNvPr id="18" name="TextBox 17"/>
+          <p:cNvSpPr txBox="1"/>
+          <p:nvPr/>
+        </p:nvSpPr>
+        <p:spPr>
+          <a:xfrm>
+            <a:off x="3227832" y="3611880"/>
+            <a:ext cx="2688336" cy="502920"/>
           </a:xfrm>
           <a:prstGeom prst="rect">
             <a:avLst/>
@@ -7088,7 +7228,7 @@
           <a:lstStyle/>
           <a:p>
             <a:pPr>
-              <a:defRPr sz="1100" b="1">
+              <a:defRPr sz="1000" b="1">
                 <a:solidFill>
                   <a:srgbClr val="343A40"/>
                 </a:solidFill>
@@ -7100,7 +7240,7 @@
           </a:p>
           <a:p>
             <a:pPr>
-              <a:defRPr sz="1100">
+              <a:defRPr sz="1000">
                 <a:solidFill>
                   <a:srgbClr val="343A40"/>
                 </a:solidFill>
@@ -7114,14 +7254,14 @@
       </p:sp>
       <p:sp>
         <p:nvSpPr>
-          <p:cNvPr id="18" name="TextBox 17"/>
-          <p:cNvSpPr txBox="1"/>
-          <p:nvPr/>
-        </p:nvSpPr>
-        <p:spPr>
-          <a:xfrm>
-            <a:off x="3246120" y="3794760"/>
-            <a:ext cx="2651760" cy="1280160"/>
+          <p:cNvPr id="19" name="TextBox 18"/>
+          <p:cNvSpPr txBox="1"/>
+          <p:nvPr/>
+        </p:nvSpPr>
+        <p:spPr>
+          <a:xfrm>
+            <a:off x="3227832" y="4114800"/>
+            <a:ext cx="2688336" cy="1188720"/>
           </a:xfrm>
           <a:prstGeom prst="rect">
             <a:avLst/>
@@ -7135,7 +7275,7 @@
           <a:lstStyle/>
           <a:p>
             <a:pPr>
-              <a:defRPr sz="1100" b="1">
+              <a:defRPr sz="1000" b="1">
                 <a:solidFill>
                   <a:srgbClr val="343A40"/>
                 </a:solidFill>
@@ -7147,7 +7287,7 @@
           </a:p>
           <a:p>
             <a:pPr>
-              <a:defRPr sz="1100">
+              <a:defRPr sz="1000">
                 <a:solidFill>
                   <a:srgbClr val="00994C"/>
                 </a:solidFill>
@@ -7159,7 +7299,7 @@
           </a:p>
           <a:p>
             <a:pPr>
-              <a:defRPr sz="1100">
+              <a:defRPr sz="1000">
                 <a:solidFill>
                   <a:srgbClr val="00994C"/>
                 </a:solidFill>
@@ -7171,7 +7311,7 @@
           </a:p>
           <a:p>
             <a:pPr>
-              <a:defRPr sz="1100">
+              <a:defRPr sz="1000">
                 <a:solidFill>
                   <a:srgbClr val="00994C"/>
                 </a:solidFill>
@@ -7185,14 +7325,14 @@
       </p:sp>
       <p:sp>
         <p:nvSpPr>
-          <p:cNvPr id="19" name="Rounded Rectangle 18"/>
+          <p:cNvPr id="20" name="Rounded Rectangle 19"/>
           <p:cNvSpPr/>
           <p:nvPr/>
         </p:nvSpPr>
         <p:spPr>
           <a:xfrm>
-            <a:off x="6080760" y="1463040"/>
-            <a:ext cx="2834640" cy="5029200"/>
+            <a:off x="6080760" y="1920240"/>
+            <a:ext cx="2834640" cy="4754880"/>
           </a:xfrm>
           <a:prstGeom prst="roundRect">
             <a:avLst/>
@@ -7230,14 +7370,14 @@
       </p:sp>
       <p:sp>
         <p:nvSpPr>
-          <p:cNvPr id="20" name="Rectangle 19"/>
+          <p:cNvPr id="21" name="Rectangle 20"/>
           <p:cNvSpPr/>
           <p:nvPr/>
         </p:nvSpPr>
         <p:spPr>
           <a:xfrm>
-            <a:off x="6080760" y="1463040"/>
-            <a:ext cx="2834640" cy="457200"/>
+            <a:off x="6080760" y="1920240"/>
+            <a:ext cx="2834640" cy="411480"/>
           </a:xfrm>
           <a:prstGeom prst="rect">
             <a:avLst/>
@@ -7273,13 +7413,13 @@
       </p:sp>
       <p:sp>
         <p:nvSpPr>
-          <p:cNvPr id="21" name="TextBox 20"/>
-          <p:cNvSpPr txBox="1"/>
-          <p:nvPr/>
-        </p:nvSpPr>
-        <p:spPr>
-          <a:xfrm>
-            <a:off x="6080760" y="1508760"/>
+          <p:cNvPr id="22" name="TextBox 21"/>
+          <p:cNvSpPr txBox="1"/>
+          <p:nvPr/>
+        </p:nvSpPr>
+        <p:spPr>
+          <a:xfrm>
+            <a:off x="6080760" y="1947672"/>
             <a:ext cx="2834640" cy="365760"/>
           </a:xfrm>
           <a:prstGeom prst="rect">
@@ -7294,7 +7434,7 @@
           <a:lstStyle/>
           <a:p>
             <a:pPr algn="ctr">
-              <a:defRPr sz="1400" b="1">
+              <a:defRPr sz="1300" b="1">
                 <a:solidFill>
                   <a:srgbClr val="FFFFFF"/>
                 </a:solidFill>
@@ -7308,14 +7448,14 @@
       </p:sp>
       <p:sp>
         <p:nvSpPr>
-          <p:cNvPr id="22" name="TextBox 21"/>
-          <p:cNvSpPr txBox="1"/>
-          <p:nvPr/>
-        </p:nvSpPr>
-        <p:spPr>
-          <a:xfrm>
-            <a:off x="6172200" y="1965960"/>
-            <a:ext cx="2651760" cy="731520"/>
+          <p:cNvPr id="23" name="TextBox 22"/>
+          <p:cNvSpPr txBox="1"/>
+          <p:nvPr/>
+        </p:nvSpPr>
+        <p:spPr>
+          <a:xfrm>
+            <a:off x="6153912" y="2377440"/>
+            <a:ext cx="2688336" cy="685800"/>
           </a:xfrm>
           <a:prstGeom prst="rect">
             <a:avLst/>
@@ -7329,28 +7469,28 @@
           <a:lstStyle/>
           <a:p>
             <a:pPr>
-              <a:defRPr sz="1100">
-                <a:solidFill>
-                  <a:srgbClr val="343A40"/>
-                </a:solidFill>
-              </a:defRPr>
-            </a:pPr>
-            <a:r>
-              <a:t>MDR (Managed Detection &amp; Response) mit 24/7-SOC</a:t>
-            </a:r>
-          </a:p>
-        </p:txBody>
-      </p:sp>
-      <p:sp>
-        <p:nvSpPr>
-          <p:cNvPr id="23" name="TextBox 22"/>
-          <p:cNvSpPr txBox="1"/>
-          <p:nvPr/>
-        </p:nvSpPr>
-        <p:spPr>
-          <a:xfrm>
-            <a:off x="6172200" y="2697480"/>
-            <a:ext cx="2651760" cy="548640"/>
+              <a:defRPr sz="1000">
+                <a:solidFill>
+                  <a:srgbClr val="343A40"/>
+                </a:solidFill>
+              </a:defRPr>
+            </a:pPr>
+            <a:r>
+              <a:t>Premium: Externe Sicherheitsexperten überwachen rund um die Uhr.</a:t>
+            </a:r>
+          </a:p>
+        </p:txBody>
+      </p:sp>
+      <p:sp>
+        <p:nvSpPr>
+          <p:cNvPr id="24" name="TextBox 23"/>
+          <p:cNvSpPr txBox="1"/>
+          <p:nvPr/>
+        </p:nvSpPr>
+        <p:spPr>
+          <a:xfrm>
+            <a:off x="6153912" y="3108960"/>
+            <a:ext cx="2688336" cy="502920"/>
           </a:xfrm>
           <a:prstGeom prst="rect">
             <a:avLst/>
@@ -7364,20 +7504,20 @@
           <a:lstStyle/>
           <a:p>
             <a:pPr>
+              <a:defRPr sz="1000" b="1">
+                <a:solidFill>
+                  <a:srgbClr val="343A40"/>
+                </a:solidFill>
+              </a:defRPr>
+            </a:pPr>
+            <a:r>
+              <a:t>CIA-Beitrag:</a:t>
+            </a:r>
+          </a:p>
+          <a:p>
+            <a:pPr>
               <a:defRPr sz="1100" b="1">
                 <a:solidFill>
-                  <a:srgbClr val="343A40"/>
-                </a:solidFill>
-              </a:defRPr>
-            </a:pPr>
-            <a:r>
-              <a:t>CIA-Beitrag:</a:t>
-            </a:r>
-          </a:p>
-          <a:p>
-            <a:pPr>
-              <a:defRPr sz="1200" b="1">
-                <a:solidFill>
                   <a:srgbClr val="007AC2"/>
                 </a:solidFill>
               </a:defRPr>
@@ -7390,14 +7530,14 @@
       </p:sp>
       <p:sp>
         <p:nvSpPr>
-          <p:cNvPr id="24" name="TextBox 23"/>
-          <p:cNvSpPr txBox="1"/>
-          <p:nvPr/>
-        </p:nvSpPr>
-        <p:spPr>
-          <a:xfrm>
-            <a:off x="6172200" y="3246120"/>
-            <a:ext cx="2651760" cy="548640"/>
+          <p:cNvPr id="25" name="TextBox 24"/>
+          <p:cNvSpPr txBox="1"/>
+          <p:nvPr/>
+        </p:nvSpPr>
+        <p:spPr>
+          <a:xfrm>
+            <a:off x="6153912" y="3611880"/>
+            <a:ext cx="2688336" cy="502920"/>
           </a:xfrm>
           <a:prstGeom prst="rect">
             <a:avLst/>
@@ -7411,7 +7551,7 @@
           <a:lstStyle/>
           <a:p>
             <a:pPr>
-              <a:defRPr sz="1100" b="1">
+              <a:defRPr sz="1000" b="1">
                 <a:solidFill>
                   <a:srgbClr val="343A40"/>
                 </a:solidFill>
@@ -7423,7 +7563,7 @@
           </a:p>
           <a:p>
             <a:pPr>
-              <a:defRPr sz="1100">
+              <a:defRPr sz="1000">
                 <a:solidFill>
                   <a:srgbClr val="343A40"/>
                 </a:solidFill>
@@ -7437,14 +7577,14 @@
       </p:sp>
       <p:sp>
         <p:nvSpPr>
-          <p:cNvPr id="25" name="TextBox 24"/>
-          <p:cNvSpPr txBox="1"/>
-          <p:nvPr/>
-        </p:nvSpPr>
-        <p:spPr>
-          <a:xfrm>
-            <a:off x="6172200" y="3794760"/>
-            <a:ext cx="2651760" cy="1280160"/>
+          <p:cNvPr id="26" name="TextBox 25"/>
+          <p:cNvSpPr txBox="1"/>
+          <p:nvPr/>
+        </p:nvSpPr>
+        <p:spPr>
+          <a:xfrm>
+            <a:off x="6153912" y="4114800"/>
+            <a:ext cx="2688336" cy="1188720"/>
           </a:xfrm>
           <a:prstGeom prst="rect">
             <a:avLst/>
@@ -7458,7 +7598,7 @@
           <a:lstStyle/>
           <a:p>
             <a:pPr>
-              <a:defRPr sz="1100" b="1">
+              <a:defRPr sz="1000" b="1">
                 <a:solidFill>
                   <a:srgbClr val="343A40"/>
                 </a:solidFill>
@@ -7470,7 +7610,7 @@
           </a:p>
           <a:p>
             <a:pPr>
-              <a:defRPr sz="1100">
+              <a:defRPr sz="1000">
                 <a:solidFill>
                   <a:srgbClr val="00994C"/>
                 </a:solidFill>
@@ -7482,7 +7622,7 @@
           </a:p>
           <a:p>
             <a:pPr>
-              <a:defRPr sz="1100">
+              <a:defRPr sz="1000">
                 <a:solidFill>
                   <a:srgbClr val="00994C"/>
                 </a:solidFill>
@@ -7494,7 +7634,7 @@
           </a:p>
           <a:p>
             <a:pPr>
-              <a:defRPr sz="1100">
+              <a:defRPr sz="1000">
                 <a:solidFill>
                   <a:srgbClr val="00994C"/>
                 </a:solidFill>
@@ -7533,7 +7673,7 @@
         <p:spPr>
           <a:xfrm>
             <a:off x="0" y="0"/>
-            <a:ext cx="9144000" cy="1280160"/>
+            <a:ext cx="9144000" cy="1737360"/>
           </a:xfrm>
           <a:prstGeom prst="rect">
             <a:avLst/>
@@ -7575,8 +7715,8 @@
         </p:nvSpPr>
         <p:spPr>
           <a:xfrm>
-            <a:off x="274320" y="182880"/>
-            <a:ext cx="8595360" cy="548640"/>
+            <a:off x="274320" y="137160"/>
+            <a:ext cx="8595360" cy="457200"/>
           </a:xfrm>
           <a:prstGeom prst="rect">
             <a:avLst/>
@@ -7590,7 +7730,7 @@
           <a:lstStyle/>
           <a:p>
             <a:pPr>
-              <a:defRPr sz="3200" b="1">
+              <a:defRPr sz="2800" b="1">
                 <a:solidFill>
                   <a:srgbClr val="FFFFFF"/>
                 </a:solidFill>
@@ -7610,7 +7750,42 @@
         </p:nvSpPr>
         <p:spPr>
           <a:xfrm>
-            <a:off x="274320" y="777240"/>
+            <a:off x="274320" y="594360"/>
+            <a:ext cx="8595360" cy="640080"/>
+          </a:xfrm>
+          <a:prstGeom prst="rect">
+            <a:avLst/>
+          </a:prstGeom>
+          <a:noFill/>
+        </p:spPr>
+        <p:txBody>
+          <a:bodyPr wrap="square">
+            <a:spAutoFit/>
+          </a:bodyPr>
+          <a:lstStyle/>
+          <a:p>
+            <a:pPr>
+              <a:defRPr sz="1400">
+                <a:solidFill>
+                  <a:srgbClr val="F8F9FA"/>
+                </a:solidFill>
+              </a:defRPr>
+            </a:pPr>
+            <a:r>
+              <a:t>Der Virenschutz für alle Computer im Unternehmen. Erkennt und stoppt Schadsoftware, bevor sie Schaden anrichten kann.</a:t>
+            </a:r>
+          </a:p>
+        </p:txBody>
+      </p:sp>
+      <p:sp>
+        <p:nvSpPr>
+          <p:cNvPr id="5" name="TextBox 4"/>
+          <p:cNvSpPr txBox="1"/>
+          <p:nvPr/>
+        </p:nvSpPr>
+        <p:spPr>
+          <a:xfrm>
+            <a:off x="274320" y="1280160"/>
             <a:ext cx="8595360" cy="365760"/>
           </a:xfrm>
           <a:prstGeom prst="rect">
@@ -7625,28 +7800,28 @@
           <a:lstStyle/>
           <a:p>
             <a:pPr>
-              <a:defRPr sz="1600" i="1">
+              <a:defRPr sz="1100" i="1">
                 <a:solidFill>
                   <a:srgbClr val="F8F9FA"/>
                 </a:solidFill>
               </a:defRPr>
             </a:pPr>
             <a:r>
-              <a:t>Fokus: Schadsoftware auf Clients/Servern erkennen</a:t>
-            </a:r>
-          </a:p>
-        </p:txBody>
-      </p:sp>
-      <p:sp>
-        <p:nvSpPr>
-          <p:cNvPr id="5" name="Rounded Rectangle 4"/>
+              <a:t>Technischer Fokus: Schadsoftware auf Clients/Servern erkennen</a:t>
+            </a:r>
+          </a:p>
+        </p:txBody>
+      </p:sp>
+      <p:sp>
+        <p:nvSpPr>
+          <p:cNvPr id="6" name="Rounded Rectangle 5"/>
           <p:cNvSpPr/>
           <p:nvPr/>
         </p:nvSpPr>
         <p:spPr>
           <a:xfrm>
-            <a:off x="228600" y="1463040"/>
-            <a:ext cx="2834640" cy="5029200"/>
+            <a:off x="228600" y="1920240"/>
+            <a:ext cx="2834640" cy="4754880"/>
           </a:xfrm>
           <a:prstGeom prst="roundRect">
             <a:avLst/>
@@ -7684,14 +7859,14 @@
       </p:sp>
       <p:sp>
         <p:nvSpPr>
-          <p:cNvPr id="6" name="Rectangle 5"/>
+          <p:cNvPr id="7" name="Rectangle 6"/>
           <p:cNvSpPr/>
           <p:nvPr/>
         </p:nvSpPr>
         <p:spPr>
           <a:xfrm>
-            <a:off x="228600" y="1463040"/>
-            <a:ext cx="2834640" cy="457200"/>
+            <a:off x="228600" y="1920240"/>
+            <a:ext cx="2834640" cy="411480"/>
           </a:xfrm>
           <a:prstGeom prst="rect">
             <a:avLst/>
@@ -7727,13 +7902,13 @@
       </p:sp>
       <p:sp>
         <p:nvSpPr>
-          <p:cNvPr id="7" name="TextBox 6"/>
-          <p:cNvSpPr txBox="1"/>
-          <p:nvPr/>
-        </p:nvSpPr>
-        <p:spPr>
-          <a:xfrm>
-            <a:off x="228600" y="1508760"/>
+          <p:cNvPr id="8" name="TextBox 7"/>
+          <p:cNvSpPr txBox="1"/>
+          <p:nvPr/>
+        </p:nvSpPr>
+        <p:spPr>
+          <a:xfrm>
+            <a:off x="228600" y="1947672"/>
             <a:ext cx="2834640" cy="365760"/>
           </a:xfrm>
           <a:prstGeom prst="rect">
@@ -7748,7 +7923,7 @@
           <a:lstStyle/>
           <a:p>
             <a:pPr algn="ctr">
-              <a:defRPr sz="1400" b="1">
+              <a:defRPr sz="1300" b="1">
                 <a:solidFill>
                   <a:srgbClr val="FFFFFF"/>
                 </a:solidFill>
@@ -7762,14 +7937,14 @@
       </p:sp>
       <p:sp>
         <p:nvSpPr>
-          <p:cNvPr id="8" name="TextBox 7"/>
-          <p:cNvSpPr txBox="1"/>
-          <p:nvPr/>
-        </p:nvSpPr>
-        <p:spPr>
-          <a:xfrm>
-            <a:off x="320040" y="1965960"/>
-            <a:ext cx="2651760" cy="731520"/>
+          <p:cNvPr id="9" name="TextBox 8"/>
+          <p:cNvSpPr txBox="1"/>
+          <p:nvPr/>
+        </p:nvSpPr>
+        <p:spPr>
+          <a:xfrm>
+            <a:off x="301752" y="2377440"/>
+            <a:ext cx="2688336" cy="685800"/>
           </a:xfrm>
           <a:prstGeom prst="rect">
             <a:avLst/>
@@ -7783,28 +7958,28 @@
           <a:lstStyle/>
           <a:p>
             <a:pPr>
-              <a:defRPr sz="1100">
-                <a:solidFill>
-                  <a:srgbClr val="343A40"/>
-                </a:solidFill>
-              </a:defRPr>
-            </a:pPr>
-            <a:r>
-              <a:t>Aktueller Virenscanner, automatische Updates</a:t>
-            </a:r>
-          </a:p>
-        </p:txBody>
-      </p:sp>
-      <p:sp>
-        <p:nvSpPr>
-          <p:cNvPr id="9" name="TextBox 8"/>
-          <p:cNvSpPr txBox="1"/>
-          <p:nvPr/>
-        </p:nvSpPr>
-        <p:spPr>
-          <a:xfrm>
-            <a:off x="320040" y="2697480"/>
-            <a:ext cx="2651760" cy="548640"/>
+              <a:defRPr sz="1000">
+                <a:solidFill>
+                  <a:srgbClr val="343A40"/>
+                </a:solidFill>
+              </a:defRPr>
+            </a:pPr>
+            <a:r>
+              <a:t>Grundschutz: Klassischer Virenscanner, der bekannte Schadsoftware erkennt.</a:t>
+            </a:r>
+          </a:p>
+        </p:txBody>
+      </p:sp>
+      <p:sp>
+        <p:nvSpPr>
+          <p:cNvPr id="10" name="TextBox 9"/>
+          <p:cNvSpPr txBox="1"/>
+          <p:nvPr/>
+        </p:nvSpPr>
+        <p:spPr>
+          <a:xfrm>
+            <a:off x="301752" y="3108960"/>
+            <a:ext cx="2688336" cy="502920"/>
           </a:xfrm>
           <a:prstGeom prst="rect">
             <a:avLst/>
@@ -7818,20 +7993,20 @@
           <a:lstStyle/>
           <a:p>
             <a:pPr>
+              <a:defRPr sz="1000" b="1">
+                <a:solidFill>
+                  <a:srgbClr val="343A40"/>
+                </a:solidFill>
+              </a:defRPr>
+            </a:pPr>
+            <a:r>
+              <a:t>CIA-Beitrag:</a:t>
+            </a:r>
+          </a:p>
+          <a:p>
+            <a:pPr>
               <a:defRPr sz="1100" b="1">
                 <a:solidFill>
-                  <a:srgbClr val="343A40"/>
-                </a:solidFill>
-              </a:defRPr>
-            </a:pPr>
-            <a:r>
-              <a:t>CIA-Beitrag:</a:t>
-            </a:r>
-          </a:p>
-          <a:p>
-            <a:pPr>
-              <a:defRPr sz="1200" b="1">
-                <a:solidFill>
                   <a:srgbClr val="007AC2"/>
                 </a:solidFill>
               </a:defRPr>
@@ -7844,14 +8019,14 @@
       </p:sp>
       <p:sp>
         <p:nvSpPr>
-          <p:cNvPr id="10" name="TextBox 9"/>
-          <p:cNvSpPr txBox="1"/>
-          <p:nvPr/>
-        </p:nvSpPr>
-        <p:spPr>
-          <a:xfrm>
-            <a:off x="320040" y="3246120"/>
-            <a:ext cx="2651760" cy="548640"/>
+          <p:cNvPr id="11" name="TextBox 10"/>
+          <p:cNvSpPr txBox="1"/>
+          <p:nvPr/>
+        </p:nvSpPr>
+        <p:spPr>
+          <a:xfrm>
+            <a:off x="301752" y="3611880"/>
+            <a:ext cx="2688336" cy="502920"/>
           </a:xfrm>
           <a:prstGeom prst="rect">
             <a:avLst/>
@@ -7865,7 +8040,7 @@
           <a:lstStyle/>
           <a:p>
             <a:pPr>
-              <a:defRPr sz="1100" b="1">
+              <a:defRPr sz="1000" b="1">
                 <a:solidFill>
                   <a:srgbClr val="343A40"/>
                 </a:solidFill>
@@ -7877,7 +8052,7 @@
           </a:p>
           <a:p>
             <a:pPr>
-              <a:defRPr sz="1100">
+              <a:defRPr sz="1000">
                 <a:solidFill>
                   <a:srgbClr val="343A40"/>
                 </a:solidFill>
@@ -7891,14 +8066,14 @@
       </p:sp>
       <p:sp>
         <p:nvSpPr>
-          <p:cNvPr id="11" name="TextBox 10"/>
-          <p:cNvSpPr txBox="1"/>
-          <p:nvPr/>
-        </p:nvSpPr>
-        <p:spPr>
-          <a:xfrm>
-            <a:off x="320040" y="3794760"/>
-            <a:ext cx="2651760" cy="1280160"/>
+          <p:cNvPr id="12" name="TextBox 11"/>
+          <p:cNvSpPr txBox="1"/>
+          <p:nvPr/>
+        </p:nvSpPr>
+        <p:spPr>
+          <a:xfrm>
+            <a:off x="301752" y="4114800"/>
+            <a:ext cx="2688336" cy="1188720"/>
           </a:xfrm>
           <a:prstGeom prst="rect">
             <a:avLst/>
@@ -7912,7 +8087,7 @@
           <a:lstStyle/>
           <a:p>
             <a:pPr>
-              <a:defRPr sz="1100" b="1">
+              <a:defRPr sz="1000" b="1">
                 <a:solidFill>
                   <a:srgbClr val="343A40"/>
                 </a:solidFill>
@@ -7924,7 +8099,7 @@
           </a:p>
           <a:p>
             <a:pPr>
-              <a:defRPr sz="1100">
+              <a:defRPr sz="1000">
                 <a:solidFill>
                   <a:srgbClr val="00994C"/>
                 </a:solidFill>
@@ -7936,7 +8111,7 @@
           </a:p>
           <a:p>
             <a:pPr>
-              <a:defRPr sz="1100">
+              <a:defRPr sz="1000">
                 <a:solidFill>
                   <a:srgbClr val="00994C"/>
                 </a:solidFill>
@@ -7950,14 +8125,14 @@
       </p:sp>
       <p:sp>
         <p:nvSpPr>
-          <p:cNvPr id="12" name="TextBox 11"/>
-          <p:cNvSpPr txBox="1"/>
-          <p:nvPr/>
-        </p:nvSpPr>
-        <p:spPr>
-          <a:xfrm>
-            <a:off x="320040" y="5029200"/>
-            <a:ext cx="2651760" cy="457200"/>
+          <p:cNvPr id="13" name="TextBox 12"/>
+          <p:cNvSpPr txBox="1"/>
+          <p:nvPr/>
+        </p:nvSpPr>
+        <p:spPr>
+          <a:xfrm>
+            <a:off x="301752" y="5303520"/>
+            <a:ext cx="2688336" cy="411480"/>
           </a:xfrm>
           <a:prstGeom prst="rect">
             <a:avLst/>
@@ -7974,14 +8149,14 @@
       </p:sp>
       <p:sp>
         <p:nvSpPr>
-          <p:cNvPr id="13" name="Rounded Rectangle 12"/>
+          <p:cNvPr id="14" name="Rounded Rectangle 13"/>
           <p:cNvSpPr/>
           <p:nvPr/>
         </p:nvSpPr>
         <p:spPr>
           <a:xfrm>
-            <a:off x="3154680" y="1463040"/>
-            <a:ext cx="2834640" cy="5029200"/>
+            <a:off x="3154680" y="1920240"/>
+            <a:ext cx="2834640" cy="4754880"/>
           </a:xfrm>
           <a:prstGeom prst="roundRect">
             <a:avLst/>
@@ -8019,14 +8194,14 @@
       </p:sp>
       <p:sp>
         <p:nvSpPr>
-          <p:cNvPr id="14" name="Rectangle 13"/>
+          <p:cNvPr id="15" name="Rectangle 14"/>
           <p:cNvSpPr/>
           <p:nvPr/>
         </p:nvSpPr>
         <p:spPr>
           <a:xfrm>
-            <a:off x="3154680" y="1463040"/>
-            <a:ext cx="2834640" cy="457200"/>
+            <a:off x="3154680" y="1920240"/>
+            <a:ext cx="2834640" cy="411480"/>
           </a:xfrm>
           <a:prstGeom prst="rect">
             <a:avLst/>
@@ -8062,13 +8237,13 @@
       </p:sp>
       <p:sp>
         <p:nvSpPr>
-          <p:cNvPr id="15" name="TextBox 14"/>
-          <p:cNvSpPr txBox="1"/>
-          <p:nvPr/>
-        </p:nvSpPr>
-        <p:spPr>
-          <a:xfrm>
-            <a:off x="3154680" y="1508760"/>
+          <p:cNvPr id="16" name="TextBox 15"/>
+          <p:cNvSpPr txBox="1"/>
+          <p:nvPr/>
+        </p:nvSpPr>
+        <p:spPr>
+          <a:xfrm>
+            <a:off x="3154680" y="1947672"/>
             <a:ext cx="2834640" cy="365760"/>
           </a:xfrm>
           <a:prstGeom prst="rect">
@@ -8083,7 +8258,7 @@
           <a:lstStyle/>
           <a:p>
             <a:pPr algn="ctr">
-              <a:defRPr sz="1400" b="1">
+              <a:defRPr sz="1300" b="1">
                 <a:solidFill>
                   <a:srgbClr val="FFFFFF"/>
                 </a:solidFill>
@@ -8097,14 +8272,14 @@
       </p:sp>
       <p:sp>
         <p:nvSpPr>
-          <p:cNvPr id="16" name="TextBox 15"/>
-          <p:cNvSpPr txBox="1"/>
-          <p:nvPr/>
-        </p:nvSpPr>
-        <p:spPr>
-          <a:xfrm>
-            <a:off x="3246120" y="1965960"/>
-            <a:ext cx="2651760" cy="731520"/>
+          <p:cNvPr id="17" name="TextBox 16"/>
+          <p:cNvSpPr txBox="1"/>
+          <p:nvPr/>
+        </p:nvSpPr>
+        <p:spPr>
+          <a:xfrm>
+            <a:off x="3227832" y="2377440"/>
+            <a:ext cx="2688336" cy="685800"/>
           </a:xfrm>
           <a:prstGeom prst="rect">
             <a:avLst/>
@@ -8118,28 +8293,28 @@
           <a:lstStyle/>
           <a:p>
             <a:pPr>
-              <a:defRPr sz="1100">
-                <a:solidFill>
-                  <a:srgbClr val="343A40"/>
-                </a:solidFill>
-              </a:defRPr>
-            </a:pPr>
-            <a:r>
-              <a:t>EDR mit Behavioral Analysis, Auto-Isolation</a:t>
-            </a:r>
-          </a:p>
-        </p:txBody>
-      </p:sp>
-      <p:sp>
-        <p:nvSpPr>
-          <p:cNvPr id="17" name="TextBox 16"/>
-          <p:cNvSpPr txBox="1"/>
-          <p:nvPr/>
-        </p:nvSpPr>
-        <p:spPr>
-          <a:xfrm>
-            <a:off x="3246120" y="2697480"/>
-            <a:ext cx="2651760" cy="548640"/>
+              <a:defRPr sz="1000">
+                <a:solidFill>
+                  <a:srgbClr val="343A40"/>
+                </a:solidFill>
+              </a:defRPr>
+            </a:pPr>
+            <a:r>
+              <a:t>Besser: Erkennt auch unbekannte Bedrohungen anhand von verdächtigem Verhalten, isoliert befallene Rechner automatisch.</a:t>
+            </a:r>
+          </a:p>
+        </p:txBody>
+      </p:sp>
+      <p:sp>
+        <p:nvSpPr>
+          <p:cNvPr id="18" name="TextBox 17"/>
+          <p:cNvSpPr txBox="1"/>
+          <p:nvPr/>
+        </p:nvSpPr>
+        <p:spPr>
+          <a:xfrm>
+            <a:off x="3227832" y="3108960"/>
+            <a:ext cx="2688336" cy="502920"/>
           </a:xfrm>
           <a:prstGeom prst="rect">
             <a:avLst/>
@@ -8153,20 +8328,20 @@
           <a:lstStyle/>
           <a:p>
             <a:pPr>
+              <a:defRPr sz="1000" b="1">
+                <a:solidFill>
+                  <a:srgbClr val="343A40"/>
+                </a:solidFill>
+              </a:defRPr>
+            </a:pPr>
+            <a:r>
+              <a:t>CIA-Beitrag:</a:t>
+            </a:r>
+          </a:p>
+          <a:p>
+            <a:pPr>
               <a:defRPr sz="1100" b="1">
                 <a:solidFill>
-                  <a:srgbClr val="343A40"/>
-                </a:solidFill>
-              </a:defRPr>
-            </a:pPr>
-            <a:r>
-              <a:t>CIA-Beitrag:</a:t>
-            </a:r>
-          </a:p>
-          <a:p>
-            <a:pPr>
-              <a:defRPr sz="1200" b="1">
-                <a:solidFill>
                   <a:srgbClr val="007AC2"/>
                 </a:solidFill>
               </a:defRPr>
@@ -8179,14 +8354,14 @@
       </p:sp>
       <p:sp>
         <p:nvSpPr>
-          <p:cNvPr id="18" name="TextBox 17"/>
-          <p:cNvSpPr txBox="1"/>
-          <p:nvPr/>
-        </p:nvSpPr>
-        <p:spPr>
-          <a:xfrm>
-            <a:off x="3246120" y="3246120"/>
-            <a:ext cx="2651760" cy="548640"/>
+          <p:cNvPr id="19" name="TextBox 18"/>
+          <p:cNvSpPr txBox="1"/>
+          <p:nvPr/>
+        </p:nvSpPr>
+        <p:spPr>
+          <a:xfrm>
+            <a:off x="3227832" y="3611880"/>
+            <a:ext cx="2688336" cy="502920"/>
           </a:xfrm>
           <a:prstGeom prst="rect">
             <a:avLst/>
@@ -8200,7 +8375,7 @@
           <a:lstStyle/>
           <a:p>
             <a:pPr>
-              <a:defRPr sz="1100" b="1">
+              <a:defRPr sz="1000" b="1">
                 <a:solidFill>
                   <a:srgbClr val="343A40"/>
                 </a:solidFill>
@@ -8212,7 +8387,7 @@
           </a:p>
           <a:p>
             <a:pPr>
-              <a:defRPr sz="1100">
+              <a:defRPr sz="1000">
                 <a:solidFill>
                   <a:srgbClr val="343A40"/>
                 </a:solidFill>
@@ -8226,14 +8401,14 @@
       </p:sp>
       <p:sp>
         <p:nvSpPr>
-          <p:cNvPr id="19" name="TextBox 18"/>
-          <p:cNvSpPr txBox="1"/>
-          <p:nvPr/>
-        </p:nvSpPr>
-        <p:spPr>
-          <a:xfrm>
-            <a:off x="3246120" y="3794760"/>
-            <a:ext cx="2651760" cy="1280160"/>
+          <p:cNvPr id="20" name="TextBox 19"/>
+          <p:cNvSpPr txBox="1"/>
+          <p:nvPr/>
+        </p:nvSpPr>
+        <p:spPr>
+          <a:xfrm>
+            <a:off x="3227832" y="4114800"/>
+            <a:ext cx="2688336" cy="1188720"/>
           </a:xfrm>
           <a:prstGeom prst="rect">
             <a:avLst/>
@@ -8247,7 +8422,7 @@
           <a:lstStyle/>
           <a:p>
             <a:pPr>
-              <a:defRPr sz="1100" b="1">
+              <a:defRPr sz="1000" b="1">
                 <a:solidFill>
                   <a:srgbClr val="343A40"/>
                 </a:solidFill>
@@ -8259,7 +8434,7 @@
           </a:p>
           <a:p>
             <a:pPr>
-              <a:defRPr sz="1100">
+              <a:defRPr sz="1000">
                 <a:solidFill>
                   <a:srgbClr val="00994C"/>
                 </a:solidFill>
@@ -8271,7 +8446,7 @@
           </a:p>
           <a:p>
             <a:pPr>
-              <a:defRPr sz="1100">
+              <a:defRPr sz="1000">
                 <a:solidFill>
                   <a:srgbClr val="00994C"/>
                 </a:solidFill>
@@ -8285,14 +8460,14 @@
       </p:sp>
       <p:sp>
         <p:nvSpPr>
-          <p:cNvPr id="20" name="TextBox 19"/>
-          <p:cNvSpPr txBox="1"/>
-          <p:nvPr/>
-        </p:nvSpPr>
-        <p:spPr>
-          <a:xfrm>
-            <a:off x="3246120" y="5029200"/>
-            <a:ext cx="2651760" cy="457200"/>
+          <p:cNvPr id="21" name="TextBox 20"/>
+          <p:cNvSpPr txBox="1"/>
+          <p:nvPr/>
+        </p:nvSpPr>
+        <p:spPr>
+          <a:xfrm>
+            <a:off x="3227832" y="5303520"/>
+            <a:ext cx="2688336" cy="411480"/>
           </a:xfrm>
           <a:prstGeom prst="rect">
             <a:avLst/>
@@ -8309,14 +8484,14 @@
       </p:sp>
       <p:sp>
         <p:nvSpPr>
-          <p:cNvPr id="21" name="Rounded Rectangle 20"/>
+          <p:cNvPr id="22" name="Rounded Rectangle 21"/>
           <p:cNvSpPr/>
           <p:nvPr/>
         </p:nvSpPr>
         <p:spPr>
           <a:xfrm>
-            <a:off x="6080760" y="1463040"/>
-            <a:ext cx="2834640" cy="5029200"/>
+            <a:off x="6080760" y="1920240"/>
+            <a:ext cx="2834640" cy="4754880"/>
           </a:xfrm>
           <a:prstGeom prst="roundRect">
             <a:avLst/>
@@ -8354,14 +8529,14 @@
       </p:sp>
       <p:sp>
         <p:nvSpPr>
-          <p:cNvPr id="22" name="Rectangle 21"/>
+          <p:cNvPr id="23" name="Rectangle 22"/>
           <p:cNvSpPr/>
           <p:nvPr/>
         </p:nvSpPr>
         <p:spPr>
           <a:xfrm>
-            <a:off x="6080760" y="1463040"/>
-            <a:ext cx="2834640" cy="457200"/>
+            <a:off x="6080760" y="1920240"/>
+            <a:ext cx="2834640" cy="411480"/>
           </a:xfrm>
           <a:prstGeom prst="rect">
             <a:avLst/>
@@ -8397,13 +8572,13 @@
       </p:sp>
       <p:sp>
         <p:nvSpPr>
-          <p:cNvPr id="23" name="TextBox 22"/>
-          <p:cNvSpPr txBox="1"/>
-          <p:nvPr/>
-        </p:nvSpPr>
-        <p:spPr>
-          <a:xfrm>
-            <a:off x="6080760" y="1508760"/>
+          <p:cNvPr id="24" name="TextBox 23"/>
+          <p:cNvSpPr txBox="1"/>
+          <p:nvPr/>
+        </p:nvSpPr>
+        <p:spPr>
+          <a:xfrm>
+            <a:off x="6080760" y="1947672"/>
             <a:ext cx="2834640" cy="365760"/>
           </a:xfrm>
           <a:prstGeom prst="rect">
@@ -8418,7 +8593,7 @@
           <a:lstStyle/>
           <a:p>
             <a:pPr algn="ctr">
-              <a:defRPr sz="1400" b="1">
+              <a:defRPr sz="1300" b="1">
                 <a:solidFill>
                   <a:srgbClr val="FFFFFF"/>
                 </a:solidFill>
@@ -8432,14 +8607,14 @@
       </p:sp>
       <p:sp>
         <p:nvSpPr>
-          <p:cNvPr id="24" name="TextBox 23"/>
-          <p:cNvSpPr txBox="1"/>
-          <p:nvPr/>
-        </p:nvSpPr>
-        <p:spPr>
-          <a:xfrm>
-            <a:off x="6172200" y="1965960"/>
-            <a:ext cx="2651760" cy="731520"/>
+          <p:cNvPr id="25" name="TextBox 24"/>
+          <p:cNvSpPr txBox="1"/>
+          <p:nvPr/>
+        </p:nvSpPr>
+        <p:spPr>
+          <a:xfrm>
+            <a:off x="6153912" y="2377440"/>
+            <a:ext cx="2688336" cy="685800"/>
           </a:xfrm>
           <a:prstGeom prst="rect">
             <a:avLst/>
@@ -8453,28 +8628,28 @@
           <a:lstStyle/>
           <a:p>
             <a:pPr>
-              <a:defRPr sz="1100">
-                <a:solidFill>
-                  <a:srgbClr val="343A40"/>
-                </a:solidFill>
-              </a:defRPr>
-            </a:pPr>
-            <a:r>
-              <a:t>XDR (Korrelation Endpoints, Netzwerk, Cloud)</a:t>
-            </a:r>
-          </a:p>
-        </p:txBody>
-      </p:sp>
-      <p:sp>
-        <p:nvSpPr>
-          <p:cNvPr id="25" name="TextBox 24"/>
-          <p:cNvSpPr txBox="1"/>
-          <p:nvPr/>
-        </p:nvSpPr>
-        <p:spPr>
-          <a:xfrm>
-            <a:off x="6172200" y="2697480"/>
-            <a:ext cx="2651760" cy="548640"/>
+              <a:defRPr sz="1000">
+                <a:solidFill>
+                  <a:srgbClr val="343A40"/>
+                </a:solidFill>
+              </a:defRPr>
+            </a:pPr>
+            <a:r>
+              <a:t>Premium: Vernetzt alle Sicherheitssysteme - erkennt komplexe Angriffe über mehrere Systeme hinweg.</a:t>
+            </a:r>
+          </a:p>
+        </p:txBody>
+      </p:sp>
+      <p:sp>
+        <p:nvSpPr>
+          <p:cNvPr id="26" name="TextBox 25"/>
+          <p:cNvSpPr txBox="1"/>
+          <p:nvPr/>
+        </p:nvSpPr>
+        <p:spPr>
+          <a:xfrm>
+            <a:off x="6153912" y="3108960"/>
+            <a:ext cx="2688336" cy="502920"/>
           </a:xfrm>
           <a:prstGeom prst="rect">
             <a:avLst/>
@@ -8488,20 +8663,20 @@
           <a:lstStyle/>
           <a:p>
             <a:pPr>
+              <a:defRPr sz="1000" b="1">
+                <a:solidFill>
+                  <a:srgbClr val="343A40"/>
+                </a:solidFill>
+              </a:defRPr>
+            </a:pPr>
+            <a:r>
+              <a:t>CIA-Beitrag:</a:t>
+            </a:r>
+          </a:p>
+          <a:p>
+            <a:pPr>
               <a:defRPr sz="1100" b="1">
                 <a:solidFill>
-                  <a:srgbClr val="343A40"/>
-                </a:solidFill>
-              </a:defRPr>
-            </a:pPr>
-            <a:r>
-              <a:t>CIA-Beitrag:</a:t>
-            </a:r>
-          </a:p>
-          <a:p>
-            <a:pPr>
-              <a:defRPr sz="1200" b="1">
-                <a:solidFill>
                   <a:srgbClr val="007AC2"/>
                 </a:solidFill>
               </a:defRPr>
@@ -8514,14 +8689,14 @@
       </p:sp>
       <p:sp>
         <p:nvSpPr>
-          <p:cNvPr id="26" name="TextBox 25"/>
-          <p:cNvSpPr txBox="1"/>
-          <p:nvPr/>
-        </p:nvSpPr>
-        <p:spPr>
-          <a:xfrm>
-            <a:off x="6172200" y="3246120"/>
-            <a:ext cx="2651760" cy="548640"/>
+          <p:cNvPr id="27" name="TextBox 26"/>
+          <p:cNvSpPr txBox="1"/>
+          <p:nvPr/>
+        </p:nvSpPr>
+        <p:spPr>
+          <a:xfrm>
+            <a:off x="6153912" y="3611880"/>
+            <a:ext cx="2688336" cy="502920"/>
           </a:xfrm>
           <a:prstGeom prst="rect">
             <a:avLst/>
@@ -8535,7 +8710,7 @@
           <a:lstStyle/>
           <a:p>
             <a:pPr>
-              <a:defRPr sz="1100" b="1">
+              <a:defRPr sz="1000" b="1">
                 <a:solidFill>
                   <a:srgbClr val="343A40"/>
                 </a:solidFill>
@@ -8547,7 +8722,7 @@
           </a:p>
           <a:p>
             <a:pPr>
-              <a:defRPr sz="1100">
+              <a:defRPr sz="1000">
                 <a:solidFill>
                   <a:srgbClr val="343A40"/>
                 </a:solidFill>
@@ -8561,14 +8736,14 @@
       </p:sp>
       <p:sp>
         <p:nvSpPr>
-          <p:cNvPr id="27" name="TextBox 26"/>
-          <p:cNvSpPr txBox="1"/>
-          <p:nvPr/>
-        </p:nvSpPr>
-        <p:spPr>
-          <a:xfrm>
-            <a:off x="6172200" y="3794760"/>
-            <a:ext cx="2651760" cy="1280160"/>
+          <p:cNvPr id="28" name="TextBox 27"/>
+          <p:cNvSpPr txBox="1"/>
+          <p:nvPr/>
+        </p:nvSpPr>
+        <p:spPr>
+          <a:xfrm>
+            <a:off x="6153912" y="4114800"/>
+            <a:ext cx="2688336" cy="1188720"/>
           </a:xfrm>
           <a:prstGeom prst="rect">
             <a:avLst/>
@@ -8582,7 +8757,7 @@
           <a:lstStyle/>
           <a:p>
             <a:pPr>
-              <a:defRPr sz="1100" b="1">
+              <a:defRPr sz="1000" b="1">
                 <a:solidFill>
                   <a:srgbClr val="343A40"/>
                 </a:solidFill>
@@ -8594,7 +8769,7 @@
           </a:p>
           <a:p>
             <a:pPr>
-              <a:defRPr sz="1100">
+              <a:defRPr sz="1000">
                 <a:solidFill>
                   <a:srgbClr val="00994C"/>
                 </a:solidFill>
@@ -8606,7 +8781,7 @@
           </a:p>
           <a:p>
             <a:pPr>
-              <a:defRPr sz="1100">
+              <a:defRPr sz="1000">
                 <a:solidFill>
                   <a:srgbClr val="00994C"/>
                 </a:solidFill>
@@ -8620,14 +8795,14 @@
       </p:sp>
       <p:sp>
         <p:nvSpPr>
-          <p:cNvPr id="28" name="TextBox 27"/>
-          <p:cNvSpPr txBox="1"/>
-          <p:nvPr/>
-        </p:nvSpPr>
-        <p:spPr>
-          <a:xfrm>
-            <a:off x="6172200" y="5029200"/>
-            <a:ext cx="2651760" cy="457200"/>
+          <p:cNvPr id="29" name="TextBox 28"/>
+          <p:cNvSpPr txBox="1"/>
+          <p:nvPr/>
+        </p:nvSpPr>
+        <p:spPr>
+          <a:xfrm>
+            <a:off x="6153912" y="5303520"/>
+            <a:ext cx="2688336" cy="411480"/>
           </a:xfrm>
           <a:prstGeom prst="rect">
             <a:avLst/>
@@ -8641,7 +8816,7 @@
           <a:lstStyle/>
           <a:p>
             <a:pPr>
-              <a:defRPr sz="1000" i="1">
+              <a:defRPr sz="900" i="1">
                 <a:solidFill>
                   <a:srgbClr val="DC3545"/>
                 </a:solidFill>
@@ -8680,7 +8855,7 @@
         <p:spPr>
           <a:xfrm>
             <a:off x="0" y="0"/>
-            <a:ext cx="9144000" cy="1280160"/>
+            <a:ext cx="9144000" cy="1737360"/>
           </a:xfrm>
           <a:prstGeom prst="rect">
             <a:avLst/>
@@ -8722,8 +8897,8 @@
         </p:nvSpPr>
         <p:spPr>
           <a:xfrm>
-            <a:off x="274320" y="182880"/>
-            <a:ext cx="8595360" cy="548640"/>
+            <a:off x="274320" y="137160"/>
+            <a:ext cx="8595360" cy="457200"/>
           </a:xfrm>
           <a:prstGeom prst="rect">
             <a:avLst/>
@@ -8737,7 +8912,7 @@
           <a:lstStyle/>
           <a:p>
             <a:pPr>
-              <a:defRPr sz="3200" b="1">
+              <a:defRPr sz="2800" b="1">
                 <a:solidFill>
                   <a:srgbClr val="FFFFFF"/>
                 </a:solidFill>
@@ -8757,7 +8932,42 @@
         </p:nvSpPr>
         <p:spPr>
           <a:xfrm>
-            <a:off x="274320" y="777240"/>
+            <a:off x="274320" y="594360"/>
+            <a:ext cx="8595360" cy="640080"/>
+          </a:xfrm>
+          <a:prstGeom prst="rect">
+            <a:avLst/>
+          </a:prstGeom>
+          <a:noFill/>
+        </p:spPr>
+        <p:txBody>
+          <a:bodyPr wrap="square">
+            <a:spAutoFit/>
+          </a:bodyPr>
+          <a:lstStyle/>
+          <a:p>
+            <a:pPr>
+              <a:defRPr sz="1400">
+                <a:solidFill>
+                  <a:srgbClr val="F8F9FA"/>
+                </a:solidFill>
+              </a:defRPr>
+            </a:pPr>
+            <a:r>
+              <a:t>Die Lebensversicherung für Unternehmensdaten. Regelmäßige Sicherungskopien ermöglichen es, nach einem Angriff oder Ausfall schnell wieder arbeitsfähig zu sein.</a:t>
+            </a:r>
+          </a:p>
+        </p:txBody>
+      </p:sp>
+      <p:sp>
+        <p:nvSpPr>
+          <p:cNvPr id="5" name="TextBox 4"/>
+          <p:cNvSpPr txBox="1"/>
+          <p:nvPr/>
+        </p:nvSpPr>
+        <p:spPr>
+          <a:xfrm>
+            <a:off x="274320" y="1280160"/>
             <a:ext cx="8595360" cy="365760"/>
           </a:xfrm>
           <a:prstGeom prst="rect">
@@ -8772,28 +8982,28 @@
           <a:lstStyle/>
           <a:p>
             <a:pPr>
-              <a:defRPr sz="1600" i="1">
+              <a:defRPr sz="1100" i="1">
                 <a:solidFill>
                   <a:srgbClr val="F8F9FA"/>
                 </a:solidFill>
               </a:defRPr>
             </a:pPr>
             <a:r>
-              <a:t>Fokus: Daten wiederherstellen, Betrieb aufrechterhalten</a:t>
-            </a:r>
-          </a:p>
-        </p:txBody>
-      </p:sp>
-      <p:sp>
-        <p:nvSpPr>
-          <p:cNvPr id="5" name="Rounded Rectangle 4"/>
+              <a:t>Technischer Fokus: Daten wiederherstellen, Betrieb aufrechterhalten</a:t>
+            </a:r>
+          </a:p>
+        </p:txBody>
+      </p:sp>
+      <p:sp>
+        <p:nvSpPr>
+          <p:cNvPr id="6" name="Rounded Rectangle 5"/>
           <p:cNvSpPr/>
           <p:nvPr/>
         </p:nvSpPr>
         <p:spPr>
           <a:xfrm>
-            <a:off x="228600" y="1463040"/>
-            <a:ext cx="2834640" cy="5029200"/>
+            <a:off x="228600" y="1920240"/>
+            <a:ext cx="2834640" cy="4754880"/>
           </a:xfrm>
           <a:prstGeom prst="roundRect">
             <a:avLst/>
@@ -8831,14 +9041,14 @@
       </p:sp>
       <p:sp>
         <p:nvSpPr>
-          <p:cNvPr id="6" name="Rectangle 5"/>
+          <p:cNvPr id="7" name="Rectangle 6"/>
           <p:cNvSpPr/>
           <p:nvPr/>
         </p:nvSpPr>
         <p:spPr>
           <a:xfrm>
-            <a:off x="228600" y="1463040"/>
-            <a:ext cx="2834640" cy="457200"/>
+            <a:off x="228600" y="1920240"/>
+            <a:ext cx="2834640" cy="411480"/>
           </a:xfrm>
           <a:prstGeom prst="rect">
             <a:avLst/>
@@ -8874,13 +9084,13 @@
       </p:sp>
       <p:sp>
         <p:nvSpPr>
-          <p:cNvPr id="7" name="TextBox 6"/>
-          <p:cNvSpPr txBox="1"/>
-          <p:nvPr/>
-        </p:nvSpPr>
-        <p:spPr>
-          <a:xfrm>
-            <a:off x="228600" y="1508760"/>
+          <p:cNvPr id="8" name="TextBox 7"/>
+          <p:cNvSpPr txBox="1"/>
+          <p:nvPr/>
+        </p:nvSpPr>
+        <p:spPr>
+          <a:xfrm>
+            <a:off x="228600" y="1947672"/>
             <a:ext cx="2834640" cy="365760"/>
           </a:xfrm>
           <a:prstGeom prst="rect">
@@ -8895,7 +9105,7 @@
           <a:lstStyle/>
           <a:p>
             <a:pPr algn="ctr">
-              <a:defRPr sz="1400" b="1">
+              <a:defRPr sz="1300" b="1">
                 <a:solidFill>
                   <a:srgbClr val="FFFFFF"/>
                 </a:solidFill>
@@ -8909,14 +9119,14 @@
       </p:sp>
       <p:sp>
         <p:nvSpPr>
-          <p:cNvPr id="8" name="TextBox 7"/>
-          <p:cNvSpPr txBox="1"/>
-          <p:nvPr/>
-        </p:nvSpPr>
-        <p:spPr>
-          <a:xfrm>
-            <a:off x="320040" y="1965960"/>
-            <a:ext cx="2651760" cy="731520"/>
+          <p:cNvPr id="9" name="TextBox 8"/>
+          <p:cNvSpPr txBox="1"/>
+          <p:nvPr/>
+        </p:nvSpPr>
+        <p:spPr>
+          <a:xfrm>
+            <a:off x="301752" y="2377440"/>
+            <a:ext cx="2688336" cy="685800"/>
           </a:xfrm>
           <a:prstGeom prst="rect">
             <a:avLst/>
@@ -8930,28 +9140,28 @@
           <a:lstStyle/>
           <a:p>
             <a:pPr>
-              <a:defRPr sz="1100">
-                <a:solidFill>
-                  <a:srgbClr val="343A40"/>
-                </a:solidFill>
-              </a:defRPr>
-            </a:pPr>
-            <a:r>
-              <a:t>Tägliche Backups Office-IT, 14 Tage, kein Test</a:t>
-            </a:r>
-          </a:p>
-        </p:txBody>
-      </p:sp>
-      <p:sp>
-        <p:nvSpPr>
-          <p:cNvPr id="9" name="TextBox 8"/>
-          <p:cNvSpPr txBox="1"/>
-          <p:nvPr/>
-        </p:nvSpPr>
-        <p:spPr>
-          <a:xfrm>
-            <a:off x="320040" y="2697480"/>
-            <a:ext cx="2651760" cy="548640"/>
+              <a:defRPr sz="1000">
+                <a:solidFill>
+                  <a:srgbClr val="343A40"/>
+                </a:solidFill>
+              </a:defRPr>
+            </a:pPr>
+            <a:r>
+              <a:t>Grundschutz: Tägliche Datensicherung, aber ohne regelmäßige Tests ob die Wiederherstellung funktioniert.</a:t>
+            </a:r>
+          </a:p>
+        </p:txBody>
+      </p:sp>
+      <p:sp>
+        <p:nvSpPr>
+          <p:cNvPr id="10" name="TextBox 9"/>
+          <p:cNvSpPr txBox="1"/>
+          <p:nvPr/>
+        </p:nvSpPr>
+        <p:spPr>
+          <a:xfrm>
+            <a:off x="301752" y="3108960"/>
+            <a:ext cx="2688336" cy="502920"/>
           </a:xfrm>
           <a:prstGeom prst="rect">
             <a:avLst/>
@@ -8965,20 +9175,20 @@
           <a:lstStyle/>
           <a:p>
             <a:pPr>
+              <a:defRPr sz="1000" b="1">
+                <a:solidFill>
+                  <a:srgbClr val="343A40"/>
+                </a:solidFill>
+              </a:defRPr>
+            </a:pPr>
+            <a:r>
+              <a:t>CIA-Beitrag:</a:t>
+            </a:r>
+          </a:p>
+          <a:p>
+            <a:pPr>
               <a:defRPr sz="1100" b="1">
                 <a:solidFill>
-                  <a:srgbClr val="343A40"/>
-                </a:solidFill>
-              </a:defRPr>
-            </a:pPr>
-            <a:r>
-              <a:t>CIA-Beitrag:</a:t>
-            </a:r>
-          </a:p>
-          <a:p>
-            <a:pPr>
-              <a:defRPr sz="1200" b="1">
-                <a:solidFill>
                   <a:srgbClr val="007AC2"/>
                 </a:solidFill>
               </a:defRPr>
@@ -8991,14 +9201,14 @@
       </p:sp>
       <p:sp>
         <p:nvSpPr>
-          <p:cNvPr id="10" name="TextBox 9"/>
-          <p:cNvSpPr txBox="1"/>
-          <p:nvPr/>
-        </p:nvSpPr>
-        <p:spPr>
-          <a:xfrm>
-            <a:off x="320040" y="3246120"/>
-            <a:ext cx="2651760" cy="548640"/>
+          <p:cNvPr id="11" name="TextBox 10"/>
+          <p:cNvSpPr txBox="1"/>
+          <p:nvPr/>
+        </p:nvSpPr>
+        <p:spPr>
+          <a:xfrm>
+            <a:off x="301752" y="3611880"/>
+            <a:ext cx="2688336" cy="502920"/>
           </a:xfrm>
           <a:prstGeom prst="rect">
             <a:avLst/>
@@ -9012,7 +9222,7 @@
           <a:lstStyle/>
           <a:p>
             <a:pPr>
-              <a:defRPr sz="1100" b="1">
+              <a:defRPr sz="1000" b="1">
                 <a:solidFill>
                   <a:srgbClr val="343A40"/>
                 </a:solidFill>
@@ -9024,7 +9234,7 @@
           </a:p>
           <a:p>
             <a:pPr>
-              <a:defRPr sz="1100">
+              <a:defRPr sz="1000">
                 <a:solidFill>
                   <a:srgbClr val="343A40"/>
                 </a:solidFill>
@@ -9038,14 +9248,14 @@
       </p:sp>
       <p:sp>
         <p:nvSpPr>
-          <p:cNvPr id="11" name="TextBox 10"/>
-          <p:cNvSpPr txBox="1"/>
-          <p:nvPr/>
-        </p:nvSpPr>
-        <p:spPr>
-          <a:xfrm>
-            <a:off x="320040" y="3794760"/>
-            <a:ext cx="2651760" cy="1280160"/>
+          <p:cNvPr id="12" name="TextBox 11"/>
+          <p:cNvSpPr txBox="1"/>
+          <p:nvPr/>
+        </p:nvSpPr>
+        <p:spPr>
+          <a:xfrm>
+            <a:off x="301752" y="4114800"/>
+            <a:ext cx="2688336" cy="1188720"/>
           </a:xfrm>
           <a:prstGeom prst="rect">
             <a:avLst/>
@@ -9059,7 +9269,7 @@
           <a:lstStyle/>
           <a:p>
             <a:pPr>
-              <a:defRPr sz="1100" b="1">
+              <a:defRPr sz="1000" b="1">
                 <a:solidFill>
                   <a:srgbClr val="343A40"/>
                 </a:solidFill>
@@ -9071,7 +9281,7 @@
           </a:p>
           <a:p>
             <a:pPr>
-              <a:defRPr sz="1100">
+              <a:defRPr sz="1000">
                 <a:solidFill>
                   <a:srgbClr val="00994C"/>
                 </a:solidFill>
@@ -9083,7 +9293,7 @@
           </a:p>
           <a:p>
             <a:pPr>
-              <a:defRPr sz="1100" b="1">
+              <a:defRPr sz="1000" b="1">
                 <a:solidFill>
                   <a:srgbClr val="FF9900"/>
                 </a:solidFill>
@@ -9097,14 +9307,14 @@
       </p:sp>
       <p:sp>
         <p:nvSpPr>
-          <p:cNvPr id="12" name="Rounded Rectangle 11"/>
+          <p:cNvPr id="13" name="Rounded Rectangle 12"/>
           <p:cNvSpPr/>
           <p:nvPr/>
         </p:nvSpPr>
         <p:spPr>
           <a:xfrm>
-            <a:off x="3154680" y="1463040"/>
-            <a:ext cx="2834640" cy="5029200"/>
+            <a:off x="3154680" y="1920240"/>
+            <a:ext cx="2834640" cy="4754880"/>
           </a:xfrm>
           <a:prstGeom prst="roundRect">
             <a:avLst/>
@@ -9142,14 +9352,14 @@
       </p:sp>
       <p:sp>
         <p:nvSpPr>
-          <p:cNvPr id="13" name="Rectangle 12"/>
+          <p:cNvPr id="14" name="Rectangle 13"/>
           <p:cNvSpPr/>
           <p:nvPr/>
         </p:nvSpPr>
         <p:spPr>
           <a:xfrm>
-            <a:off x="3154680" y="1463040"/>
-            <a:ext cx="2834640" cy="457200"/>
+            <a:off x="3154680" y="1920240"/>
+            <a:ext cx="2834640" cy="411480"/>
           </a:xfrm>
           <a:prstGeom prst="rect">
             <a:avLst/>
@@ -9185,13 +9395,13 @@
       </p:sp>
       <p:sp>
         <p:nvSpPr>
-          <p:cNvPr id="14" name="TextBox 13"/>
-          <p:cNvSpPr txBox="1"/>
-          <p:nvPr/>
-        </p:nvSpPr>
-        <p:spPr>
-          <a:xfrm>
-            <a:off x="3154680" y="1508760"/>
+          <p:cNvPr id="15" name="TextBox 14"/>
+          <p:cNvSpPr txBox="1"/>
+          <p:nvPr/>
+        </p:nvSpPr>
+        <p:spPr>
+          <a:xfrm>
+            <a:off x="3154680" y="1947672"/>
             <a:ext cx="2834640" cy="365760"/>
           </a:xfrm>
           <a:prstGeom prst="rect">
@@ -9206,7 +9416,7 @@
           <a:lstStyle/>
           <a:p>
             <a:pPr algn="ctr">
-              <a:defRPr sz="1400" b="1">
+              <a:defRPr sz="1300" b="1">
                 <a:solidFill>
                   <a:srgbClr val="FFFFFF"/>
                 </a:solidFill>
@@ -9220,14 +9430,14 @@
       </p:sp>
       <p:sp>
         <p:nvSpPr>
-          <p:cNvPr id="15" name="TextBox 14"/>
-          <p:cNvSpPr txBox="1"/>
-          <p:nvPr/>
-        </p:nvSpPr>
-        <p:spPr>
-          <a:xfrm>
-            <a:off x="3246120" y="1965960"/>
-            <a:ext cx="2651760" cy="731520"/>
+          <p:cNvPr id="16" name="TextBox 15"/>
+          <p:cNvSpPr txBox="1"/>
+          <p:nvPr/>
+        </p:nvSpPr>
+        <p:spPr>
+          <a:xfrm>
+            <a:off x="3227832" y="2377440"/>
+            <a:ext cx="2688336" cy="685800"/>
           </a:xfrm>
           <a:prstGeom prst="rect">
             <a:avLst/>
@@ -9241,28 +9451,28 @@
           <a:lstStyle/>
           <a:p>
             <a:pPr>
-              <a:defRPr sz="1100">
-                <a:solidFill>
-                  <a:srgbClr val="343A40"/>
-                </a:solidFill>
-              </a:defRPr>
-            </a:pPr>
-            <a:r>
-              <a:t>3-2-1-Regel, monatliche Restore-Tests</a:t>
-            </a:r>
-          </a:p>
-        </p:txBody>
-      </p:sp>
-      <p:sp>
-        <p:nvSpPr>
-          <p:cNvPr id="16" name="TextBox 15"/>
-          <p:cNvSpPr txBox="1"/>
-          <p:nvPr/>
-        </p:nvSpPr>
-        <p:spPr>
-          <a:xfrm>
-            <a:off x="3246120" y="2697480"/>
-            <a:ext cx="2651760" cy="548640"/>
+              <a:defRPr sz="1000">
+                <a:solidFill>
+                  <a:srgbClr val="343A40"/>
+                </a:solidFill>
+              </a:defRPr>
+            </a:pPr>
+            <a:r>
+              <a:t>Besser: Backups an mehreren Orten, monatlich wird geprüft ob Wiederherstellung klappt.</a:t>
+            </a:r>
+          </a:p>
+        </p:txBody>
+      </p:sp>
+      <p:sp>
+        <p:nvSpPr>
+          <p:cNvPr id="17" name="TextBox 16"/>
+          <p:cNvSpPr txBox="1"/>
+          <p:nvPr/>
+        </p:nvSpPr>
+        <p:spPr>
+          <a:xfrm>
+            <a:off x="3227832" y="3108960"/>
+            <a:ext cx="2688336" cy="502920"/>
           </a:xfrm>
           <a:prstGeom prst="rect">
             <a:avLst/>
@@ -9276,20 +9486,20 @@
           <a:lstStyle/>
           <a:p>
             <a:pPr>
+              <a:defRPr sz="1000" b="1">
+                <a:solidFill>
+                  <a:srgbClr val="343A40"/>
+                </a:solidFill>
+              </a:defRPr>
+            </a:pPr>
+            <a:r>
+              <a:t>CIA-Beitrag:</a:t>
+            </a:r>
+          </a:p>
+          <a:p>
+            <a:pPr>
               <a:defRPr sz="1100" b="1">
                 <a:solidFill>
-                  <a:srgbClr val="343A40"/>
-                </a:solidFill>
-              </a:defRPr>
-            </a:pPr>
-            <a:r>
-              <a:t>CIA-Beitrag:</a:t>
-            </a:r>
-          </a:p>
-          <a:p>
-            <a:pPr>
-              <a:defRPr sz="1200" b="1">
-                <a:solidFill>
                   <a:srgbClr val="007AC2"/>
                 </a:solidFill>
               </a:defRPr>
@@ -9302,14 +9512,14 @@
       </p:sp>
       <p:sp>
         <p:nvSpPr>
-          <p:cNvPr id="17" name="TextBox 16"/>
-          <p:cNvSpPr txBox="1"/>
-          <p:nvPr/>
-        </p:nvSpPr>
-        <p:spPr>
-          <a:xfrm>
-            <a:off x="3246120" y="3246120"/>
-            <a:ext cx="2651760" cy="548640"/>
+          <p:cNvPr id="18" name="TextBox 17"/>
+          <p:cNvSpPr txBox="1"/>
+          <p:nvPr/>
+        </p:nvSpPr>
+        <p:spPr>
+          <a:xfrm>
+            <a:off x="3227832" y="3611880"/>
+            <a:ext cx="2688336" cy="502920"/>
           </a:xfrm>
           <a:prstGeom prst="rect">
             <a:avLst/>
@@ -9323,7 +9533,7 @@
           <a:lstStyle/>
           <a:p>
             <a:pPr>
-              <a:defRPr sz="1100" b="1">
+              <a:defRPr sz="1000" b="1">
                 <a:solidFill>
                   <a:srgbClr val="343A40"/>
                 </a:solidFill>
@@ -9335,7 +9545,7 @@
           </a:p>
           <a:p>
             <a:pPr>
-              <a:defRPr sz="1100">
+              <a:defRPr sz="1000">
                 <a:solidFill>
                   <a:srgbClr val="343A40"/>
                 </a:solidFill>
@@ -9349,14 +9559,14 @@
       </p:sp>
       <p:sp>
         <p:nvSpPr>
-          <p:cNvPr id="18" name="TextBox 17"/>
-          <p:cNvSpPr txBox="1"/>
-          <p:nvPr/>
-        </p:nvSpPr>
-        <p:spPr>
-          <a:xfrm>
-            <a:off x="3246120" y="3794760"/>
-            <a:ext cx="2651760" cy="1280160"/>
+          <p:cNvPr id="19" name="TextBox 18"/>
+          <p:cNvSpPr txBox="1"/>
+          <p:nvPr/>
+        </p:nvSpPr>
+        <p:spPr>
+          <a:xfrm>
+            <a:off x="3227832" y="4114800"/>
+            <a:ext cx="2688336" cy="1188720"/>
           </a:xfrm>
           <a:prstGeom prst="rect">
             <a:avLst/>
@@ -9370,7 +9580,7 @@
           <a:lstStyle/>
           <a:p>
             <a:pPr>
-              <a:defRPr sz="1100" b="1">
+              <a:defRPr sz="1000" b="1">
                 <a:solidFill>
                   <a:srgbClr val="343A40"/>
                 </a:solidFill>
@@ -9382,7 +9592,7 @@
           </a:p>
           <a:p>
             <a:pPr>
-              <a:defRPr sz="1100">
+              <a:defRPr sz="1000">
                 <a:solidFill>
                   <a:srgbClr val="00994C"/>
                 </a:solidFill>
@@ -9394,7 +9604,7 @@
           </a:p>
           <a:p>
             <a:pPr>
-              <a:defRPr sz="1100">
+              <a:defRPr sz="1000">
                 <a:solidFill>
                   <a:srgbClr val="00994C"/>
                 </a:solidFill>
@@ -9406,7 +9616,7 @@
           </a:p>
           <a:p>
             <a:pPr>
-              <a:defRPr sz="1100" b="1">
+              <a:defRPr sz="1000" b="1">
                 <a:solidFill>
                   <a:srgbClr val="FF9900"/>
                 </a:solidFill>
@@ -9420,14 +9630,14 @@
       </p:sp>
       <p:sp>
         <p:nvSpPr>
-          <p:cNvPr id="19" name="Rounded Rectangle 18"/>
+          <p:cNvPr id="20" name="Rounded Rectangle 19"/>
           <p:cNvSpPr/>
           <p:nvPr/>
         </p:nvSpPr>
         <p:spPr>
           <a:xfrm>
-            <a:off x="6080760" y="1463040"/>
-            <a:ext cx="2834640" cy="5029200"/>
+            <a:off x="6080760" y="1920240"/>
+            <a:ext cx="2834640" cy="4754880"/>
           </a:xfrm>
           <a:prstGeom prst="roundRect">
             <a:avLst/>
@@ -9465,14 +9675,14 @@
       </p:sp>
       <p:sp>
         <p:nvSpPr>
-          <p:cNvPr id="20" name="Rectangle 19"/>
+          <p:cNvPr id="21" name="Rectangle 20"/>
           <p:cNvSpPr/>
           <p:nvPr/>
         </p:nvSpPr>
         <p:spPr>
           <a:xfrm>
-            <a:off x="6080760" y="1463040"/>
-            <a:ext cx="2834640" cy="457200"/>
+            <a:off x="6080760" y="1920240"/>
+            <a:ext cx="2834640" cy="411480"/>
           </a:xfrm>
           <a:prstGeom prst="rect">
             <a:avLst/>
@@ -9508,13 +9718,13 @@
       </p:sp>
       <p:sp>
         <p:nvSpPr>
-          <p:cNvPr id="21" name="TextBox 20"/>
-          <p:cNvSpPr txBox="1"/>
-          <p:nvPr/>
-        </p:nvSpPr>
-        <p:spPr>
-          <a:xfrm>
-            <a:off x="6080760" y="1508760"/>
+          <p:cNvPr id="22" name="TextBox 21"/>
+          <p:cNvSpPr txBox="1"/>
+          <p:nvPr/>
+        </p:nvSpPr>
+        <p:spPr>
+          <a:xfrm>
+            <a:off x="6080760" y="1947672"/>
             <a:ext cx="2834640" cy="365760"/>
           </a:xfrm>
           <a:prstGeom prst="rect">
@@ -9529,7 +9739,7 @@
           <a:lstStyle/>
           <a:p>
             <a:pPr algn="ctr">
-              <a:defRPr sz="1400" b="1">
+              <a:defRPr sz="1300" b="1">
                 <a:solidFill>
                   <a:srgbClr val="FFFFFF"/>
                 </a:solidFill>
@@ -9543,14 +9753,14 @@
       </p:sp>
       <p:sp>
         <p:nvSpPr>
-          <p:cNvPr id="22" name="TextBox 21"/>
-          <p:cNvSpPr txBox="1"/>
-          <p:nvPr/>
-        </p:nvSpPr>
-        <p:spPr>
-          <a:xfrm>
-            <a:off x="6172200" y="1965960"/>
-            <a:ext cx="2651760" cy="731520"/>
+          <p:cNvPr id="23" name="TextBox 22"/>
+          <p:cNvSpPr txBox="1"/>
+          <p:nvPr/>
+        </p:nvSpPr>
+        <p:spPr>
+          <a:xfrm>
+            <a:off x="6153912" y="2377440"/>
+            <a:ext cx="2688336" cy="685800"/>
           </a:xfrm>
           <a:prstGeom prst="rect">
             <a:avLst/>
@@ -9564,28 +9774,28 @@
           <a:lstStyle/>
           <a:p>
             <a:pPr>
-              <a:defRPr sz="1100">
-                <a:solidFill>
-                  <a:srgbClr val="343A40"/>
-                </a:solidFill>
-              </a:defRPr>
-            </a:pPr>
-            <a:r>
-              <a:t>Immutable Backups (Air-Gap), DR-Plan, RTO &lt;4h</a:t>
-            </a:r>
-          </a:p>
-        </p:txBody>
-      </p:sp>
-      <p:sp>
-        <p:nvSpPr>
-          <p:cNvPr id="23" name="TextBox 22"/>
-          <p:cNvSpPr txBox="1"/>
-          <p:nvPr/>
-        </p:nvSpPr>
-        <p:spPr>
-          <a:xfrm>
-            <a:off x="6172200" y="2697480"/>
-            <a:ext cx="2651760" cy="548640"/>
+              <a:defRPr sz="1000">
+                <a:solidFill>
+                  <a:srgbClr val="343A40"/>
+                </a:solidFill>
+              </a:defRPr>
+            </a:pPr>
+            <a:r>
+              <a:t>Premium: Backups sind unveränderbar und vom Netzwerk getrennt - selbst Hacker können sie nicht löschen. Schnelle Wiederherstellung garantiert.</a:t>
+            </a:r>
+          </a:p>
+        </p:txBody>
+      </p:sp>
+      <p:sp>
+        <p:nvSpPr>
+          <p:cNvPr id="24" name="TextBox 23"/>
+          <p:cNvSpPr txBox="1"/>
+          <p:nvPr/>
+        </p:nvSpPr>
+        <p:spPr>
+          <a:xfrm>
+            <a:off x="6153912" y="3108960"/>
+            <a:ext cx="2688336" cy="502920"/>
           </a:xfrm>
           <a:prstGeom prst="rect">
             <a:avLst/>
@@ -9599,20 +9809,20 @@
           <a:lstStyle/>
           <a:p>
             <a:pPr>
+              <a:defRPr sz="1000" b="1">
+                <a:solidFill>
+                  <a:srgbClr val="343A40"/>
+                </a:solidFill>
+              </a:defRPr>
+            </a:pPr>
+            <a:r>
+              <a:t>CIA-Beitrag:</a:t>
+            </a:r>
+          </a:p>
+          <a:p>
+            <a:pPr>
               <a:defRPr sz="1100" b="1">
                 <a:solidFill>
-                  <a:srgbClr val="343A40"/>
-                </a:solidFill>
-              </a:defRPr>
-            </a:pPr>
-            <a:r>
-              <a:t>CIA-Beitrag:</a:t>
-            </a:r>
-          </a:p>
-          <a:p>
-            <a:pPr>
-              <a:defRPr sz="1200" b="1">
-                <a:solidFill>
                   <a:srgbClr val="007AC2"/>
                 </a:solidFill>
               </a:defRPr>
@@ -9625,14 +9835,14 @@
       </p:sp>
       <p:sp>
         <p:nvSpPr>
-          <p:cNvPr id="24" name="TextBox 23"/>
-          <p:cNvSpPr txBox="1"/>
-          <p:nvPr/>
-        </p:nvSpPr>
-        <p:spPr>
-          <a:xfrm>
-            <a:off x="6172200" y="3246120"/>
-            <a:ext cx="2651760" cy="548640"/>
+          <p:cNvPr id="25" name="TextBox 24"/>
+          <p:cNvSpPr txBox="1"/>
+          <p:nvPr/>
+        </p:nvSpPr>
+        <p:spPr>
+          <a:xfrm>
+            <a:off x="6153912" y="3611880"/>
+            <a:ext cx="2688336" cy="502920"/>
           </a:xfrm>
           <a:prstGeom prst="rect">
             <a:avLst/>
@@ -9646,7 +9856,7 @@
           <a:lstStyle/>
           <a:p>
             <a:pPr>
-              <a:defRPr sz="1100" b="1">
+              <a:defRPr sz="1000" b="1">
                 <a:solidFill>
                   <a:srgbClr val="343A40"/>
                 </a:solidFill>
@@ -9658,7 +9868,7 @@
           </a:p>
           <a:p>
             <a:pPr>
-              <a:defRPr sz="1100">
+              <a:defRPr sz="1000">
                 <a:solidFill>
                   <a:srgbClr val="343A40"/>
                 </a:solidFill>
@@ -9672,14 +9882,14 @@
       </p:sp>
       <p:sp>
         <p:nvSpPr>
-          <p:cNvPr id="25" name="TextBox 24"/>
-          <p:cNvSpPr txBox="1"/>
-          <p:nvPr/>
-        </p:nvSpPr>
-        <p:spPr>
-          <a:xfrm>
-            <a:off x="6172200" y="3794760"/>
-            <a:ext cx="2651760" cy="1280160"/>
+          <p:cNvPr id="26" name="TextBox 25"/>
+          <p:cNvSpPr txBox="1"/>
+          <p:nvPr/>
+        </p:nvSpPr>
+        <p:spPr>
+          <a:xfrm>
+            <a:off x="6153912" y="4114800"/>
+            <a:ext cx="2688336" cy="1188720"/>
           </a:xfrm>
           <a:prstGeom prst="rect">
             <a:avLst/>
@@ -9693,7 +9903,7 @@
           <a:lstStyle/>
           <a:p>
             <a:pPr>
-              <a:defRPr sz="1100" b="1">
+              <a:defRPr sz="1000" b="1">
                 <a:solidFill>
                   <a:srgbClr val="343A40"/>
                 </a:solidFill>
@@ -9705,7 +9915,7 @@
           </a:p>
           <a:p>
             <a:pPr>
-              <a:defRPr sz="1100">
+              <a:defRPr sz="1000">
                 <a:solidFill>
                   <a:srgbClr val="00994C"/>
                 </a:solidFill>
@@ -9717,7 +9927,7 @@
           </a:p>
           <a:p>
             <a:pPr>
-              <a:defRPr sz="1100">
+              <a:defRPr sz="1000">
                 <a:solidFill>
                   <a:srgbClr val="00994C"/>
                 </a:solidFill>
@@ -9729,7 +9939,7 @@
           </a:p>
           <a:p>
             <a:pPr>
-              <a:defRPr sz="1100" b="1">
+              <a:defRPr sz="1000" b="1">
                 <a:solidFill>
                   <a:srgbClr val="FF9900"/>
                 </a:solidFill>
@@ -9768,7 +9978,7 @@
         <p:spPr>
           <a:xfrm>
             <a:off x="0" y="0"/>
-            <a:ext cx="9144000" cy="1280160"/>
+            <a:ext cx="9144000" cy="1737360"/>
           </a:xfrm>
           <a:prstGeom prst="rect">
             <a:avLst/>
@@ -9810,8 +10020,8 @@
         </p:nvSpPr>
         <p:spPr>
           <a:xfrm>
-            <a:off x="274320" y="182880"/>
-            <a:ext cx="8595360" cy="548640"/>
+            <a:off x="274320" y="137160"/>
+            <a:ext cx="8595360" cy="457200"/>
           </a:xfrm>
           <a:prstGeom prst="rect">
             <a:avLst/>
@@ -9825,7 +10035,7 @@
           <a:lstStyle/>
           <a:p>
             <a:pPr>
-              <a:defRPr sz="3200" b="1">
+              <a:defRPr sz="2800" b="1">
                 <a:solidFill>
                   <a:srgbClr val="FFFFFF"/>
                 </a:solidFill>
@@ -9845,7 +10055,42 @@
         </p:nvSpPr>
         <p:spPr>
           <a:xfrm>
-            <a:off x="274320" y="777240"/>
+            <a:off x="274320" y="594360"/>
+            <a:ext cx="8595360" cy="640080"/>
+          </a:xfrm>
+          <a:prstGeom prst="rect">
+            <a:avLst/>
+          </a:prstGeom>
+          <a:noFill/>
+        </p:spPr>
+        <p:txBody>
+          <a:bodyPr wrap="square">
+            <a:spAutoFit/>
+          </a:bodyPr>
+          <a:lstStyle/>
+          <a:p>
+            <a:pPr>
+              <a:defRPr sz="1400">
+                <a:solidFill>
+                  <a:srgbClr val="F8F9FA"/>
+                </a:solidFill>
+              </a:defRPr>
+            </a:pPr>
+            <a:r>
+              <a:t>Baut digitale Brandmauern zwischen Büro und Produktion. Ein Angriff im Büro soll nicht die Fertigungsanlagen lahmlegen können.</a:t>
+            </a:r>
+          </a:p>
+        </p:txBody>
+      </p:sp>
+      <p:sp>
+        <p:nvSpPr>
+          <p:cNvPr id="5" name="TextBox 4"/>
+          <p:cNvSpPr txBox="1"/>
+          <p:nvPr/>
+        </p:nvSpPr>
+        <p:spPr>
+          <a:xfrm>
+            <a:off x="274320" y="1280160"/>
             <a:ext cx="8595360" cy="365760"/>
           </a:xfrm>
           <a:prstGeom prst="rect">
@@ -9860,28 +10105,28 @@
           <a:lstStyle/>
           <a:p>
             <a:pPr>
-              <a:defRPr sz="1600" i="1">
+              <a:defRPr sz="1100" i="1">
                 <a:solidFill>
                   <a:srgbClr val="F8F9FA"/>
                 </a:solidFill>
               </a:defRPr>
             </a:pPr>
             <a:r>
-              <a:t>Fokus: Produktionsnetz vom Office-Netz trennen</a:t>
-            </a:r>
-          </a:p>
-        </p:txBody>
-      </p:sp>
-      <p:sp>
-        <p:nvSpPr>
-          <p:cNvPr id="5" name="Rounded Rectangle 4"/>
+              <a:t>Technischer Fokus: Produktionsnetz vom Office-Netz trennen</a:t>
+            </a:r>
+          </a:p>
+        </p:txBody>
+      </p:sp>
+      <p:sp>
+        <p:nvSpPr>
+          <p:cNvPr id="6" name="Rounded Rectangle 5"/>
           <p:cNvSpPr/>
           <p:nvPr/>
         </p:nvSpPr>
         <p:spPr>
           <a:xfrm>
-            <a:off x="228600" y="1463040"/>
-            <a:ext cx="2834640" cy="5029200"/>
+            <a:off x="228600" y="1920240"/>
+            <a:ext cx="2834640" cy="4754880"/>
           </a:xfrm>
           <a:prstGeom prst="roundRect">
             <a:avLst/>
@@ -9919,14 +10164,14 @@
       </p:sp>
       <p:sp>
         <p:nvSpPr>
-          <p:cNvPr id="6" name="Rectangle 5"/>
+          <p:cNvPr id="7" name="Rectangle 6"/>
           <p:cNvSpPr/>
           <p:nvPr/>
         </p:nvSpPr>
         <p:spPr>
           <a:xfrm>
-            <a:off x="228600" y="1463040"/>
-            <a:ext cx="2834640" cy="457200"/>
+            <a:off x="228600" y="1920240"/>
+            <a:ext cx="2834640" cy="411480"/>
           </a:xfrm>
           <a:prstGeom prst="rect">
             <a:avLst/>
@@ -9962,13 +10207,13 @@
       </p:sp>
       <p:sp>
         <p:nvSpPr>
-          <p:cNvPr id="7" name="TextBox 6"/>
-          <p:cNvSpPr txBox="1"/>
-          <p:nvPr/>
-        </p:nvSpPr>
-        <p:spPr>
-          <a:xfrm>
-            <a:off x="228600" y="1508760"/>
+          <p:cNvPr id="8" name="TextBox 7"/>
+          <p:cNvSpPr txBox="1"/>
+          <p:nvPr/>
+        </p:nvSpPr>
+        <p:spPr>
+          <a:xfrm>
+            <a:off x="228600" y="1947672"/>
             <a:ext cx="2834640" cy="365760"/>
           </a:xfrm>
           <a:prstGeom prst="rect">
@@ -9983,7 +10228,7 @@
           <a:lstStyle/>
           <a:p>
             <a:pPr algn="ctr">
-              <a:defRPr sz="1400" b="1">
+              <a:defRPr sz="1300" b="1">
                 <a:solidFill>
                   <a:srgbClr val="FFFFFF"/>
                 </a:solidFill>
@@ -9997,14 +10242,14 @@
       </p:sp>
       <p:sp>
         <p:nvSpPr>
-          <p:cNvPr id="8" name="TextBox 7"/>
-          <p:cNvSpPr txBox="1"/>
-          <p:nvPr/>
-        </p:nvSpPr>
-        <p:spPr>
-          <a:xfrm>
-            <a:off x="320040" y="1965960"/>
-            <a:ext cx="2651760" cy="731520"/>
+          <p:cNvPr id="9" name="TextBox 8"/>
+          <p:cNvSpPr txBox="1"/>
+          <p:nvPr/>
+        </p:nvSpPr>
+        <p:spPr>
+          <a:xfrm>
+            <a:off x="301752" y="2377440"/>
+            <a:ext cx="2688336" cy="685800"/>
           </a:xfrm>
           <a:prstGeom prst="rect">
             <a:avLst/>
@@ -10018,28 +10263,28 @@
           <a:lstStyle/>
           <a:p>
             <a:pPr>
-              <a:defRPr sz="1100">
-                <a:solidFill>
-                  <a:srgbClr val="343A40"/>
-                </a:solidFill>
-              </a:defRPr>
-            </a:pPr>
-            <a:r>
-              <a:t>Logische VLANs, keine Firewall-Regeln</a:t>
-            </a:r>
-          </a:p>
-        </p:txBody>
-      </p:sp>
-      <p:sp>
-        <p:nvSpPr>
-          <p:cNvPr id="9" name="TextBox 8"/>
-          <p:cNvSpPr txBox="1"/>
-          <p:nvPr/>
-        </p:nvSpPr>
-        <p:spPr>
-          <a:xfrm>
-            <a:off x="320040" y="2697480"/>
-            <a:ext cx="2651760" cy="548640"/>
+              <a:defRPr sz="1000">
+                <a:solidFill>
+                  <a:srgbClr val="343A40"/>
+                </a:solidFill>
+              </a:defRPr>
+            </a:pPr>
+            <a:r>
+              <a:t>Grundschutz: Netzwerke sind logisch getrennt, aber ohne strenge Zugangskontrollen.</a:t>
+            </a:r>
+          </a:p>
+        </p:txBody>
+      </p:sp>
+      <p:sp>
+        <p:nvSpPr>
+          <p:cNvPr id="10" name="TextBox 9"/>
+          <p:cNvSpPr txBox="1"/>
+          <p:nvPr/>
+        </p:nvSpPr>
+        <p:spPr>
+          <a:xfrm>
+            <a:off x="301752" y="3108960"/>
+            <a:ext cx="2688336" cy="502920"/>
           </a:xfrm>
           <a:prstGeom prst="rect">
             <a:avLst/>
@@ -10053,20 +10298,20 @@
           <a:lstStyle/>
           <a:p>
             <a:pPr>
+              <a:defRPr sz="1000" b="1">
+                <a:solidFill>
+                  <a:srgbClr val="343A40"/>
+                </a:solidFill>
+              </a:defRPr>
+            </a:pPr>
+            <a:r>
+              <a:t>CIA-Beitrag:</a:t>
+            </a:r>
+          </a:p>
+          <a:p>
+            <a:pPr>
               <a:defRPr sz="1100" b="1">
                 <a:solidFill>
-                  <a:srgbClr val="343A40"/>
-                </a:solidFill>
-              </a:defRPr>
-            </a:pPr>
-            <a:r>
-              <a:t>CIA-Beitrag:</a:t>
-            </a:r>
-          </a:p>
-          <a:p>
-            <a:pPr>
-              <a:defRPr sz="1200" b="1">
-                <a:solidFill>
                   <a:srgbClr val="007AC2"/>
                 </a:solidFill>
               </a:defRPr>
@@ -10079,14 +10324,14 @@
       </p:sp>
       <p:sp>
         <p:nvSpPr>
-          <p:cNvPr id="10" name="TextBox 9"/>
-          <p:cNvSpPr txBox="1"/>
-          <p:nvPr/>
-        </p:nvSpPr>
-        <p:spPr>
-          <a:xfrm>
-            <a:off x="320040" y="3246120"/>
-            <a:ext cx="2651760" cy="548640"/>
+          <p:cNvPr id="11" name="TextBox 10"/>
+          <p:cNvSpPr txBox="1"/>
+          <p:nvPr/>
+        </p:nvSpPr>
+        <p:spPr>
+          <a:xfrm>
+            <a:off x="301752" y="3611880"/>
+            <a:ext cx="2688336" cy="502920"/>
           </a:xfrm>
           <a:prstGeom prst="rect">
             <a:avLst/>
@@ -10100,7 +10345,7 @@
           <a:lstStyle/>
           <a:p>
             <a:pPr>
-              <a:defRPr sz="1100" b="1">
+              <a:defRPr sz="1000" b="1">
                 <a:solidFill>
                   <a:srgbClr val="343A40"/>
                 </a:solidFill>
@@ -10112,7 +10357,7 @@
           </a:p>
           <a:p>
             <a:pPr>
-              <a:defRPr sz="1100">
+              <a:defRPr sz="1000">
                 <a:solidFill>
                   <a:srgbClr val="343A40"/>
                 </a:solidFill>
@@ -10126,14 +10371,14 @@
       </p:sp>
       <p:sp>
         <p:nvSpPr>
-          <p:cNvPr id="11" name="TextBox 10"/>
-          <p:cNvSpPr txBox="1"/>
-          <p:nvPr/>
-        </p:nvSpPr>
-        <p:spPr>
-          <a:xfrm>
-            <a:off x="320040" y="3794760"/>
-            <a:ext cx="2651760" cy="1280160"/>
+          <p:cNvPr id="12" name="TextBox 11"/>
+          <p:cNvSpPr txBox="1"/>
+          <p:nvPr/>
+        </p:nvSpPr>
+        <p:spPr>
+          <a:xfrm>
+            <a:off x="301752" y="4114800"/>
+            <a:ext cx="2688336" cy="1188720"/>
           </a:xfrm>
           <a:prstGeom prst="rect">
             <a:avLst/>
@@ -10147,7 +10392,7 @@
           <a:lstStyle/>
           <a:p>
             <a:pPr>
-              <a:defRPr sz="1100" b="1">
+              <a:defRPr sz="1000" b="1">
                 <a:solidFill>
                   <a:srgbClr val="343A40"/>
                 </a:solidFill>
@@ -10159,7 +10404,7 @@
           </a:p>
           <a:p>
             <a:pPr>
-              <a:defRPr sz="1100">
+              <a:defRPr sz="1000">
                 <a:solidFill>
                   <a:srgbClr val="00994C"/>
                 </a:solidFill>
@@ -10173,14 +10418,14 @@
       </p:sp>
       <p:sp>
         <p:nvSpPr>
-          <p:cNvPr id="12" name="Rounded Rectangle 11"/>
+          <p:cNvPr id="13" name="Rounded Rectangle 12"/>
           <p:cNvSpPr/>
           <p:nvPr/>
         </p:nvSpPr>
         <p:spPr>
           <a:xfrm>
-            <a:off x="3154680" y="1463040"/>
-            <a:ext cx="2834640" cy="5029200"/>
+            <a:off x="3154680" y="1920240"/>
+            <a:ext cx="2834640" cy="4754880"/>
           </a:xfrm>
           <a:prstGeom prst="roundRect">
             <a:avLst/>
@@ -10218,14 +10463,14 @@
       </p:sp>
       <p:sp>
         <p:nvSpPr>
-          <p:cNvPr id="13" name="Rectangle 12"/>
+          <p:cNvPr id="14" name="Rectangle 13"/>
           <p:cNvSpPr/>
           <p:nvPr/>
         </p:nvSpPr>
         <p:spPr>
           <a:xfrm>
-            <a:off x="3154680" y="1463040"/>
-            <a:ext cx="2834640" cy="457200"/>
+            <a:off x="3154680" y="1920240"/>
+            <a:ext cx="2834640" cy="411480"/>
           </a:xfrm>
           <a:prstGeom prst="rect">
             <a:avLst/>
@@ -10261,13 +10506,13 @@
       </p:sp>
       <p:sp>
         <p:nvSpPr>
-          <p:cNvPr id="14" name="TextBox 13"/>
-          <p:cNvSpPr txBox="1"/>
-          <p:nvPr/>
-        </p:nvSpPr>
-        <p:spPr>
-          <a:xfrm>
-            <a:off x="3154680" y="1508760"/>
+          <p:cNvPr id="15" name="TextBox 14"/>
+          <p:cNvSpPr txBox="1"/>
+          <p:nvPr/>
+        </p:nvSpPr>
+        <p:spPr>
+          <a:xfrm>
+            <a:off x="3154680" y="1947672"/>
             <a:ext cx="2834640" cy="365760"/>
           </a:xfrm>
           <a:prstGeom prst="rect">
@@ -10282,7 +10527,7 @@
           <a:lstStyle/>
           <a:p>
             <a:pPr algn="ctr">
-              <a:defRPr sz="1400" b="1">
+              <a:defRPr sz="1300" b="1">
                 <a:solidFill>
                   <a:srgbClr val="FFFFFF"/>
                 </a:solidFill>
@@ -10296,14 +10541,14 @@
       </p:sp>
       <p:sp>
         <p:nvSpPr>
-          <p:cNvPr id="15" name="TextBox 14"/>
-          <p:cNvSpPr txBox="1"/>
-          <p:nvPr/>
-        </p:nvSpPr>
-        <p:spPr>
-          <a:xfrm>
-            <a:off x="3246120" y="1965960"/>
-            <a:ext cx="2651760" cy="731520"/>
+          <p:cNvPr id="16" name="TextBox 15"/>
+          <p:cNvSpPr txBox="1"/>
+          <p:nvPr/>
+        </p:nvSpPr>
+        <p:spPr>
+          <a:xfrm>
+            <a:off x="3227832" y="2377440"/>
+            <a:ext cx="2688336" cy="685800"/>
           </a:xfrm>
           <a:prstGeom prst="rect">
             <a:avLst/>
@@ -10317,28 +10562,28 @@
           <a:lstStyle/>
           <a:p>
             <a:pPr>
-              <a:defRPr sz="1100">
-                <a:solidFill>
-                  <a:srgbClr val="343A40"/>
-                </a:solidFill>
-              </a:defRPr>
-            </a:pPr>
-            <a:r>
-              <a:t>Firewall zwischen OT/IT, Whitelist-Prinzip</a:t>
-            </a:r>
-          </a:p>
-        </p:txBody>
-      </p:sp>
-      <p:sp>
-        <p:nvSpPr>
-          <p:cNvPr id="16" name="TextBox 15"/>
-          <p:cNvSpPr txBox="1"/>
-          <p:nvPr/>
-        </p:nvSpPr>
-        <p:spPr>
-          <a:xfrm>
-            <a:off x="3246120" y="2697480"/>
-            <a:ext cx="2651760" cy="548640"/>
+              <a:defRPr sz="1000">
+                <a:solidFill>
+                  <a:srgbClr val="343A40"/>
+                </a:solidFill>
+              </a:defRPr>
+            </a:pPr>
+            <a:r>
+              <a:t>Besser: Echte Firewall zwischen Büro und Produktion - nur explizit erlaubter Datenverkehr kommt durch.</a:t>
+            </a:r>
+          </a:p>
+        </p:txBody>
+      </p:sp>
+      <p:sp>
+        <p:nvSpPr>
+          <p:cNvPr id="17" name="TextBox 16"/>
+          <p:cNvSpPr txBox="1"/>
+          <p:nvPr/>
+        </p:nvSpPr>
+        <p:spPr>
+          <a:xfrm>
+            <a:off x="3227832" y="3108960"/>
+            <a:ext cx="2688336" cy="502920"/>
           </a:xfrm>
           <a:prstGeom prst="rect">
             <a:avLst/>
@@ -10352,20 +10597,20 @@
           <a:lstStyle/>
           <a:p>
             <a:pPr>
+              <a:defRPr sz="1000" b="1">
+                <a:solidFill>
+                  <a:srgbClr val="343A40"/>
+                </a:solidFill>
+              </a:defRPr>
+            </a:pPr>
+            <a:r>
+              <a:t>CIA-Beitrag:</a:t>
+            </a:r>
+          </a:p>
+          <a:p>
+            <a:pPr>
               <a:defRPr sz="1100" b="1">
                 <a:solidFill>
-                  <a:srgbClr val="343A40"/>
-                </a:solidFill>
-              </a:defRPr>
-            </a:pPr>
-            <a:r>
-              <a:t>CIA-Beitrag:</a:t>
-            </a:r>
-          </a:p>
-          <a:p>
-            <a:pPr>
-              <a:defRPr sz="1200" b="1">
-                <a:solidFill>
                   <a:srgbClr val="007AC2"/>
                 </a:solidFill>
               </a:defRPr>
@@ -10378,14 +10623,14 @@
       </p:sp>
       <p:sp>
         <p:nvSpPr>
-          <p:cNvPr id="17" name="TextBox 16"/>
-          <p:cNvSpPr txBox="1"/>
-          <p:nvPr/>
-        </p:nvSpPr>
-        <p:spPr>
-          <a:xfrm>
-            <a:off x="3246120" y="3246120"/>
-            <a:ext cx="2651760" cy="548640"/>
+          <p:cNvPr id="18" name="TextBox 17"/>
+          <p:cNvSpPr txBox="1"/>
+          <p:nvPr/>
+        </p:nvSpPr>
+        <p:spPr>
+          <a:xfrm>
+            <a:off x="3227832" y="3611880"/>
+            <a:ext cx="2688336" cy="502920"/>
           </a:xfrm>
           <a:prstGeom prst="rect">
             <a:avLst/>
@@ -10399,7 +10644,7 @@
           <a:lstStyle/>
           <a:p>
             <a:pPr>
-              <a:defRPr sz="1100" b="1">
+              <a:defRPr sz="1000" b="1">
                 <a:solidFill>
                   <a:srgbClr val="343A40"/>
                 </a:solidFill>
@@ -10411,7 +10656,7 @@
           </a:p>
           <a:p>
             <a:pPr>
-              <a:defRPr sz="1100">
+              <a:defRPr sz="1000">
                 <a:solidFill>
                   <a:srgbClr val="343A40"/>
                 </a:solidFill>
@@ -10425,14 +10670,14 @@
       </p:sp>
       <p:sp>
         <p:nvSpPr>
-          <p:cNvPr id="18" name="TextBox 17"/>
-          <p:cNvSpPr txBox="1"/>
-          <p:nvPr/>
-        </p:nvSpPr>
-        <p:spPr>
-          <a:xfrm>
-            <a:off x="3246120" y="3794760"/>
-            <a:ext cx="2651760" cy="1280160"/>
+          <p:cNvPr id="19" name="TextBox 18"/>
+          <p:cNvSpPr txBox="1"/>
+          <p:nvPr/>
+        </p:nvSpPr>
+        <p:spPr>
+          <a:xfrm>
+            <a:off x="3227832" y="4114800"/>
+            <a:ext cx="2688336" cy="1188720"/>
           </a:xfrm>
           <a:prstGeom prst="rect">
             <a:avLst/>
@@ -10446,7 +10691,7 @@
           <a:lstStyle/>
           <a:p>
             <a:pPr>
-              <a:defRPr sz="1100" b="1">
+              <a:defRPr sz="1000" b="1">
                 <a:solidFill>
                   <a:srgbClr val="343A40"/>
                 </a:solidFill>
@@ -10458,7 +10703,7 @@
           </a:p>
           <a:p>
             <a:pPr>
-              <a:defRPr sz="1100">
+              <a:defRPr sz="1000">
                 <a:solidFill>
                   <a:srgbClr val="00994C"/>
                 </a:solidFill>
@@ -10470,7 +10715,7 @@
           </a:p>
           <a:p>
             <a:pPr>
-              <a:defRPr sz="1100">
+              <a:defRPr sz="1000">
                 <a:solidFill>
                   <a:srgbClr val="00994C"/>
                 </a:solidFill>
@@ -10484,14 +10729,14 @@
       </p:sp>
       <p:sp>
         <p:nvSpPr>
-          <p:cNvPr id="19" name="Rounded Rectangle 18"/>
+          <p:cNvPr id="20" name="Rounded Rectangle 19"/>
           <p:cNvSpPr/>
           <p:nvPr/>
         </p:nvSpPr>
         <p:spPr>
           <a:xfrm>
-            <a:off x="6080760" y="1463040"/>
-            <a:ext cx="2834640" cy="5029200"/>
+            <a:off x="6080760" y="1920240"/>
+            <a:ext cx="2834640" cy="4754880"/>
           </a:xfrm>
           <a:prstGeom prst="roundRect">
             <a:avLst/>
@@ -10529,14 +10774,14 @@
       </p:sp>
       <p:sp>
         <p:nvSpPr>
-          <p:cNvPr id="20" name="Rectangle 19"/>
+          <p:cNvPr id="21" name="Rectangle 20"/>
           <p:cNvSpPr/>
           <p:nvPr/>
         </p:nvSpPr>
         <p:spPr>
           <a:xfrm>
-            <a:off x="6080760" y="1463040"/>
-            <a:ext cx="2834640" cy="457200"/>
+            <a:off x="6080760" y="1920240"/>
+            <a:ext cx="2834640" cy="411480"/>
           </a:xfrm>
           <a:prstGeom prst="rect">
             <a:avLst/>
@@ -10572,13 +10817,13 @@
       </p:sp>
       <p:sp>
         <p:nvSpPr>
-          <p:cNvPr id="21" name="TextBox 20"/>
-          <p:cNvSpPr txBox="1"/>
-          <p:nvPr/>
-        </p:nvSpPr>
-        <p:spPr>
-          <a:xfrm>
-            <a:off x="6080760" y="1508760"/>
+          <p:cNvPr id="22" name="TextBox 21"/>
+          <p:cNvSpPr txBox="1"/>
+          <p:nvPr/>
+        </p:nvSpPr>
+        <p:spPr>
+          <a:xfrm>
+            <a:off x="6080760" y="1947672"/>
             <a:ext cx="2834640" cy="365760"/>
           </a:xfrm>
           <a:prstGeom prst="rect">
@@ -10593,7 +10838,7 @@
           <a:lstStyle/>
           <a:p>
             <a:pPr algn="ctr">
-              <a:defRPr sz="1400" b="1">
+              <a:defRPr sz="1300" b="1">
                 <a:solidFill>
                   <a:srgbClr val="FFFFFF"/>
                 </a:solidFill>
@@ -10607,14 +10852,14 @@
       </p:sp>
       <p:sp>
         <p:nvSpPr>
-          <p:cNvPr id="22" name="TextBox 21"/>
-          <p:cNvSpPr txBox="1"/>
-          <p:nvPr/>
-        </p:nvSpPr>
-        <p:spPr>
-          <a:xfrm>
-            <a:off x="6172200" y="1965960"/>
-            <a:ext cx="2651760" cy="731520"/>
+          <p:cNvPr id="23" name="TextBox 22"/>
+          <p:cNvSpPr txBox="1"/>
+          <p:nvPr/>
+        </p:nvSpPr>
+        <p:spPr>
+          <a:xfrm>
+            <a:off x="6153912" y="2377440"/>
+            <a:ext cx="2688336" cy="685800"/>
           </a:xfrm>
           <a:prstGeom prst="rect">
             <a:avLst/>
@@ -10628,28 +10873,28 @@
           <a:lstStyle/>
           <a:p>
             <a:pPr>
-              <a:defRPr sz="1100">
-                <a:solidFill>
-                  <a:srgbClr val="343A40"/>
-                </a:solidFill>
-              </a:defRPr>
-            </a:pPr>
-            <a:r>
-              <a:t>IDS/IPS in OT, Micro-Segmentierung (Zonen/Linie)</a:t>
-            </a:r>
-          </a:p>
-        </p:txBody>
-      </p:sp>
-      <p:sp>
-        <p:nvSpPr>
-          <p:cNvPr id="23" name="TextBox 22"/>
-          <p:cNvSpPr txBox="1"/>
-          <p:nvPr/>
-        </p:nvSpPr>
-        <p:spPr>
-          <a:xfrm>
-            <a:off x="6172200" y="2697480"/>
-            <a:ext cx="2651760" cy="548640"/>
+              <a:defRPr sz="1000">
+                <a:solidFill>
+                  <a:srgbClr val="343A40"/>
+                </a:solidFill>
+              </a:defRPr>
+            </a:pPr>
+            <a:r>
+              <a:t>Premium: Jede Produktionslinie ist einzeln abgesichert, verdächtiger Datenverkehr wird automatisch blockiert.</a:t>
+            </a:r>
+          </a:p>
+        </p:txBody>
+      </p:sp>
+      <p:sp>
+        <p:nvSpPr>
+          <p:cNvPr id="24" name="TextBox 23"/>
+          <p:cNvSpPr txBox="1"/>
+          <p:nvPr/>
+        </p:nvSpPr>
+        <p:spPr>
+          <a:xfrm>
+            <a:off x="6153912" y="3108960"/>
+            <a:ext cx="2688336" cy="502920"/>
           </a:xfrm>
           <a:prstGeom prst="rect">
             <a:avLst/>
@@ -10663,20 +10908,20 @@
           <a:lstStyle/>
           <a:p>
             <a:pPr>
+              <a:defRPr sz="1000" b="1">
+                <a:solidFill>
+                  <a:srgbClr val="343A40"/>
+                </a:solidFill>
+              </a:defRPr>
+            </a:pPr>
+            <a:r>
+              <a:t>CIA-Beitrag:</a:t>
+            </a:r>
+          </a:p>
+          <a:p>
+            <a:pPr>
               <a:defRPr sz="1100" b="1">
                 <a:solidFill>
-                  <a:srgbClr val="343A40"/>
-                </a:solidFill>
-              </a:defRPr>
-            </a:pPr>
-            <a:r>
-              <a:t>CIA-Beitrag:</a:t>
-            </a:r>
-          </a:p>
-          <a:p>
-            <a:pPr>
-              <a:defRPr sz="1200" b="1">
-                <a:solidFill>
                   <a:srgbClr val="007AC2"/>
                 </a:solidFill>
               </a:defRPr>
@@ -10689,14 +10934,14 @@
       </p:sp>
       <p:sp>
         <p:nvSpPr>
-          <p:cNvPr id="24" name="TextBox 23"/>
-          <p:cNvSpPr txBox="1"/>
-          <p:nvPr/>
-        </p:nvSpPr>
-        <p:spPr>
-          <a:xfrm>
-            <a:off x="6172200" y="3246120"/>
-            <a:ext cx="2651760" cy="548640"/>
+          <p:cNvPr id="25" name="TextBox 24"/>
+          <p:cNvSpPr txBox="1"/>
+          <p:nvPr/>
+        </p:nvSpPr>
+        <p:spPr>
+          <a:xfrm>
+            <a:off x="6153912" y="3611880"/>
+            <a:ext cx="2688336" cy="502920"/>
           </a:xfrm>
           <a:prstGeom prst="rect">
             <a:avLst/>
@@ -10710,7 +10955,7 @@
           <a:lstStyle/>
           <a:p>
             <a:pPr>
-              <a:defRPr sz="1100" b="1">
+              <a:defRPr sz="1000" b="1">
                 <a:solidFill>
                   <a:srgbClr val="343A40"/>
                 </a:solidFill>
@@ -10722,7 +10967,7 @@
           </a:p>
           <a:p>
             <a:pPr>
-              <a:defRPr sz="1100">
+              <a:defRPr sz="1000">
                 <a:solidFill>
                   <a:srgbClr val="343A40"/>
                 </a:solidFill>
@@ -10736,14 +10981,14 @@
       </p:sp>
       <p:sp>
         <p:nvSpPr>
-          <p:cNvPr id="25" name="TextBox 24"/>
-          <p:cNvSpPr txBox="1"/>
-          <p:nvPr/>
-        </p:nvSpPr>
-        <p:spPr>
-          <a:xfrm>
-            <a:off x="6172200" y="3794760"/>
-            <a:ext cx="2651760" cy="1280160"/>
+          <p:cNvPr id="26" name="TextBox 25"/>
+          <p:cNvSpPr txBox="1"/>
+          <p:nvPr/>
+        </p:nvSpPr>
+        <p:spPr>
+          <a:xfrm>
+            <a:off x="6153912" y="4114800"/>
+            <a:ext cx="2688336" cy="1188720"/>
           </a:xfrm>
           <a:prstGeom prst="rect">
             <a:avLst/>
@@ -10757,7 +11002,7 @@
           <a:lstStyle/>
           <a:p>
             <a:pPr>
-              <a:defRPr sz="1100" b="1">
+              <a:defRPr sz="1000" b="1">
                 <a:solidFill>
                   <a:srgbClr val="343A40"/>
                 </a:solidFill>
@@ -10769,7 +11014,7 @@
           </a:p>
           <a:p>
             <a:pPr>
-              <a:defRPr sz="1100">
+              <a:defRPr sz="1000">
                 <a:solidFill>
                   <a:srgbClr val="00994C"/>
                 </a:solidFill>
@@ -10781,7 +11026,7 @@
           </a:p>
           <a:p>
             <a:pPr>
-              <a:defRPr sz="1100">
+              <a:defRPr sz="1000">
                 <a:solidFill>
                   <a:srgbClr val="00994C"/>
                 </a:solidFill>
@@ -10820,7 +11065,7 @@
         <p:spPr>
           <a:xfrm>
             <a:off x="0" y="0"/>
-            <a:ext cx="9144000" cy="1280160"/>
+            <a:ext cx="9144000" cy="1737360"/>
           </a:xfrm>
           <a:prstGeom prst="rect">
             <a:avLst/>
@@ -10862,8 +11107,8 @@
         </p:nvSpPr>
         <p:spPr>
           <a:xfrm>
-            <a:off x="274320" y="182880"/>
-            <a:ext cx="8595360" cy="548640"/>
+            <a:off x="274320" y="137160"/>
+            <a:ext cx="8595360" cy="457200"/>
           </a:xfrm>
           <a:prstGeom prst="rect">
             <a:avLst/>
@@ -10877,7 +11122,7 @@
           <a:lstStyle/>
           <a:p>
             <a:pPr>
-              <a:defRPr sz="3200" b="1">
+              <a:defRPr sz="2800" b="1">
                 <a:solidFill>
                   <a:srgbClr val="FFFFFF"/>
                 </a:solidFill>
@@ -10897,7 +11142,42 @@
         </p:nvSpPr>
         <p:spPr>
           <a:xfrm>
-            <a:off x="274320" y="777240"/>
+            <a:off x="274320" y="594360"/>
+            <a:ext cx="8595360" cy="640080"/>
+          </a:xfrm>
+          <a:prstGeom prst="rect">
+            <a:avLst/>
+          </a:prstGeom>
+          <a:noFill/>
+        </p:spPr>
+        <p:txBody>
+          <a:bodyPr wrap="square">
+            <a:spAutoFit/>
+          </a:bodyPr>
+          <a:lstStyle/>
+          <a:p>
+            <a:pPr>
+              <a:defRPr sz="1400">
+                <a:solidFill>
+                  <a:srgbClr val="F8F9FA"/>
+                </a:solidFill>
+              </a:defRPr>
+            </a:pPr>
+            <a:r>
+              <a:t>Macht Mitarbeiter zur ersten Verteidigungslinie. Geschulte Mitarbeiter erkennen Betrugsversuche und gefährliche E-Mails, bevor Schaden entsteht.</a:t>
+            </a:r>
+          </a:p>
+        </p:txBody>
+      </p:sp>
+      <p:sp>
+        <p:nvSpPr>
+          <p:cNvPr id="5" name="TextBox 4"/>
+          <p:cNvSpPr txBox="1"/>
+          <p:nvPr/>
+        </p:nvSpPr>
+        <p:spPr>
+          <a:xfrm>
+            <a:off x="274320" y="1280160"/>
             <a:ext cx="8595360" cy="365760"/>
           </a:xfrm>
           <a:prstGeom prst="rect">
@@ -10912,28 +11192,28 @@
           <a:lstStyle/>
           <a:p>
             <a:pPr>
-              <a:defRPr sz="1600" i="1">
+              <a:defRPr sz="1100" i="1">
                 <a:solidFill>
                   <a:srgbClr val="F8F9FA"/>
                 </a:solidFill>
               </a:defRPr>
             </a:pPr>
             <a:r>
-              <a:t>Fokus: Mitarbeitende sensibilisieren, Phishing abwehren</a:t>
-            </a:r>
-          </a:p>
-        </p:txBody>
-      </p:sp>
-      <p:sp>
-        <p:nvSpPr>
-          <p:cNvPr id="5" name="Rounded Rectangle 4"/>
+              <a:t>Technischer Fokus: Mitarbeitende sensibilisieren, Phishing abwehren</a:t>
+            </a:r>
+          </a:p>
+        </p:txBody>
+      </p:sp>
+      <p:sp>
+        <p:nvSpPr>
+          <p:cNvPr id="6" name="Rounded Rectangle 5"/>
           <p:cNvSpPr/>
           <p:nvPr/>
         </p:nvSpPr>
         <p:spPr>
           <a:xfrm>
-            <a:off x="228600" y="1463040"/>
-            <a:ext cx="2834640" cy="5029200"/>
+            <a:off x="228600" y="1920240"/>
+            <a:ext cx="2834640" cy="4754880"/>
           </a:xfrm>
           <a:prstGeom prst="roundRect">
             <a:avLst/>
@@ -10971,14 +11251,14 @@
       </p:sp>
       <p:sp>
         <p:nvSpPr>
-          <p:cNvPr id="6" name="Rectangle 5"/>
+          <p:cNvPr id="7" name="Rectangle 6"/>
           <p:cNvSpPr/>
           <p:nvPr/>
         </p:nvSpPr>
         <p:spPr>
           <a:xfrm>
-            <a:off x="228600" y="1463040"/>
-            <a:ext cx="2834640" cy="457200"/>
+            <a:off x="228600" y="1920240"/>
+            <a:ext cx="2834640" cy="411480"/>
           </a:xfrm>
           <a:prstGeom prst="rect">
             <a:avLst/>
@@ -11014,13 +11294,13 @@
       </p:sp>
       <p:sp>
         <p:nvSpPr>
-          <p:cNvPr id="7" name="TextBox 6"/>
-          <p:cNvSpPr txBox="1"/>
-          <p:nvPr/>
-        </p:nvSpPr>
-        <p:spPr>
-          <a:xfrm>
-            <a:off x="228600" y="1508760"/>
+          <p:cNvPr id="8" name="TextBox 7"/>
+          <p:cNvSpPr txBox="1"/>
+          <p:nvPr/>
+        </p:nvSpPr>
+        <p:spPr>
+          <a:xfrm>
+            <a:off x="228600" y="1947672"/>
             <a:ext cx="2834640" cy="365760"/>
           </a:xfrm>
           <a:prstGeom prst="rect">
@@ -11035,7 +11315,7 @@
           <a:lstStyle/>
           <a:p>
             <a:pPr algn="ctr">
-              <a:defRPr sz="1400" b="1">
+              <a:defRPr sz="1300" b="1">
                 <a:solidFill>
                   <a:srgbClr val="FFFFFF"/>
                 </a:solidFill>
@@ -11049,14 +11329,14 @@
       </p:sp>
       <p:sp>
         <p:nvSpPr>
-          <p:cNvPr id="8" name="TextBox 7"/>
-          <p:cNvSpPr txBox="1"/>
-          <p:nvPr/>
-        </p:nvSpPr>
-        <p:spPr>
-          <a:xfrm>
-            <a:off x="320040" y="1965960"/>
-            <a:ext cx="2651760" cy="731520"/>
+          <p:cNvPr id="9" name="TextBox 8"/>
+          <p:cNvSpPr txBox="1"/>
+          <p:nvPr/>
+        </p:nvSpPr>
+        <p:spPr>
+          <a:xfrm>
+            <a:off x="301752" y="2377440"/>
+            <a:ext cx="2688336" cy="685800"/>
           </a:xfrm>
           <a:prstGeom prst="rect">
             <a:avLst/>
@@ -11070,28 +11350,28 @@
           <a:lstStyle/>
           <a:p>
             <a:pPr>
-              <a:defRPr sz="1100">
-                <a:solidFill>
-                  <a:srgbClr val="343A40"/>
-                </a:solidFill>
-              </a:defRPr>
-            </a:pPr>
-            <a:r>
-              <a:t>Jährliche Pflicht-Schulung (E-Learning, 30 Min)</a:t>
-            </a:r>
-          </a:p>
-        </p:txBody>
-      </p:sp>
-      <p:sp>
-        <p:nvSpPr>
-          <p:cNvPr id="9" name="TextBox 8"/>
-          <p:cNvSpPr txBox="1"/>
-          <p:nvPr/>
-        </p:nvSpPr>
-        <p:spPr>
-          <a:xfrm>
-            <a:off x="320040" y="2697480"/>
-            <a:ext cx="2651760" cy="548640"/>
+              <a:defRPr sz="1000">
+                <a:solidFill>
+                  <a:srgbClr val="343A40"/>
+                </a:solidFill>
+              </a:defRPr>
+            </a:pPr>
+            <a:r>
+              <a:t>Grundschutz: Einmal im Jahr eine kurze Online-Schulung zum Thema IT-Sicherheit.</a:t>
+            </a:r>
+          </a:p>
+        </p:txBody>
+      </p:sp>
+      <p:sp>
+        <p:nvSpPr>
+          <p:cNvPr id="10" name="TextBox 9"/>
+          <p:cNvSpPr txBox="1"/>
+          <p:nvPr/>
+        </p:nvSpPr>
+        <p:spPr>
+          <a:xfrm>
+            <a:off x="301752" y="3108960"/>
+            <a:ext cx="2688336" cy="502920"/>
           </a:xfrm>
           <a:prstGeom prst="rect">
             <a:avLst/>
@@ -11105,20 +11385,20 @@
           <a:lstStyle/>
           <a:p>
             <a:pPr>
+              <a:defRPr sz="1000" b="1">
+                <a:solidFill>
+                  <a:srgbClr val="343A40"/>
+                </a:solidFill>
+              </a:defRPr>
+            </a:pPr>
+            <a:r>
+              <a:t>CIA-Beitrag:</a:t>
+            </a:r>
+          </a:p>
+          <a:p>
+            <a:pPr>
               <a:defRPr sz="1100" b="1">
                 <a:solidFill>
-                  <a:srgbClr val="343A40"/>
-                </a:solidFill>
-              </a:defRPr>
-            </a:pPr>
-            <a:r>
-              <a:t>CIA-Beitrag:</a:t>
-            </a:r>
-          </a:p>
-          <a:p>
-            <a:pPr>
-              <a:defRPr sz="1200" b="1">
-                <a:solidFill>
                   <a:srgbClr val="007AC2"/>
                 </a:solidFill>
               </a:defRPr>
@@ -11131,14 +11411,14 @@
       </p:sp>
       <p:sp>
         <p:nvSpPr>
-          <p:cNvPr id="10" name="TextBox 9"/>
-          <p:cNvSpPr txBox="1"/>
-          <p:nvPr/>
-        </p:nvSpPr>
-        <p:spPr>
-          <a:xfrm>
-            <a:off x="320040" y="3246120"/>
-            <a:ext cx="2651760" cy="548640"/>
+          <p:cNvPr id="11" name="TextBox 10"/>
+          <p:cNvSpPr txBox="1"/>
+          <p:nvPr/>
+        </p:nvSpPr>
+        <p:spPr>
+          <a:xfrm>
+            <a:off x="301752" y="3611880"/>
+            <a:ext cx="2688336" cy="502920"/>
           </a:xfrm>
           <a:prstGeom prst="rect">
             <a:avLst/>
@@ -11152,7 +11432,7 @@
           <a:lstStyle/>
           <a:p>
             <a:pPr>
-              <a:defRPr sz="1100" b="1">
+              <a:defRPr sz="1000" b="1">
                 <a:solidFill>
                   <a:srgbClr val="343A40"/>
                 </a:solidFill>
@@ -11164,7 +11444,7 @@
           </a:p>
           <a:p>
             <a:pPr>
-              <a:defRPr sz="1100">
+              <a:defRPr sz="1000">
                 <a:solidFill>
                   <a:srgbClr val="343A40"/>
                 </a:solidFill>
@@ -11178,14 +11458,14 @@
       </p:sp>
       <p:sp>
         <p:nvSpPr>
-          <p:cNvPr id="11" name="TextBox 10"/>
-          <p:cNvSpPr txBox="1"/>
-          <p:nvPr/>
-        </p:nvSpPr>
-        <p:spPr>
-          <a:xfrm>
-            <a:off x="320040" y="3794760"/>
-            <a:ext cx="2651760" cy="1280160"/>
+          <p:cNvPr id="12" name="TextBox 11"/>
+          <p:cNvSpPr txBox="1"/>
+          <p:nvPr/>
+        </p:nvSpPr>
+        <p:spPr>
+          <a:xfrm>
+            <a:off x="301752" y="4114800"/>
+            <a:ext cx="2688336" cy="1188720"/>
           </a:xfrm>
           <a:prstGeom prst="rect">
             <a:avLst/>
@@ -11199,7 +11479,7 @@
           <a:lstStyle/>
           <a:p>
             <a:pPr>
-              <a:defRPr sz="1100" b="1">
+              <a:defRPr sz="1000" b="1">
                 <a:solidFill>
                   <a:srgbClr val="343A40"/>
                 </a:solidFill>
@@ -11211,7 +11491,7 @@
           </a:p>
           <a:p>
             <a:pPr>
-              <a:defRPr sz="1100">
+              <a:defRPr sz="1000">
                 <a:solidFill>
                   <a:srgbClr val="00994C"/>
                 </a:solidFill>
@@ -11225,14 +11505,14 @@
       </p:sp>
       <p:sp>
         <p:nvSpPr>
-          <p:cNvPr id="12" name="Rounded Rectangle 11"/>
+          <p:cNvPr id="13" name="Rounded Rectangle 12"/>
           <p:cNvSpPr/>
           <p:nvPr/>
         </p:nvSpPr>
         <p:spPr>
           <a:xfrm>
-            <a:off x="3154680" y="1463040"/>
-            <a:ext cx="2834640" cy="5029200"/>
+            <a:off x="3154680" y="1920240"/>
+            <a:ext cx="2834640" cy="4754880"/>
           </a:xfrm>
           <a:prstGeom prst="roundRect">
             <a:avLst/>
@@ -11270,14 +11550,14 @@
       </p:sp>
       <p:sp>
         <p:nvSpPr>
-          <p:cNvPr id="13" name="Rectangle 12"/>
+          <p:cNvPr id="14" name="Rectangle 13"/>
           <p:cNvSpPr/>
           <p:nvPr/>
         </p:nvSpPr>
         <p:spPr>
           <a:xfrm>
-            <a:off x="3154680" y="1463040"/>
-            <a:ext cx="2834640" cy="457200"/>
+            <a:off x="3154680" y="1920240"/>
+            <a:ext cx="2834640" cy="411480"/>
           </a:xfrm>
           <a:prstGeom prst="rect">
             <a:avLst/>
@@ -11313,13 +11593,13 @@
       </p:sp>
       <p:sp>
         <p:nvSpPr>
-          <p:cNvPr id="14" name="TextBox 13"/>
-          <p:cNvSpPr txBox="1"/>
-          <p:nvPr/>
-        </p:nvSpPr>
-        <p:spPr>
-          <a:xfrm>
-            <a:off x="3154680" y="1508760"/>
+          <p:cNvPr id="15" name="TextBox 14"/>
+          <p:cNvSpPr txBox="1"/>
+          <p:nvPr/>
+        </p:nvSpPr>
+        <p:spPr>
+          <a:xfrm>
+            <a:off x="3154680" y="1947672"/>
             <a:ext cx="2834640" cy="365760"/>
           </a:xfrm>
           <a:prstGeom prst="rect">
@@ -11334,7 +11614,7 @@
           <a:lstStyle/>
           <a:p>
             <a:pPr algn="ctr">
-              <a:defRPr sz="1400" b="1">
+              <a:defRPr sz="1300" b="1">
                 <a:solidFill>
                   <a:srgbClr val="FFFFFF"/>
                 </a:solidFill>
@@ -11348,14 +11628,14 @@
       </p:sp>
       <p:sp>
         <p:nvSpPr>
-          <p:cNvPr id="15" name="TextBox 14"/>
-          <p:cNvSpPr txBox="1"/>
-          <p:nvPr/>
-        </p:nvSpPr>
-        <p:spPr>
-          <a:xfrm>
-            <a:off x="3246120" y="1965960"/>
-            <a:ext cx="2651760" cy="731520"/>
+          <p:cNvPr id="16" name="TextBox 15"/>
+          <p:cNvSpPr txBox="1"/>
+          <p:nvPr/>
+        </p:nvSpPr>
+        <p:spPr>
+          <a:xfrm>
+            <a:off x="3227832" y="2377440"/>
+            <a:ext cx="2688336" cy="685800"/>
           </a:xfrm>
           <a:prstGeom prst="rect">
             <a:avLst/>
@@ -11369,28 +11649,28 @@
           <a:lstStyle/>
           <a:p>
             <a:pPr>
-              <a:defRPr sz="1100">
-                <a:solidFill>
-                  <a:srgbClr val="343A40"/>
-                </a:solidFill>
-              </a:defRPr>
-            </a:pPr>
-            <a:r>
-              <a:t>Quartalsweise Schulungen + Phishing-Simulationen</a:t>
-            </a:r>
-          </a:p>
-        </p:txBody>
-      </p:sp>
-      <p:sp>
-        <p:nvSpPr>
-          <p:cNvPr id="16" name="TextBox 15"/>
-          <p:cNvSpPr txBox="1"/>
-          <p:nvPr/>
-        </p:nvSpPr>
-        <p:spPr>
-          <a:xfrm>
-            <a:off x="3246120" y="2697480"/>
-            <a:ext cx="2651760" cy="548640"/>
+              <a:defRPr sz="1000">
+                <a:solidFill>
+                  <a:srgbClr val="343A40"/>
+                </a:solidFill>
+              </a:defRPr>
+            </a:pPr>
+            <a:r>
+              <a:t>Besser: Regelmäßige Schulungen plus Test-Phishing-Mails, um die Wachsamkeit zu prüfen.</a:t>
+            </a:r>
+          </a:p>
+        </p:txBody>
+      </p:sp>
+      <p:sp>
+        <p:nvSpPr>
+          <p:cNvPr id="17" name="TextBox 16"/>
+          <p:cNvSpPr txBox="1"/>
+          <p:nvPr/>
+        </p:nvSpPr>
+        <p:spPr>
+          <a:xfrm>
+            <a:off x="3227832" y="3108960"/>
+            <a:ext cx="2688336" cy="502920"/>
           </a:xfrm>
           <a:prstGeom prst="rect">
             <a:avLst/>
@@ -11404,20 +11684,20 @@
           <a:lstStyle/>
           <a:p>
             <a:pPr>
+              <a:defRPr sz="1000" b="1">
+                <a:solidFill>
+                  <a:srgbClr val="343A40"/>
+                </a:solidFill>
+              </a:defRPr>
+            </a:pPr>
+            <a:r>
+              <a:t>CIA-Beitrag:</a:t>
+            </a:r>
+          </a:p>
+          <a:p>
+            <a:pPr>
               <a:defRPr sz="1100" b="1">
                 <a:solidFill>
-                  <a:srgbClr val="343A40"/>
-                </a:solidFill>
-              </a:defRPr>
-            </a:pPr>
-            <a:r>
-              <a:t>CIA-Beitrag:</a:t>
-            </a:r>
-          </a:p>
-          <a:p>
-            <a:pPr>
-              <a:defRPr sz="1200" b="1">
-                <a:solidFill>
                   <a:srgbClr val="007AC2"/>
                 </a:solidFill>
               </a:defRPr>
@@ -11430,14 +11710,14 @@
       </p:sp>
       <p:sp>
         <p:nvSpPr>
-          <p:cNvPr id="17" name="TextBox 16"/>
-          <p:cNvSpPr txBox="1"/>
-          <p:nvPr/>
-        </p:nvSpPr>
-        <p:spPr>
-          <a:xfrm>
-            <a:off x="3246120" y="3246120"/>
-            <a:ext cx="2651760" cy="548640"/>
+          <p:cNvPr id="18" name="TextBox 17"/>
+          <p:cNvSpPr txBox="1"/>
+          <p:nvPr/>
+        </p:nvSpPr>
+        <p:spPr>
+          <a:xfrm>
+            <a:off x="3227832" y="3611880"/>
+            <a:ext cx="2688336" cy="502920"/>
           </a:xfrm>
           <a:prstGeom prst="rect">
             <a:avLst/>
@@ -11451,7 +11731,7 @@
           <a:lstStyle/>
           <a:p>
             <a:pPr>
-              <a:defRPr sz="1100" b="1">
+              <a:defRPr sz="1000" b="1">
                 <a:solidFill>
                   <a:srgbClr val="343A40"/>
                 </a:solidFill>
@@ -11463,7 +11743,7 @@
           </a:p>
           <a:p>
             <a:pPr>
-              <a:defRPr sz="1100">
+              <a:defRPr sz="1000">
                 <a:solidFill>
                   <a:srgbClr val="343A40"/>
                 </a:solidFill>
@@ -11477,14 +11757,14 @@
       </p:sp>
       <p:sp>
         <p:nvSpPr>
-          <p:cNvPr id="18" name="TextBox 17"/>
-          <p:cNvSpPr txBox="1"/>
-          <p:nvPr/>
-        </p:nvSpPr>
-        <p:spPr>
-          <a:xfrm>
-            <a:off x="3246120" y="3794760"/>
-            <a:ext cx="2651760" cy="1280160"/>
+          <p:cNvPr id="19" name="TextBox 18"/>
+          <p:cNvSpPr txBox="1"/>
+          <p:nvPr/>
+        </p:nvSpPr>
+        <p:spPr>
+          <a:xfrm>
+            <a:off x="3227832" y="4114800"/>
+            <a:ext cx="2688336" cy="1188720"/>
           </a:xfrm>
           <a:prstGeom prst="rect">
             <a:avLst/>
@@ -11498,7 +11778,7 @@
           <a:lstStyle/>
           <a:p>
             <a:pPr>
-              <a:defRPr sz="1100" b="1">
+              <a:defRPr sz="1000" b="1">
                 <a:solidFill>
                   <a:srgbClr val="343A40"/>
                 </a:solidFill>
@@ -11510,7 +11790,7 @@
           </a:p>
           <a:p>
             <a:pPr>
-              <a:defRPr sz="1100">
+              <a:defRPr sz="1000">
                 <a:solidFill>
                   <a:srgbClr val="00994C"/>
                 </a:solidFill>
@@ -11524,14 +11804,14 @@
       </p:sp>
       <p:sp>
         <p:nvSpPr>
-          <p:cNvPr id="19" name="Rounded Rectangle 18"/>
+          <p:cNvPr id="20" name="Rounded Rectangle 19"/>
           <p:cNvSpPr/>
           <p:nvPr/>
         </p:nvSpPr>
         <p:spPr>
           <a:xfrm>
-            <a:off x="6080760" y="1463040"/>
-            <a:ext cx="2834640" cy="5029200"/>
+            <a:off x="6080760" y="1920240"/>
+            <a:ext cx="2834640" cy="4754880"/>
           </a:xfrm>
           <a:prstGeom prst="roundRect">
             <a:avLst/>
@@ -11569,14 +11849,14 @@
       </p:sp>
       <p:sp>
         <p:nvSpPr>
-          <p:cNvPr id="20" name="Rectangle 19"/>
+          <p:cNvPr id="21" name="Rectangle 20"/>
           <p:cNvSpPr/>
           <p:nvPr/>
         </p:nvSpPr>
         <p:spPr>
           <a:xfrm>
-            <a:off x="6080760" y="1463040"/>
-            <a:ext cx="2834640" cy="457200"/>
+            <a:off x="6080760" y="1920240"/>
+            <a:ext cx="2834640" cy="411480"/>
           </a:xfrm>
           <a:prstGeom prst="rect">
             <a:avLst/>
@@ -11612,13 +11892,13 @@
       </p:sp>
       <p:sp>
         <p:nvSpPr>
-          <p:cNvPr id="21" name="TextBox 20"/>
-          <p:cNvSpPr txBox="1"/>
-          <p:nvPr/>
-        </p:nvSpPr>
-        <p:spPr>
-          <a:xfrm>
-            <a:off x="6080760" y="1508760"/>
+          <p:cNvPr id="22" name="TextBox 21"/>
+          <p:cNvSpPr txBox="1"/>
+          <p:nvPr/>
+        </p:nvSpPr>
+        <p:spPr>
+          <a:xfrm>
+            <a:off x="6080760" y="1947672"/>
             <a:ext cx="2834640" cy="365760"/>
           </a:xfrm>
           <a:prstGeom prst="rect">
@@ -11633,7 +11913,7 @@
           <a:lstStyle/>
           <a:p>
             <a:pPr algn="ctr">
-              <a:defRPr sz="1400" b="1">
+              <a:defRPr sz="1300" b="1">
                 <a:solidFill>
                   <a:srgbClr val="FFFFFF"/>
                 </a:solidFill>
@@ -11647,14 +11927,14 @@
       </p:sp>
       <p:sp>
         <p:nvSpPr>
-          <p:cNvPr id="22" name="TextBox 21"/>
-          <p:cNvSpPr txBox="1"/>
-          <p:nvPr/>
-        </p:nvSpPr>
-        <p:spPr>
-          <a:xfrm>
-            <a:off x="6172200" y="1965960"/>
-            <a:ext cx="2651760" cy="731520"/>
+          <p:cNvPr id="23" name="TextBox 22"/>
+          <p:cNvSpPr txBox="1"/>
+          <p:nvPr/>
+        </p:nvSpPr>
+        <p:spPr>
+          <a:xfrm>
+            <a:off x="6153912" y="2377440"/>
+            <a:ext cx="2688336" cy="685800"/>
           </a:xfrm>
           <a:prstGeom prst="rect">
             <a:avLst/>
@@ -11668,28 +11948,28 @@
           <a:lstStyle/>
           <a:p>
             <a:pPr>
-              <a:defRPr sz="1100">
-                <a:solidFill>
-                  <a:srgbClr val="343A40"/>
-                </a:solidFill>
-              </a:defRPr>
-            </a:pPr>
-            <a:r>
-              <a:t>Rollenspez. Training, Incident-Meldeprozess etabliert</a:t>
-            </a:r>
-          </a:p>
-        </p:txBody>
-      </p:sp>
-      <p:sp>
-        <p:nvSpPr>
-          <p:cNvPr id="23" name="TextBox 22"/>
-          <p:cNvSpPr txBox="1"/>
-          <p:nvPr/>
-        </p:nvSpPr>
-        <p:spPr>
-          <a:xfrm>
-            <a:off x="6172200" y="2697480"/>
-            <a:ext cx="2651760" cy="548640"/>
+              <a:defRPr sz="1000">
+                <a:solidFill>
+                  <a:srgbClr val="343A40"/>
+                </a:solidFill>
+              </a:defRPr>
+            </a:pPr>
+            <a:r>
+              <a:t>Premium: Spezielle Trainings je nach Rolle, klarer Prozess zum Melden von Verdachtsfällen.</a:t>
+            </a:r>
+          </a:p>
+        </p:txBody>
+      </p:sp>
+      <p:sp>
+        <p:nvSpPr>
+          <p:cNvPr id="24" name="TextBox 23"/>
+          <p:cNvSpPr txBox="1"/>
+          <p:nvPr/>
+        </p:nvSpPr>
+        <p:spPr>
+          <a:xfrm>
+            <a:off x="6153912" y="3108960"/>
+            <a:ext cx="2688336" cy="502920"/>
           </a:xfrm>
           <a:prstGeom prst="rect">
             <a:avLst/>
@@ -11703,20 +11983,20 @@
           <a:lstStyle/>
           <a:p>
             <a:pPr>
+              <a:defRPr sz="1000" b="1">
+                <a:solidFill>
+                  <a:srgbClr val="343A40"/>
+                </a:solidFill>
+              </a:defRPr>
+            </a:pPr>
+            <a:r>
+              <a:t>CIA-Beitrag:</a:t>
+            </a:r>
+          </a:p>
+          <a:p>
+            <a:pPr>
               <a:defRPr sz="1100" b="1">
                 <a:solidFill>
-                  <a:srgbClr val="343A40"/>
-                </a:solidFill>
-              </a:defRPr>
-            </a:pPr>
-            <a:r>
-              <a:t>CIA-Beitrag:</a:t>
-            </a:r>
-          </a:p>
-          <a:p>
-            <a:pPr>
-              <a:defRPr sz="1200" b="1">
-                <a:solidFill>
                   <a:srgbClr val="007AC2"/>
                 </a:solidFill>
               </a:defRPr>
@@ -11729,14 +12009,14 @@
       </p:sp>
       <p:sp>
         <p:nvSpPr>
-          <p:cNvPr id="24" name="TextBox 23"/>
-          <p:cNvSpPr txBox="1"/>
-          <p:nvPr/>
-        </p:nvSpPr>
-        <p:spPr>
-          <a:xfrm>
-            <a:off x="6172200" y="3246120"/>
-            <a:ext cx="2651760" cy="548640"/>
+          <p:cNvPr id="25" name="TextBox 24"/>
+          <p:cNvSpPr txBox="1"/>
+          <p:nvPr/>
+        </p:nvSpPr>
+        <p:spPr>
+          <a:xfrm>
+            <a:off x="6153912" y="3611880"/>
+            <a:ext cx="2688336" cy="502920"/>
           </a:xfrm>
           <a:prstGeom prst="rect">
             <a:avLst/>
@@ -11750,7 +12030,7 @@
           <a:lstStyle/>
           <a:p>
             <a:pPr>
-              <a:defRPr sz="1100" b="1">
+              <a:defRPr sz="1000" b="1">
                 <a:solidFill>
                   <a:srgbClr val="343A40"/>
                 </a:solidFill>
@@ -11762,7 +12042,7 @@
           </a:p>
           <a:p>
             <a:pPr>
-              <a:defRPr sz="1100">
+              <a:defRPr sz="1000">
                 <a:solidFill>
                   <a:srgbClr val="343A40"/>
                 </a:solidFill>
@@ -11776,14 +12056,14 @@
       </p:sp>
       <p:sp>
         <p:nvSpPr>
-          <p:cNvPr id="25" name="TextBox 24"/>
-          <p:cNvSpPr txBox="1"/>
-          <p:nvPr/>
-        </p:nvSpPr>
-        <p:spPr>
-          <a:xfrm>
-            <a:off x="6172200" y="3794760"/>
-            <a:ext cx="2651760" cy="1280160"/>
+          <p:cNvPr id="26" name="TextBox 25"/>
+          <p:cNvSpPr txBox="1"/>
+          <p:nvPr/>
+        </p:nvSpPr>
+        <p:spPr>
+          <a:xfrm>
+            <a:off x="6153912" y="4114800"/>
+            <a:ext cx="2688336" cy="1188720"/>
           </a:xfrm>
           <a:prstGeom prst="rect">
             <a:avLst/>
@@ -11797,7 +12077,7 @@
           <a:lstStyle/>
           <a:p>
             <a:pPr>
-              <a:defRPr sz="1100" b="1">
+              <a:defRPr sz="1000" b="1">
                 <a:solidFill>
                   <a:srgbClr val="343A40"/>
                 </a:solidFill>
@@ -11809,7 +12089,7 @@
           </a:p>
           <a:p>
             <a:pPr>
-              <a:defRPr sz="1100">
+              <a:defRPr sz="1000">
                 <a:solidFill>
                   <a:srgbClr val="00994C"/>
                 </a:solidFill>
@@ -11848,7 +12128,7 @@
         <p:spPr>
           <a:xfrm>
             <a:off x="0" y="0"/>
-            <a:ext cx="9144000" cy="1280160"/>
+            <a:ext cx="9144000" cy="1737360"/>
           </a:xfrm>
           <a:prstGeom prst="rect">
             <a:avLst/>
@@ -11890,8 +12170,8 @@
         </p:nvSpPr>
         <p:spPr>
           <a:xfrm>
-            <a:off x="274320" y="182880"/>
-            <a:ext cx="8595360" cy="548640"/>
+            <a:off x="274320" y="137160"/>
+            <a:ext cx="8595360" cy="457200"/>
           </a:xfrm>
           <a:prstGeom prst="rect">
             <a:avLst/>
@@ -11905,7 +12185,7 @@
           <a:lstStyle/>
           <a:p>
             <a:pPr>
-              <a:defRPr sz="3200" b="1">
+              <a:defRPr sz="2800" b="1">
                 <a:solidFill>
                   <a:srgbClr val="FFFFFF"/>
                 </a:solidFill>
@@ -11925,7 +12205,42 @@
         </p:nvSpPr>
         <p:spPr>
           <a:xfrm>
-            <a:off x="274320" y="777240"/>
+            <a:off x="274320" y="594360"/>
+            <a:ext cx="8595360" cy="640080"/>
+          </a:xfrm>
+          <a:prstGeom prst="rect">
+            <a:avLst/>
+          </a:prstGeom>
+          <a:noFill/>
+        </p:spPr>
+        <p:txBody>
+          <a:bodyPr wrap="square">
+            <a:spAutoFit/>
+          </a:bodyPr>
+          <a:lstStyle/>
+          <a:p>
+            <a:pPr>
+              <a:defRPr sz="1400">
+                <a:solidFill>
+                  <a:srgbClr val="F8F9FA"/>
+                </a:solidFill>
+              </a:defRPr>
+            </a:pPr>
+            <a:r>
+              <a:t>Hält alle Systeme auf dem neuesten Stand. Sicherheitslücken werden durch Updates geschlossen, bevor Angreifer sie ausnutzen können.</a:t>
+            </a:r>
+          </a:p>
+        </p:txBody>
+      </p:sp>
+      <p:sp>
+        <p:nvSpPr>
+          <p:cNvPr id="5" name="TextBox 4"/>
+          <p:cNvSpPr txBox="1"/>
+          <p:nvPr/>
+        </p:nvSpPr>
+        <p:spPr>
+          <a:xfrm>
+            <a:off x="274320" y="1280160"/>
             <a:ext cx="8595360" cy="365760"/>
           </a:xfrm>
           <a:prstGeom prst="rect">
@@ -11940,28 +12255,28 @@
           <a:lstStyle/>
           <a:p>
             <a:pPr>
-              <a:defRPr sz="1600" i="1">
+              <a:defRPr sz="1100" i="1">
                 <a:solidFill>
                   <a:srgbClr val="F8F9FA"/>
                 </a:solidFill>
               </a:defRPr>
             </a:pPr>
             <a:r>
-              <a:t>Fokus: Schwachstellen schließen, Angriffsfläche reduzieren</a:t>
-            </a:r>
-          </a:p>
-        </p:txBody>
-      </p:sp>
-      <p:sp>
-        <p:nvSpPr>
-          <p:cNvPr id="5" name="Rounded Rectangle 4"/>
+              <a:t>Technischer Fokus: Schwachstellen schließen, Angriffsfläche reduzieren</a:t>
+            </a:r>
+          </a:p>
+        </p:txBody>
+      </p:sp>
+      <p:sp>
+        <p:nvSpPr>
+          <p:cNvPr id="6" name="Rounded Rectangle 5"/>
           <p:cNvSpPr/>
           <p:nvPr/>
         </p:nvSpPr>
         <p:spPr>
           <a:xfrm>
-            <a:off x="228600" y="1463040"/>
-            <a:ext cx="2834640" cy="5029200"/>
+            <a:off x="228600" y="1920240"/>
+            <a:ext cx="2834640" cy="4754880"/>
           </a:xfrm>
           <a:prstGeom prst="roundRect">
             <a:avLst/>
@@ -11999,14 +12314,14 @@
       </p:sp>
       <p:sp>
         <p:nvSpPr>
-          <p:cNvPr id="6" name="Rectangle 5"/>
+          <p:cNvPr id="7" name="Rectangle 6"/>
           <p:cNvSpPr/>
           <p:nvPr/>
         </p:nvSpPr>
         <p:spPr>
           <a:xfrm>
-            <a:off x="228600" y="1463040"/>
-            <a:ext cx="2834640" cy="457200"/>
+            <a:off x="228600" y="1920240"/>
+            <a:ext cx="2834640" cy="411480"/>
           </a:xfrm>
           <a:prstGeom prst="rect">
             <a:avLst/>
@@ -12042,13 +12357,13 @@
       </p:sp>
       <p:sp>
         <p:nvSpPr>
-          <p:cNvPr id="7" name="TextBox 6"/>
-          <p:cNvSpPr txBox="1"/>
-          <p:nvPr/>
-        </p:nvSpPr>
-        <p:spPr>
-          <a:xfrm>
-            <a:off x="228600" y="1508760"/>
+          <p:cNvPr id="8" name="TextBox 7"/>
+          <p:cNvSpPr txBox="1"/>
+          <p:nvPr/>
+        </p:nvSpPr>
+        <p:spPr>
+          <a:xfrm>
+            <a:off x="228600" y="1947672"/>
             <a:ext cx="2834640" cy="365760"/>
           </a:xfrm>
           <a:prstGeom prst="rect">
@@ -12063,7 +12378,7 @@
           <a:lstStyle/>
           <a:p>
             <a:pPr algn="ctr">
-              <a:defRPr sz="1400" b="1">
+              <a:defRPr sz="1300" b="1">
                 <a:solidFill>
                   <a:srgbClr val="FFFFFF"/>
                 </a:solidFill>
@@ -12077,14 +12392,14 @@
       </p:sp>
       <p:sp>
         <p:nvSpPr>
-          <p:cNvPr id="8" name="TextBox 7"/>
-          <p:cNvSpPr txBox="1"/>
-          <p:nvPr/>
-        </p:nvSpPr>
-        <p:spPr>
-          <a:xfrm>
-            <a:off x="320040" y="1965960"/>
-            <a:ext cx="2651760" cy="731520"/>
+          <p:cNvPr id="9" name="TextBox 8"/>
+          <p:cNvSpPr txBox="1"/>
+          <p:nvPr/>
+        </p:nvSpPr>
+        <p:spPr>
+          <a:xfrm>
+            <a:off x="301752" y="2377440"/>
+            <a:ext cx="2688336" cy="685800"/>
           </a:xfrm>
           <a:prstGeom prst="rect">
             <a:avLst/>
@@ -12098,28 +12413,28 @@
           <a:lstStyle/>
           <a:p>
             <a:pPr>
-              <a:defRPr sz="1100">
-                <a:solidFill>
-                  <a:srgbClr val="343A40"/>
-                </a:solidFill>
-              </a:defRPr>
-            </a:pPr>
-            <a:r>
-              <a:t>Automatische Windows-Updates, sporadisch OT-Patches</a:t>
-            </a:r>
-          </a:p>
-        </p:txBody>
-      </p:sp>
-      <p:sp>
-        <p:nvSpPr>
-          <p:cNvPr id="9" name="TextBox 8"/>
-          <p:cNvSpPr txBox="1"/>
-          <p:nvPr/>
-        </p:nvSpPr>
-        <p:spPr>
-          <a:xfrm>
-            <a:off x="320040" y="2697480"/>
-            <a:ext cx="2651760" cy="548640"/>
+              <a:defRPr sz="1000">
+                <a:solidFill>
+                  <a:srgbClr val="343A40"/>
+                </a:solidFill>
+              </a:defRPr>
+            </a:pPr>
+            <a:r>
+              <a:t>Grundschutz: Windows-Updates laufen automatisch, Produktionssysteme werden unregelmäßig aktualisiert.</a:t>
+            </a:r>
+          </a:p>
+        </p:txBody>
+      </p:sp>
+      <p:sp>
+        <p:nvSpPr>
+          <p:cNvPr id="10" name="TextBox 9"/>
+          <p:cNvSpPr txBox="1"/>
+          <p:nvPr/>
+        </p:nvSpPr>
+        <p:spPr>
+          <a:xfrm>
+            <a:off x="301752" y="3108960"/>
+            <a:ext cx="2688336" cy="502920"/>
           </a:xfrm>
           <a:prstGeom prst="rect">
             <a:avLst/>
@@ -12133,20 +12448,20 @@
           <a:lstStyle/>
           <a:p>
             <a:pPr>
+              <a:defRPr sz="1000" b="1">
+                <a:solidFill>
+                  <a:srgbClr val="343A40"/>
+                </a:solidFill>
+              </a:defRPr>
+            </a:pPr>
+            <a:r>
+              <a:t>CIA-Beitrag:</a:t>
+            </a:r>
+          </a:p>
+          <a:p>
+            <a:pPr>
               <a:defRPr sz="1100" b="1">
                 <a:solidFill>
-                  <a:srgbClr val="343A40"/>
-                </a:solidFill>
-              </a:defRPr>
-            </a:pPr>
-            <a:r>
-              <a:t>CIA-Beitrag:</a:t>
-            </a:r>
-          </a:p>
-          <a:p>
-            <a:pPr>
-              <a:defRPr sz="1200" b="1">
-                <a:solidFill>
                   <a:srgbClr val="007AC2"/>
                 </a:solidFill>
               </a:defRPr>
@@ -12159,14 +12474,14 @@
       </p:sp>
       <p:sp>
         <p:nvSpPr>
-          <p:cNvPr id="10" name="TextBox 9"/>
-          <p:cNvSpPr txBox="1"/>
-          <p:nvPr/>
-        </p:nvSpPr>
-        <p:spPr>
-          <a:xfrm>
-            <a:off x="320040" y="3246120"/>
-            <a:ext cx="2651760" cy="548640"/>
+          <p:cNvPr id="11" name="TextBox 10"/>
+          <p:cNvSpPr txBox="1"/>
+          <p:nvPr/>
+        </p:nvSpPr>
+        <p:spPr>
+          <a:xfrm>
+            <a:off x="301752" y="3611880"/>
+            <a:ext cx="2688336" cy="502920"/>
           </a:xfrm>
           <a:prstGeom prst="rect">
             <a:avLst/>
@@ -12180,7 +12495,7 @@
           <a:lstStyle/>
           <a:p>
             <a:pPr>
-              <a:defRPr sz="1100" b="1">
+              <a:defRPr sz="1000" b="1">
                 <a:solidFill>
                   <a:srgbClr val="343A40"/>
                 </a:solidFill>
@@ -12192,7 +12507,7 @@
           </a:p>
           <a:p>
             <a:pPr>
-              <a:defRPr sz="1100">
+              <a:defRPr sz="1000">
                 <a:solidFill>
                   <a:srgbClr val="343A40"/>
                 </a:solidFill>
@@ -12206,14 +12521,14 @@
       </p:sp>
       <p:sp>
         <p:nvSpPr>
-          <p:cNvPr id="11" name="TextBox 10"/>
-          <p:cNvSpPr txBox="1"/>
-          <p:nvPr/>
-        </p:nvSpPr>
-        <p:spPr>
-          <a:xfrm>
-            <a:off x="320040" y="3794760"/>
-            <a:ext cx="2651760" cy="1280160"/>
+          <p:cNvPr id="12" name="TextBox 11"/>
+          <p:cNvSpPr txBox="1"/>
+          <p:nvPr/>
+        </p:nvSpPr>
+        <p:spPr>
+          <a:xfrm>
+            <a:off x="301752" y="4114800"/>
+            <a:ext cx="2688336" cy="1188720"/>
           </a:xfrm>
           <a:prstGeom prst="rect">
             <a:avLst/>
@@ -12227,7 +12542,7 @@
           <a:lstStyle/>
           <a:p>
             <a:pPr>
-              <a:defRPr sz="1100" b="1">
+              <a:defRPr sz="1000" b="1">
                 <a:solidFill>
                   <a:srgbClr val="343A40"/>
                 </a:solidFill>
@@ -12239,7 +12554,7 @@
           </a:p>
           <a:p>
             <a:pPr>
-              <a:defRPr sz="1100">
+              <a:defRPr sz="1000">
                 <a:solidFill>
                   <a:srgbClr val="00994C"/>
                 </a:solidFill>
@@ -12251,7 +12566,7 @@
           </a:p>
           <a:p>
             <a:pPr>
-              <a:defRPr sz="1100">
+              <a:defRPr sz="1000">
                 <a:solidFill>
                   <a:srgbClr val="00994C"/>
                 </a:solidFill>
@@ -12265,14 +12580,14 @@
       </p:sp>
       <p:sp>
         <p:nvSpPr>
-          <p:cNvPr id="12" name="TextBox 11"/>
-          <p:cNvSpPr txBox="1"/>
-          <p:nvPr/>
-        </p:nvSpPr>
-        <p:spPr>
-          <a:xfrm>
-            <a:off x="320040" y="5029200"/>
-            <a:ext cx="2651760" cy="457200"/>
+          <p:cNvPr id="13" name="TextBox 12"/>
+          <p:cNvSpPr txBox="1"/>
+          <p:nvPr/>
+        </p:nvSpPr>
+        <p:spPr>
+          <a:xfrm>
+            <a:off x="301752" y="5303520"/>
+            <a:ext cx="2688336" cy="411480"/>
           </a:xfrm>
           <a:prstGeom prst="rect">
             <a:avLst/>
@@ -12289,14 +12604,14 @@
       </p:sp>
       <p:sp>
         <p:nvSpPr>
-          <p:cNvPr id="13" name="Rounded Rectangle 12"/>
+          <p:cNvPr id="14" name="Rounded Rectangle 13"/>
           <p:cNvSpPr/>
           <p:nvPr/>
         </p:nvSpPr>
         <p:spPr>
           <a:xfrm>
-            <a:off x="3154680" y="1463040"/>
-            <a:ext cx="2834640" cy="5029200"/>
+            <a:off x="3154680" y="1920240"/>
+            <a:ext cx="2834640" cy="4754880"/>
           </a:xfrm>
           <a:prstGeom prst="roundRect">
             <a:avLst/>
@@ -12334,14 +12649,14 @@
       </p:sp>
       <p:sp>
         <p:nvSpPr>
-          <p:cNvPr id="14" name="Rectangle 13"/>
+          <p:cNvPr id="15" name="Rectangle 14"/>
           <p:cNvSpPr/>
           <p:nvPr/>
         </p:nvSpPr>
         <p:spPr>
           <a:xfrm>
-            <a:off x="3154680" y="1463040"/>
-            <a:ext cx="2834640" cy="457200"/>
+            <a:off x="3154680" y="1920240"/>
+            <a:ext cx="2834640" cy="411480"/>
           </a:xfrm>
           <a:prstGeom prst="rect">
             <a:avLst/>
@@ -12377,13 +12692,13 @@
       </p:sp>
       <p:sp>
         <p:nvSpPr>
-          <p:cNvPr id="15" name="TextBox 14"/>
-          <p:cNvSpPr txBox="1"/>
-          <p:nvPr/>
-        </p:nvSpPr>
-        <p:spPr>
-          <a:xfrm>
-            <a:off x="3154680" y="1508760"/>
+          <p:cNvPr id="16" name="TextBox 15"/>
+          <p:cNvSpPr txBox="1"/>
+          <p:nvPr/>
+        </p:nvSpPr>
+        <p:spPr>
+          <a:xfrm>
+            <a:off x="3154680" y="1947672"/>
             <a:ext cx="2834640" cy="365760"/>
           </a:xfrm>
           <a:prstGeom prst="rect">
@@ -12398,7 +12713,7 @@
           <a:lstStyle/>
           <a:p>
             <a:pPr algn="ctr">
-              <a:defRPr sz="1400" b="1">
+              <a:defRPr sz="1300" b="1">
                 <a:solidFill>
                   <a:srgbClr val="FFFFFF"/>
                 </a:solidFill>
@@ -12412,14 +12727,14 @@
       </p:sp>
       <p:sp>
         <p:nvSpPr>
-          <p:cNvPr id="16" name="TextBox 15"/>
-          <p:cNvSpPr txBox="1"/>
-          <p:nvPr/>
-        </p:nvSpPr>
-        <p:spPr>
-          <a:xfrm>
-            <a:off x="3246120" y="1965960"/>
-            <a:ext cx="2651760" cy="731520"/>
+          <p:cNvPr id="17" name="TextBox 16"/>
+          <p:cNvSpPr txBox="1"/>
+          <p:nvPr/>
+        </p:nvSpPr>
+        <p:spPr>
+          <a:xfrm>
+            <a:off x="3227832" y="2377440"/>
+            <a:ext cx="2688336" cy="685800"/>
           </a:xfrm>
           <a:prstGeom prst="rect">
             <a:avLst/>
@@ -12433,28 +12748,28 @@
           <a:lstStyle/>
           <a:p>
             <a:pPr>
-              <a:defRPr sz="1100">
-                <a:solidFill>
-                  <a:srgbClr val="343A40"/>
-                </a:solidFill>
-              </a:defRPr>
-            </a:pPr>
-            <a:r>
-              <a:t>Monatliche Patch-Zyklen, Vulnerability-Scans (quartal)</a:t>
-            </a:r>
-          </a:p>
-        </p:txBody>
-      </p:sp>
-      <p:sp>
-        <p:nvSpPr>
-          <p:cNvPr id="17" name="TextBox 16"/>
-          <p:cNvSpPr txBox="1"/>
-          <p:nvPr/>
-        </p:nvSpPr>
-        <p:spPr>
-          <a:xfrm>
-            <a:off x="3246120" y="2697480"/>
-            <a:ext cx="2651760" cy="548640"/>
+              <a:defRPr sz="1000">
+                <a:solidFill>
+                  <a:srgbClr val="343A40"/>
+                </a:solidFill>
+              </a:defRPr>
+            </a:pPr>
+            <a:r>
+              <a:t>Besser: Strukturierter monatlicher Update-Prozess, regelmäßige Suche nach Schwachstellen.</a:t>
+            </a:r>
+          </a:p>
+        </p:txBody>
+      </p:sp>
+      <p:sp>
+        <p:nvSpPr>
+          <p:cNvPr id="18" name="TextBox 17"/>
+          <p:cNvSpPr txBox="1"/>
+          <p:nvPr/>
+        </p:nvSpPr>
+        <p:spPr>
+          <a:xfrm>
+            <a:off x="3227832" y="3108960"/>
+            <a:ext cx="2688336" cy="502920"/>
           </a:xfrm>
           <a:prstGeom prst="rect">
             <a:avLst/>
@@ -12468,20 +12783,20 @@
           <a:lstStyle/>
           <a:p>
             <a:pPr>
+              <a:defRPr sz="1000" b="1">
+                <a:solidFill>
+                  <a:srgbClr val="343A40"/>
+                </a:solidFill>
+              </a:defRPr>
+            </a:pPr>
+            <a:r>
+              <a:t>CIA-Beitrag:</a:t>
+            </a:r>
+          </a:p>
+          <a:p>
+            <a:pPr>
               <a:defRPr sz="1100" b="1">
                 <a:solidFill>
-                  <a:srgbClr val="343A40"/>
-                </a:solidFill>
-              </a:defRPr>
-            </a:pPr>
-            <a:r>
-              <a:t>CIA-Beitrag:</a:t>
-            </a:r>
-          </a:p>
-          <a:p>
-            <a:pPr>
-              <a:defRPr sz="1200" b="1">
-                <a:solidFill>
                   <a:srgbClr val="007AC2"/>
                 </a:solidFill>
               </a:defRPr>
@@ -12494,14 +12809,14 @@
       </p:sp>
       <p:sp>
         <p:nvSpPr>
-          <p:cNvPr id="18" name="TextBox 17"/>
-          <p:cNvSpPr txBox="1"/>
-          <p:nvPr/>
-        </p:nvSpPr>
-        <p:spPr>
-          <a:xfrm>
-            <a:off x="3246120" y="3246120"/>
-            <a:ext cx="2651760" cy="548640"/>
+          <p:cNvPr id="19" name="TextBox 18"/>
+          <p:cNvSpPr txBox="1"/>
+          <p:nvPr/>
+        </p:nvSpPr>
+        <p:spPr>
+          <a:xfrm>
+            <a:off x="3227832" y="3611880"/>
+            <a:ext cx="2688336" cy="502920"/>
           </a:xfrm>
           <a:prstGeom prst="rect">
             <a:avLst/>
@@ -12515,7 +12830,7 @@
           <a:lstStyle/>
           <a:p>
             <a:pPr>
-              <a:defRPr sz="1100" b="1">
+              <a:defRPr sz="1000" b="1">
                 <a:solidFill>
                   <a:srgbClr val="343A40"/>
                 </a:solidFill>
@@ -12527,7 +12842,7 @@
           </a:p>
           <a:p>
             <a:pPr>
-              <a:defRPr sz="1100">
+              <a:defRPr sz="1000">
                 <a:solidFill>
                   <a:srgbClr val="343A40"/>
                 </a:solidFill>
@@ -12541,14 +12856,14 @@
       </p:sp>
       <p:sp>
         <p:nvSpPr>
-          <p:cNvPr id="19" name="TextBox 18"/>
-          <p:cNvSpPr txBox="1"/>
-          <p:nvPr/>
-        </p:nvSpPr>
-        <p:spPr>
-          <a:xfrm>
-            <a:off x="3246120" y="3794760"/>
-            <a:ext cx="2651760" cy="1280160"/>
+          <p:cNvPr id="20" name="TextBox 19"/>
+          <p:cNvSpPr txBox="1"/>
+          <p:nvPr/>
+        </p:nvSpPr>
+        <p:spPr>
+          <a:xfrm>
+            <a:off x="3227832" y="4114800"/>
+            <a:ext cx="2688336" cy="1188720"/>
           </a:xfrm>
           <a:prstGeom prst="rect">
             <a:avLst/>
@@ -12562,7 +12877,7 @@
           <a:lstStyle/>
           <a:p>
             <a:pPr>
-              <a:defRPr sz="1100" b="1">
+              <a:defRPr sz="1000" b="1">
                 <a:solidFill>
                   <a:srgbClr val="343A40"/>
                 </a:solidFill>
@@ -12574,7 +12889,7 @@
           </a:p>
           <a:p>
             <a:pPr>
-              <a:defRPr sz="1100">
+              <a:defRPr sz="1000">
                 <a:solidFill>
                   <a:srgbClr val="00994C"/>
                 </a:solidFill>
@@ -12586,7 +12901,7 @@
           </a:p>
           <a:p>
             <a:pPr>
-              <a:defRPr sz="1100">
+              <a:defRPr sz="1000">
                 <a:solidFill>
                   <a:srgbClr val="00994C"/>
                 </a:solidFill>
@@ -12598,7 +12913,7 @@
           </a:p>
           <a:p>
             <a:pPr>
-              <a:defRPr sz="1100">
+              <a:defRPr sz="1000">
                 <a:solidFill>
                   <a:srgbClr val="00994C"/>
                 </a:solidFill>
@@ -12612,14 +12927,14 @@
       </p:sp>
       <p:sp>
         <p:nvSpPr>
-          <p:cNvPr id="20" name="TextBox 19"/>
-          <p:cNvSpPr txBox="1"/>
-          <p:nvPr/>
-        </p:nvSpPr>
-        <p:spPr>
-          <a:xfrm>
-            <a:off x="3246120" y="5029200"/>
-            <a:ext cx="2651760" cy="457200"/>
+          <p:cNvPr id="21" name="TextBox 20"/>
+          <p:cNvSpPr txBox="1"/>
+          <p:nvPr/>
+        </p:nvSpPr>
+        <p:spPr>
+          <a:xfrm>
+            <a:off x="3227832" y="5303520"/>
+            <a:ext cx="2688336" cy="411480"/>
           </a:xfrm>
           <a:prstGeom prst="rect">
             <a:avLst/>
@@ -12636,14 +12951,14 @@
       </p:sp>
       <p:sp>
         <p:nvSpPr>
-          <p:cNvPr id="21" name="Rounded Rectangle 20"/>
+          <p:cNvPr id="22" name="Rounded Rectangle 21"/>
           <p:cNvSpPr/>
           <p:nvPr/>
         </p:nvSpPr>
         <p:spPr>
           <a:xfrm>
-            <a:off x="6080760" y="1463040"/>
-            <a:ext cx="2834640" cy="5029200"/>
+            <a:off x="6080760" y="1920240"/>
+            <a:ext cx="2834640" cy="4754880"/>
           </a:xfrm>
           <a:prstGeom prst="roundRect">
             <a:avLst/>
@@ -12681,14 +12996,14 @@
       </p:sp>
       <p:sp>
         <p:nvSpPr>
-          <p:cNvPr id="22" name="Rectangle 21"/>
+          <p:cNvPr id="23" name="Rectangle 22"/>
           <p:cNvSpPr/>
           <p:nvPr/>
         </p:nvSpPr>
         <p:spPr>
           <a:xfrm>
-            <a:off x="6080760" y="1463040"/>
-            <a:ext cx="2834640" cy="457200"/>
+            <a:off x="6080760" y="1920240"/>
+            <a:ext cx="2834640" cy="411480"/>
           </a:xfrm>
           <a:prstGeom prst="rect">
             <a:avLst/>
@@ -12724,13 +13039,13 @@
       </p:sp>
       <p:sp>
         <p:nvSpPr>
-          <p:cNvPr id="23" name="TextBox 22"/>
-          <p:cNvSpPr txBox="1"/>
-          <p:nvPr/>
-        </p:nvSpPr>
-        <p:spPr>
-          <a:xfrm>
-            <a:off x="6080760" y="1508760"/>
+          <p:cNvPr id="24" name="TextBox 23"/>
+          <p:cNvSpPr txBox="1"/>
+          <p:nvPr/>
+        </p:nvSpPr>
+        <p:spPr>
+          <a:xfrm>
+            <a:off x="6080760" y="1947672"/>
             <a:ext cx="2834640" cy="365760"/>
           </a:xfrm>
           <a:prstGeom prst="rect">
@@ -12745,7 +13060,7 @@
           <a:lstStyle/>
           <a:p>
             <a:pPr algn="ctr">
-              <a:defRPr sz="1400" b="1">
+              <a:defRPr sz="1300" b="1">
                 <a:solidFill>
                   <a:srgbClr val="FFFFFF"/>
                 </a:solidFill>
@@ -12759,14 +13074,14 @@
       </p:sp>
       <p:sp>
         <p:nvSpPr>
-          <p:cNvPr id="24" name="TextBox 23"/>
-          <p:cNvSpPr txBox="1"/>
-          <p:nvPr/>
-        </p:nvSpPr>
-        <p:spPr>
-          <a:xfrm>
-            <a:off x="6172200" y="1965960"/>
-            <a:ext cx="2651760" cy="731520"/>
+          <p:cNvPr id="25" name="TextBox 24"/>
+          <p:cNvSpPr txBox="1"/>
+          <p:nvPr/>
+        </p:nvSpPr>
+        <p:spPr>
+          <a:xfrm>
+            <a:off x="6153912" y="2377440"/>
+            <a:ext cx="2688336" cy="685800"/>
           </a:xfrm>
           <a:prstGeom prst="rect">
             <a:avLst/>
@@ -12780,28 +13095,28 @@
           <a:lstStyle/>
           <a:p>
             <a:pPr>
-              <a:defRPr sz="1100">
-                <a:solidFill>
-                  <a:srgbClr val="343A40"/>
-                </a:solidFill>
-              </a:defRPr>
-            </a:pPr>
-            <a:r>
-              <a:t>Risk-based Patching (CVSS), wöchentliche Scans, Tool</a:t>
-            </a:r>
-          </a:p>
-        </p:txBody>
-      </p:sp>
-      <p:sp>
-        <p:nvSpPr>
-          <p:cNvPr id="25" name="TextBox 24"/>
-          <p:cNvSpPr txBox="1"/>
-          <p:nvPr/>
-        </p:nvSpPr>
-        <p:spPr>
-          <a:xfrm>
-            <a:off x="6172200" y="2697480"/>
-            <a:ext cx="2651760" cy="548640"/>
+              <a:defRPr sz="1000">
+                <a:solidFill>
+                  <a:srgbClr val="343A40"/>
+                </a:solidFill>
+              </a:defRPr>
+            </a:pPr>
+            <a:r>
+              <a:t>Premium: Kritische Lücken werden priorisiert geschlossen, wöchentliche automatische Schwachstellen-Scans.</a:t>
+            </a:r>
+          </a:p>
+        </p:txBody>
+      </p:sp>
+      <p:sp>
+        <p:nvSpPr>
+          <p:cNvPr id="26" name="TextBox 25"/>
+          <p:cNvSpPr txBox="1"/>
+          <p:nvPr/>
+        </p:nvSpPr>
+        <p:spPr>
+          <a:xfrm>
+            <a:off x="6153912" y="3108960"/>
+            <a:ext cx="2688336" cy="502920"/>
           </a:xfrm>
           <a:prstGeom prst="rect">
             <a:avLst/>
@@ -12815,20 +13130,20 @@
           <a:lstStyle/>
           <a:p>
             <a:pPr>
+              <a:defRPr sz="1000" b="1">
+                <a:solidFill>
+                  <a:srgbClr val="343A40"/>
+                </a:solidFill>
+              </a:defRPr>
+            </a:pPr>
+            <a:r>
+              <a:t>CIA-Beitrag:</a:t>
+            </a:r>
+          </a:p>
+          <a:p>
+            <a:pPr>
               <a:defRPr sz="1100" b="1">
                 <a:solidFill>
-                  <a:srgbClr val="343A40"/>
-                </a:solidFill>
-              </a:defRPr>
-            </a:pPr>
-            <a:r>
-              <a:t>CIA-Beitrag:</a:t>
-            </a:r>
-          </a:p>
-          <a:p>
-            <a:pPr>
-              <a:defRPr sz="1200" b="1">
-                <a:solidFill>
                   <a:srgbClr val="007AC2"/>
                 </a:solidFill>
               </a:defRPr>
@@ -12841,14 +13156,14 @@
       </p:sp>
       <p:sp>
         <p:nvSpPr>
-          <p:cNvPr id="26" name="TextBox 25"/>
-          <p:cNvSpPr txBox="1"/>
-          <p:nvPr/>
-        </p:nvSpPr>
-        <p:spPr>
-          <a:xfrm>
-            <a:off x="6172200" y="3246120"/>
-            <a:ext cx="2651760" cy="548640"/>
+          <p:cNvPr id="27" name="TextBox 26"/>
+          <p:cNvSpPr txBox="1"/>
+          <p:nvPr/>
+        </p:nvSpPr>
+        <p:spPr>
+          <a:xfrm>
+            <a:off x="6153912" y="3611880"/>
+            <a:ext cx="2688336" cy="502920"/>
           </a:xfrm>
           <a:prstGeom prst="rect">
             <a:avLst/>
@@ -12862,7 +13177,7 @@
           <a:lstStyle/>
           <a:p>
             <a:pPr>
-              <a:defRPr sz="1100" b="1">
+              <a:defRPr sz="1000" b="1">
                 <a:solidFill>
                   <a:srgbClr val="343A40"/>
                 </a:solidFill>
@@ -12874,7 +13189,7 @@
           </a:p>
           <a:p>
             <a:pPr>
-              <a:defRPr sz="1100">
+              <a:defRPr sz="1000">
                 <a:solidFill>
                   <a:srgbClr val="343A40"/>
                 </a:solidFill>
@@ -12888,14 +13203,14 @@
       </p:sp>
       <p:sp>
         <p:nvSpPr>
-          <p:cNvPr id="27" name="TextBox 26"/>
-          <p:cNvSpPr txBox="1"/>
-          <p:nvPr/>
-        </p:nvSpPr>
-        <p:spPr>
-          <a:xfrm>
-            <a:off x="6172200" y="3794760"/>
-            <a:ext cx="2651760" cy="1280160"/>
+          <p:cNvPr id="28" name="TextBox 27"/>
+          <p:cNvSpPr txBox="1"/>
+          <p:nvPr/>
+        </p:nvSpPr>
+        <p:spPr>
+          <a:xfrm>
+            <a:off x="6153912" y="4114800"/>
+            <a:ext cx="2688336" cy="1188720"/>
           </a:xfrm>
           <a:prstGeom prst="rect">
             <a:avLst/>
@@ -12909,7 +13224,7 @@
           <a:lstStyle/>
           <a:p>
             <a:pPr>
-              <a:defRPr sz="1100" b="1">
+              <a:defRPr sz="1000" b="1">
                 <a:solidFill>
                   <a:srgbClr val="343A40"/>
                 </a:solidFill>
@@ -12921,7 +13236,7 @@
           </a:p>
           <a:p>
             <a:pPr>
-              <a:defRPr sz="1100">
+              <a:defRPr sz="1000">
                 <a:solidFill>
                   <a:srgbClr val="00994C"/>
                 </a:solidFill>
@@ -12933,7 +13248,7 @@
           </a:p>
           <a:p>
             <a:pPr>
-              <a:defRPr sz="1100">
+              <a:defRPr sz="1000">
                 <a:solidFill>
                   <a:srgbClr val="00994C"/>
                 </a:solidFill>
@@ -12945,7 +13260,7 @@
           </a:p>
           <a:p>
             <a:pPr>
-              <a:defRPr sz="1100">
+              <a:defRPr sz="1000">
                 <a:solidFill>
                   <a:srgbClr val="00994C"/>
                 </a:solidFill>
@@ -12959,14 +13274,14 @@
       </p:sp>
       <p:sp>
         <p:nvSpPr>
-          <p:cNvPr id="28" name="TextBox 27"/>
-          <p:cNvSpPr txBox="1"/>
-          <p:nvPr/>
-        </p:nvSpPr>
-        <p:spPr>
-          <a:xfrm>
-            <a:off x="6172200" y="5029200"/>
-            <a:ext cx="2651760" cy="457200"/>
+          <p:cNvPr id="29" name="TextBox 28"/>
+          <p:cNvSpPr txBox="1"/>
+          <p:nvPr/>
+        </p:nvSpPr>
+        <p:spPr>
+          <a:xfrm>
+            <a:off x="6153912" y="5303520"/>
+            <a:ext cx="2688336" cy="411480"/>
           </a:xfrm>
           <a:prstGeom prst="rect">
             <a:avLst/>
@@ -12980,7 +13295,7 @@
           <a:lstStyle/>
           <a:p>
             <a:pPr>
-              <a:defRPr sz="1000" i="1">
+              <a:defRPr sz="900" i="1">
                 <a:solidFill>
                   <a:srgbClr val="DC3545"/>
                 </a:solidFill>
@@ -13019,7 +13334,7 @@
         <p:spPr>
           <a:xfrm>
             <a:off x="0" y="0"/>
-            <a:ext cx="9144000" cy="1280160"/>
+            <a:ext cx="9144000" cy="1737360"/>
           </a:xfrm>
           <a:prstGeom prst="rect">
             <a:avLst/>
@@ -13061,8 +13376,8 @@
         </p:nvSpPr>
         <p:spPr>
           <a:xfrm>
-            <a:off x="274320" y="182880"/>
-            <a:ext cx="8595360" cy="548640"/>
+            <a:off x="274320" y="137160"/>
+            <a:ext cx="8595360" cy="457200"/>
           </a:xfrm>
           <a:prstGeom prst="rect">
             <a:avLst/>
@@ -13076,7 +13391,7 @@
           <a:lstStyle/>
           <a:p>
             <a:pPr>
-              <a:defRPr sz="3200" b="1">
+              <a:defRPr sz="2800" b="1">
                 <a:solidFill>
                   <a:srgbClr val="FFFFFF"/>
                 </a:solidFill>
@@ -13096,7 +13411,42 @@
         </p:nvSpPr>
         <p:spPr>
           <a:xfrm>
-            <a:off x="274320" y="777240"/>
+            <a:off x="274320" y="594360"/>
+            <a:ext cx="8595360" cy="640080"/>
+          </a:xfrm>
+          <a:prstGeom prst="rect">
+            <a:avLst/>
+          </a:prstGeom>
+          <a:noFill/>
+        </p:spPr>
+        <p:txBody>
+          <a:bodyPr wrap="square">
+            <a:spAutoFit/>
+          </a:bodyPr>
+          <a:lstStyle/>
+          <a:p>
+            <a:pPr>
+              <a:defRPr sz="1400">
+                <a:solidFill>
+                  <a:srgbClr val="F8F9FA"/>
+                </a:solidFill>
+              </a:defRPr>
+            </a:pPr>
+            <a:r>
+              <a:t>Schützt vor Risiken durch Geschäftspartner. Denn auch über einen gehackten Lieferanten können Angreifer ins Unternehmen gelangen.</a:t>
+            </a:r>
+          </a:p>
+        </p:txBody>
+      </p:sp>
+      <p:sp>
+        <p:nvSpPr>
+          <p:cNvPr id="5" name="TextBox 4"/>
+          <p:cNvSpPr txBox="1"/>
+          <p:nvPr/>
+        </p:nvSpPr>
+        <p:spPr>
+          <a:xfrm>
+            <a:off x="274320" y="1280160"/>
             <a:ext cx="8595360" cy="365760"/>
           </a:xfrm>
           <a:prstGeom prst="rect">
@@ -13111,28 +13461,28 @@
           <a:lstStyle/>
           <a:p>
             <a:pPr>
-              <a:defRPr sz="1600" i="1">
+              <a:defRPr sz="1100" i="1">
                 <a:solidFill>
                   <a:srgbClr val="F8F9FA"/>
                 </a:solidFill>
               </a:defRPr>
             </a:pPr>
             <a:r>
-              <a:t>Fokus: Lieferanten-Risiken managen, Abhängigkeiten absichern</a:t>
-            </a:r>
-          </a:p>
-        </p:txBody>
-      </p:sp>
-      <p:sp>
-        <p:nvSpPr>
-          <p:cNvPr id="5" name="Rounded Rectangle 4"/>
+              <a:t>Technischer Fokus: Lieferanten-Risiken managen, Abhängigkeiten absichern</a:t>
+            </a:r>
+          </a:p>
+        </p:txBody>
+      </p:sp>
+      <p:sp>
+        <p:nvSpPr>
+          <p:cNvPr id="6" name="Rounded Rectangle 5"/>
           <p:cNvSpPr/>
           <p:nvPr/>
         </p:nvSpPr>
         <p:spPr>
           <a:xfrm>
-            <a:off x="228600" y="1463040"/>
-            <a:ext cx="2834640" cy="5029200"/>
+            <a:off x="228600" y="1920240"/>
+            <a:ext cx="2834640" cy="4754880"/>
           </a:xfrm>
           <a:prstGeom prst="roundRect">
             <a:avLst/>
@@ -13170,14 +13520,14 @@
       </p:sp>
       <p:sp>
         <p:nvSpPr>
-          <p:cNvPr id="6" name="Rectangle 5"/>
+          <p:cNvPr id="7" name="Rectangle 6"/>
           <p:cNvSpPr/>
           <p:nvPr/>
         </p:nvSpPr>
         <p:spPr>
           <a:xfrm>
-            <a:off x="228600" y="1463040"/>
-            <a:ext cx="2834640" cy="457200"/>
+            <a:off x="228600" y="1920240"/>
+            <a:ext cx="2834640" cy="411480"/>
           </a:xfrm>
           <a:prstGeom prst="rect">
             <a:avLst/>
@@ -13213,13 +13563,13 @@
       </p:sp>
       <p:sp>
         <p:nvSpPr>
-          <p:cNvPr id="7" name="TextBox 6"/>
-          <p:cNvSpPr txBox="1"/>
-          <p:nvPr/>
-        </p:nvSpPr>
-        <p:spPr>
-          <a:xfrm>
-            <a:off x="228600" y="1508760"/>
+          <p:cNvPr id="8" name="TextBox 7"/>
+          <p:cNvSpPr txBox="1"/>
+          <p:nvPr/>
+        </p:nvSpPr>
+        <p:spPr>
+          <a:xfrm>
+            <a:off x="228600" y="1947672"/>
             <a:ext cx="2834640" cy="365760"/>
           </a:xfrm>
           <a:prstGeom prst="rect">
@@ -13234,7 +13584,7 @@
           <a:lstStyle/>
           <a:p>
             <a:pPr algn="ctr">
-              <a:defRPr sz="1400" b="1">
+              <a:defRPr sz="1300" b="1">
                 <a:solidFill>
                   <a:srgbClr val="FFFFFF"/>
                 </a:solidFill>
@@ -13248,14 +13598,14 @@
       </p:sp>
       <p:sp>
         <p:nvSpPr>
-          <p:cNvPr id="8" name="TextBox 7"/>
-          <p:cNvSpPr txBox="1"/>
-          <p:nvPr/>
-        </p:nvSpPr>
-        <p:spPr>
-          <a:xfrm>
-            <a:off x="320040" y="1965960"/>
-            <a:ext cx="2651760" cy="731520"/>
+          <p:cNvPr id="9" name="TextBox 8"/>
+          <p:cNvSpPr txBox="1"/>
+          <p:nvPr/>
+        </p:nvSpPr>
+        <p:spPr>
+          <a:xfrm>
+            <a:off x="301752" y="2377440"/>
+            <a:ext cx="2688336" cy="685800"/>
           </a:xfrm>
           <a:prstGeom prst="rect">
             <a:avLst/>
@@ -13269,28 +13619,28 @@
           <a:lstStyle/>
           <a:p>
             <a:pPr>
-              <a:defRPr sz="1100">
-                <a:solidFill>
-                  <a:srgbClr val="343A40"/>
-                </a:solidFill>
-              </a:defRPr>
-            </a:pPr>
-            <a:r>
-              <a:t>Vertragliche Security-Klauseln, Ad-hoc-Checks</a:t>
-            </a:r>
-          </a:p>
-        </p:txBody>
-      </p:sp>
-      <p:sp>
-        <p:nvSpPr>
-          <p:cNvPr id="9" name="TextBox 8"/>
-          <p:cNvSpPr txBox="1"/>
-          <p:nvPr/>
-        </p:nvSpPr>
-        <p:spPr>
-          <a:xfrm>
-            <a:off x="320040" y="2697480"/>
-            <a:ext cx="2651760" cy="548640"/>
+              <a:defRPr sz="1000">
+                <a:solidFill>
+                  <a:srgbClr val="343A40"/>
+                </a:solidFill>
+              </a:defRPr>
+            </a:pPr>
+            <a:r>
+              <a:t>Grundschutz: Sicherheitsanforderungen stehen im Vertrag, gelegentliche Überprüfungen.</a:t>
+            </a:r>
+          </a:p>
+        </p:txBody>
+      </p:sp>
+      <p:sp>
+        <p:nvSpPr>
+          <p:cNvPr id="10" name="TextBox 9"/>
+          <p:cNvSpPr txBox="1"/>
+          <p:nvPr/>
+        </p:nvSpPr>
+        <p:spPr>
+          <a:xfrm>
+            <a:off x="301752" y="3108960"/>
+            <a:ext cx="2688336" cy="502920"/>
           </a:xfrm>
           <a:prstGeom prst="rect">
             <a:avLst/>
@@ -13304,20 +13654,20 @@
           <a:lstStyle/>
           <a:p>
             <a:pPr>
+              <a:defRPr sz="1000" b="1">
+                <a:solidFill>
+                  <a:srgbClr val="343A40"/>
+                </a:solidFill>
+              </a:defRPr>
+            </a:pPr>
+            <a:r>
+              <a:t>CIA-Beitrag:</a:t>
+            </a:r>
+          </a:p>
+          <a:p>
+            <a:pPr>
               <a:defRPr sz="1100" b="1">
                 <a:solidFill>
-                  <a:srgbClr val="343A40"/>
-                </a:solidFill>
-              </a:defRPr>
-            </a:pPr>
-            <a:r>
-              <a:t>CIA-Beitrag:</a:t>
-            </a:r>
-          </a:p>
-          <a:p>
-            <a:pPr>
-              <a:defRPr sz="1200" b="1">
-                <a:solidFill>
                   <a:srgbClr val="007AC2"/>
                 </a:solidFill>
               </a:defRPr>
@@ -13330,14 +13680,14 @@
       </p:sp>
       <p:sp>
         <p:nvSpPr>
-          <p:cNvPr id="10" name="TextBox 9"/>
-          <p:cNvSpPr txBox="1"/>
-          <p:nvPr/>
-        </p:nvSpPr>
-        <p:spPr>
-          <a:xfrm>
-            <a:off x="320040" y="3246120"/>
-            <a:ext cx="2651760" cy="548640"/>
+          <p:cNvPr id="11" name="TextBox 10"/>
+          <p:cNvSpPr txBox="1"/>
+          <p:nvPr/>
+        </p:nvSpPr>
+        <p:spPr>
+          <a:xfrm>
+            <a:off x="301752" y="3611880"/>
+            <a:ext cx="2688336" cy="502920"/>
           </a:xfrm>
           <a:prstGeom prst="rect">
             <a:avLst/>
@@ -13351,7 +13701,7 @@
           <a:lstStyle/>
           <a:p>
             <a:pPr>
-              <a:defRPr sz="1100" b="1">
+              <a:defRPr sz="1000" b="1">
                 <a:solidFill>
                   <a:srgbClr val="343A40"/>
                 </a:solidFill>
@@ -13363,7 +13713,7 @@
           </a:p>
           <a:p>
             <a:pPr>
-              <a:defRPr sz="1100">
+              <a:defRPr sz="1000">
                 <a:solidFill>
                   <a:srgbClr val="343A40"/>
                 </a:solidFill>
@@ -13377,14 +13727,14 @@
       </p:sp>
       <p:sp>
         <p:nvSpPr>
-          <p:cNvPr id="11" name="TextBox 10"/>
-          <p:cNvSpPr txBox="1"/>
-          <p:nvPr/>
-        </p:nvSpPr>
-        <p:spPr>
-          <a:xfrm>
-            <a:off x="320040" y="3794760"/>
-            <a:ext cx="2651760" cy="1280160"/>
+          <p:cNvPr id="12" name="TextBox 11"/>
+          <p:cNvSpPr txBox="1"/>
+          <p:nvPr/>
+        </p:nvSpPr>
+        <p:spPr>
+          <a:xfrm>
+            <a:off x="301752" y="4114800"/>
+            <a:ext cx="2688336" cy="1188720"/>
           </a:xfrm>
           <a:prstGeom prst="rect">
             <a:avLst/>
@@ -13398,7 +13748,7 @@
           <a:lstStyle/>
           <a:p>
             <a:pPr>
-              <a:defRPr sz="1100" b="1">
+              <a:defRPr sz="1000" b="1">
                 <a:solidFill>
                   <a:srgbClr val="343A40"/>
                 </a:solidFill>
@@ -13410,7 +13760,7 @@
           </a:p>
           <a:p>
             <a:pPr>
-              <a:defRPr sz="1100" i="1">
+              <a:defRPr sz="1000" i="1">
                 <a:solidFill>
                   <a:srgbClr val="343A40"/>
                 </a:solidFill>
@@ -13424,14 +13774,14 @@
       </p:sp>
       <p:sp>
         <p:nvSpPr>
-          <p:cNvPr id="12" name="Rounded Rectangle 11"/>
+          <p:cNvPr id="13" name="Rounded Rectangle 12"/>
           <p:cNvSpPr/>
           <p:nvPr/>
         </p:nvSpPr>
         <p:spPr>
           <a:xfrm>
-            <a:off x="3154680" y="1463040"/>
-            <a:ext cx="2834640" cy="5029200"/>
+            <a:off x="3154680" y="1920240"/>
+            <a:ext cx="2834640" cy="4754880"/>
           </a:xfrm>
           <a:prstGeom prst="roundRect">
             <a:avLst/>
@@ -13469,14 +13819,14 @@
       </p:sp>
       <p:sp>
         <p:nvSpPr>
-          <p:cNvPr id="13" name="Rectangle 12"/>
+          <p:cNvPr id="14" name="Rectangle 13"/>
           <p:cNvSpPr/>
           <p:nvPr/>
         </p:nvSpPr>
         <p:spPr>
           <a:xfrm>
-            <a:off x="3154680" y="1463040"/>
-            <a:ext cx="2834640" cy="457200"/>
+            <a:off x="3154680" y="1920240"/>
+            <a:ext cx="2834640" cy="411480"/>
           </a:xfrm>
           <a:prstGeom prst="rect">
             <a:avLst/>
@@ -13512,13 +13862,13 @@
       </p:sp>
       <p:sp>
         <p:nvSpPr>
-          <p:cNvPr id="14" name="TextBox 13"/>
-          <p:cNvSpPr txBox="1"/>
-          <p:nvPr/>
-        </p:nvSpPr>
-        <p:spPr>
-          <a:xfrm>
-            <a:off x="3154680" y="1508760"/>
+          <p:cNvPr id="15" name="TextBox 14"/>
+          <p:cNvSpPr txBox="1"/>
+          <p:nvPr/>
+        </p:nvSpPr>
+        <p:spPr>
+          <a:xfrm>
+            <a:off x="3154680" y="1947672"/>
             <a:ext cx="2834640" cy="365760"/>
           </a:xfrm>
           <a:prstGeom prst="rect">
@@ -13533,7 +13883,7 @@
           <a:lstStyle/>
           <a:p>
             <a:pPr algn="ctr">
-              <a:defRPr sz="1400" b="1">
+              <a:defRPr sz="1300" b="1">
                 <a:solidFill>
                   <a:srgbClr val="FFFFFF"/>
                 </a:solidFill>
@@ -13547,14 +13897,14 @@
       </p:sp>
       <p:sp>
         <p:nvSpPr>
-          <p:cNvPr id="15" name="TextBox 14"/>
-          <p:cNvSpPr txBox="1"/>
-          <p:nvPr/>
-        </p:nvSpPr>
-        <p:spPr>
-          <a:xfrm>
-            <a:off x="3246120" y="1965960"/>
-            <a:ext cx="2651760" cy="731520"/>
+          <p:cNvPr id="16" name="TextBox 15"/>
+          <p:cNvSpPr txBox="1"/>
+          <p:nvPr/>
+        </p:nvSpPr>
+        <p:spPr>
+          <a:xfrm>
+            <a:off x="3227832" y="2377440"/>
+            <a:ext cx="2688336" cy="685800"/>
           </a:xfrm>
           <a:prstGeom prst="rect">
             <a:avLst/>
@@ -13568,28 +13918,28 @@
           <a:lstStyle/>
           <a:p>
             <a:pPr>
-              <a:defRPr sz="1100">
-                <a:solidFill>
-                  <a:srgbClr val="343A40"/>
-                </a:solidFill>
-              </a:defRPr>
-            </a:pPr>
-            <a:r>
-              <a:t>Supplier-Assessments (jährlich), SLA-Monitoring</a:t>
-            </a:r>
-          </a:p>
-        </p:txBody>
-      </p:sp>
-      <p:sp>
-        <p:nvSpPr>
-          <p:cNvPr id="16" name="TextBox 15"/>
-          <p:cNvSpPr txBox="1"/>
-          <p:nvPr/>
-        </p:nvSpPr>
-        <p:spPr>
-          <a:xfrm>
-            <a:off x="3246120" y="2697480"/>
-            <a:ext cx="2651760" cy="548640"/>
+              <a:defRPr sz="1000">
+                <a:solidFill>
+                  <a:srgbClr val="343A40"/>
+                </a:solidFill>
+              </a:defRPr>
+            </a:pPr>
+            <a:r>
+              <a:t>Besser: Jährliche Sicherheitsbewertung aller wichtigen Lieferanten, Überwachung der Leistungsversprechen.</a:t>
+            </a:r>
+          </a:p>
+        </p:txBody>
+      </p:sp>
+      <p:sp>
+        <p:nvSpPr>
+          <p:cNvPr id="17" name="TextBox 16"/>
+          <p:cNvSpPr txBox="1"/>
+          <p:nvPr/>
+        </p:nvSpPr>
+        <p:spPr>
+          <a:xfrm>
+            <a:off x="3227832" y="3108960"/>
+            <a:ext cx="2688336" cy="502920"/>
           </a:xfrm>
           <a:prstGeom prst="rect">
             <a:avLst/>
@@ -13603,20 +13953,20 @@
           <a:lstStyle/>
           <a:p>
             <a:pPr>
+              <a:defRPr sz="1000" b="1">
+                <a:solidFill>
+                  <a:srgbClr val="343A40"/>
+                </a:solidFill>
+              </a:defRPr>
+            </a:pPr>
+            <a:r>
+              <a:t>CIA-Beitrag:</a:t>
+            </a:r>
+          </a:p>
+          <a:p>
+            <a:pPr>
               <a:defRPr sz="1100" b="1">
                 <a:solidFill>
-                  <a:srgbClr val="343A40"/>
-                </a:solidFill>
-              </a:defRPr>
-            </a:pPr>
-            <a:r>
-              <a:t>CIA-Beitrag:</a:t>
-            </a:r>
-          </a:p>
-          <a:p>
-            <a:pPr>
-              <a:defRPr sz="1200" b="1">
-                <a:solidFill>
                   <a:srgbClr val="007AC2"/>
                 </a:solidFill>
               </a:defRPr>
@@ -13629,14 +13979,14 @@
       </p:sp>
       <p:sp>
         <p:nvSpPr>
-          <p:cNvPr id="17" name="TextBox 16"/>
-          <p:cNvSpPr txBox="1"/>
-          <p:nvPr/>
-        </p:nvSpPr>
-        <p:spPr>
-          <a:xfrm>
-            <a:off x="3246120" y="3246120"/>
-            <a:ext cx="2651760" cy="548640"/>
+          <p:cNvPr id="18" name="TextBox 17"/>
+          <p:cNvSpPr txBox="1"/>
+          <p:nvPr/>
+        </p:nvSpPr>
+        <p:spPr>
+          <a:xfrm>
+            <a:off x="3227832" y="3611880"/>
+            <a:ext cx="2688336" cy="502920"/>
           </a:xfrm>
           <a:prstGeom prst="rect">
             <a:avLst/>
@@ -13650,7 +14000,7 @@
           <a:lstStyle/>
           <a:p>
             <a:pPr>
-              <a:defRPr sz="1100" b="1">
+              <a:defRPr sz="1000" b="1">
                 <a:solidFill>
                   <a:srgbClr val="343A40"/>
                 </a:solidFill>
@@ -13662,7 +14012,7 @@
           </a:p>
           <a:p>
             <a:pPr>
-              <a:defRPr sz="1100">
+              <a:defRPr sz="1000">
                 <a:solidFill>
                   <a:srgbClr val="343A40"/>
                 </a:solidFill>
@@ -13676,14 +14026,14 @@
       </p:sp>
       <p:sp>
         <p:nvSpPr>
-          <p:cNvPr id="18" name="TextBox 17"/>
-          <p:cNvSpPr txBox="1"/>
-          <p:nvPr/>
-        </p:nvSpPr>
-        <p:spPr>
-          <a:xfrm>
-            <a:off x="3246120" y="3794760"/>
-            <a:ext cx="2651760" cy="1280160"/>
+          <p:cNvPr id="19" name="TextBox 18"/>
+          <p:cNvSpPr txBox="1"/>
+          <p:nvPr/>
+        </p:nvSpPr>
+        <p:spPr>
+          <a:xfrm>
+            <a:off x="3227832" y="4114800"/>
+            <a:ext cx="2688336" cy="1188720"/>
           </a:xfrm>
           <a:prstGeom prst="rect">
             <a:avLst/>
@@ -13697,7 +14047,7 @@
           <a:lstStyle/>
           <a:p>
             <a:pPr>
-              <a:defRPr sz="1100" b="1">
+              <a:defRPr sz="1000" b="1">
                 <a:solidFill>
                   <a:srgbClr val="343A40"/>
                 </a:solidFill>
@@ -13709,7 +14059,7 @@
           </a:p>
           <a:p>
             <a:pPr>
-              <a:defRPr sz="1100">
+              <a:defRPr sz="1000">
                 <a:solidFill>
                   <a:srgbClr val="00994C"/>
                 </a:solidFill>
@@ -13721,7 +14071,7 @@
           </a:p>
           <a:p>
             <a:pPr>
-              <a:defRPr sz="1100">
+              <a:defRPr sz="1000">
                 <a:solidFill>
                   <a:srgbClr val="00994C"/>
                 </a:solidFill>
@@ -13735,14 +14085,14 @@
       </p:sp>
       <p:sp>
         <p:nvSpPr>
-          <p:cNvPr id="19" name="Rounded Rectangle 18"/>
+          <p:cNvPr id="20" name="Rounded Rectangle 19"/>
           <p:cNvSpPr/>
           <p:nvPr/>
         </p:nvSpPr>
         <p:spPr>
           <a:xfrm>
-            <a:off x="6080760" y="1463040"/>
-            <a:ext cx="2834640" cy="5029200"/>
+            <a:off x="6080760" y="1920240"/>
+            <a:ext cx="2834640" cy="4754880"/>
           </a:xfrm>
           <a:prstGeom prst="roundRect">
             <a:avLst/>
@@ -13780,14 +14130,14 @@
       </p:sp>
       <p:sp>
         <p:nvSpPr>
-          <p:cNvPr id="20" name="Rectangle 19"/>
+          <p:cNvPr id="21" name="Rectangle 20"/>
           <p:cNvSpPr/>
           <p:nvPr/>
         </p:nvSpPr>
         <p:spPr>
           <a:xfrm>
-            <a:off x="6080760" y="1463040"/>
-            <a:ext cx="2834640" cy="457200"/>
+            <a:off x="6080760" y="1920240"/>
+            <a:ext cx="2834640" cy="411480"/>
           </a:xfrm>
           <a:prstGeom prst="rect">
             <a:avLst/>
@@ -13823,13 +14173,13 @@
       </p:sp>
       <p:sp>
         <p:nvSpPr>
-          <p:cNvPr id="21" name="TextBox 20"/>
-          <p:cNvSpPr txBox="1"/>
-          <p:nvPr/>
-        </p:nvSpPr>
-        <p:spPr>
-          <a:xfrm>
-            <a:off x="6080760" y="1508760"/>
+          <p:cNvPr id="22" name="TextBox 21"/>
+          <p:cNvSpPr txBox="1"/>
+          <p:nvPr/>
+        </p:nvSpPr>
+        <p:spPr>
+          <a:xfrm>
+            <a:off x="6080760" y="1947672"/>
             <a:ext cx="2834640" cy="365760"/>
           </a:xfrm>
           <a:prstGeom prst="rect">
@@ -13844,7 +14194,7 @@
           <a:lstStyle/>
           <a:p>
             <a:pPr algn="ctr">
-              <a:defRPr sz="1400" b="1">
+              <a:defRPr sz="1300" b="1">
                 <a:solidFill>
                   <a:srgbClr val="FFFFFF"/>
                 </a:solidFill>
@@ -13858,14 +14208,14 @@
       </p:sp>
       <p:sp>
         <p:nvSpPr>
-          <p:cNvPr id="22" name="TextBox 21"/>
-          <p:cNvSpPr txBox="1"/>
-          <p:nvPr/>
-        </p:nvSpPr>
-        <p:spPr>
-          <a:xfrm>
-            <a:off x="6172200" y="1965960"/>
-            <a:ext cx="2651760" cy="731520"/>
+          <p:cNvPr id="23" name="TextBox 22"/>
+          <p:cNvSpPr txBox="1"/>
+          <p:nvPr/>
+        </p:nvSpPr>
+        <p:spPr>
+          <a:xfrm>
+            <a:off x="6153912" y="2377440"/>
+            <a:ext cx="2688336" cy="685800"/>
           </a:xfrm>
           <a:prstGeom prst="rect">
             <a:avLst/>
@@ -13879,28 +14229,28 @@
           <a:lstStyle/>
           <a:p>
             <a:pPr>
-              <a:defRPr sz="1100">
-                <a:solidFill>
-                  <a:srgbClr val="343A40"/>
-                </a:solidFill>
-              </a:defRPr>
-            </a:pPr>
-            <a:r>
-              <a:t>Continuous Monitoring, Dual-Sourcing, Escrow-Verträge</a:t>
-            </a:r>
-          </a:p>
-        </p:txBody>
-      </p:sp>
-      <p:sp>
-        <p:nvSpPr>
-          <p:cNvPr id="23" name="TextBox 22"/>
-          <p:cNvSpPr txBox="1"/>
-          <p:nvPr/>
-        </p:nvSpPr>
-        <p:spPr>
-          <a:xfrm>
-            <a:off x="6172200" y="2697480"/>
-            <a:ext cx="2651760" cy="548640"/>
+              <a:defRPr sz="1000">
+                <a:solidFill>
+                  <a:srgbClr val="343A40"/>
+                </a:solidFill>
+              </a:defRPr>
+            </a:pPr>
+            <a:r>
+              <a:t>Premium: Kontinuierliche Überwachung, Backup-Lieferanten für kritische Teile, Schutz bei Lieferanten-Insolvenz.</a:t>
+            </a:r>
+          </a:p>
+        </p:txBody>
+      </p:sp>
+      <p:sp>
+        <p:nvSpPr>
+          <p:cNvPr id="24" name="TextBox 23"/>
+          <p:cNvSpPr txBox="1"/>
+          <p:nvPr/>
+        </p:nvSpPr>
+        <p:spPr>
+          <a:xfrm>
+            <a:off x="6153912" y="3108960"/>
+            <a:ext cx="2688336" cy="502920"/>
           </a:xfrm>
           <a:prstGeom prst="rect">
             <a:avLst/>
@@ -13914,20 +14264,20 @@
           <a:lstStyle/>
           <a:p>
             <a:pPr>
+              <a:defRPr sz="1000" b="1">
+                <a:solidFill>
+                  <a:srgbClr val="343A40"/>
+                </a:solidFill>
+              </a:defRPr>
+            </a:pPr>
+            <a:r>
+              <a:t>CIA-Beitrag:</a:t>
+            </a:r>
+          </a:p>
+          <a:p>
+            <a:pPr>
               <a:defRPr sz="1100" b="1">
                 <a:solidFill>
-                  <a:srgbClr val="343A40"/>
-                </a:solidFill>
-              </a:defRPr>
-            </a:pPr>
-            <a:r>
-              <a:t>CIA-Beitrag:</a:t>
-            </a:r>
-          </a:p>
-          <a:p>
-            <a:pPr>
-              <a:defRPr sz="1200" b="1">
-                <a:solidFill>
                   <a:srgbClr val="007AC2"/>
                 </a:solidFill>
               </a:defRPr>
@@ -13940,14 +14290,14 @@
       </p:sp>
       <p:sp>
         <p:nvSpPr>
-          <p:cNvPr id="24" name="TextBox 23"/>
-          <p:cNvSpPr txBox="1"/>
-          <p:nvPr/>
-        </p:nvSpPr>
-        <p:spPr>
-          <a:xfrm>
-            <a:off x="6172200" y="3246120"/>
-            <a:ext cx="2651760" cy="548640"/>
+          <p:cNvPr id="25" name="TextBox 24"/>
+          <p:cNvSpPr txBox="1"/>
+          <p:nvPr/>
+        </p:nvSpPr>
+        <p:spPr>
+          <a:xfrm>
+            <a:off x="6153912" y="3611880"/>
+            <a:ext cx="2688336" cy="502920"/>
           </a:xfrm>
           <a:prstGeom prst="rect">
             <a:avLst/>
@@ -13961,7 +14311,7 @@
           <a:lstStyle/>
           <a:p>
             <a:pPr>
-              <a:defRPr sz="1100" b="1">
+              <a:defRPr sz="1000" b="1">
                 <a:solidFill>
                   <a:srgbClr val="343A40"/>
                 </a:solidFill>
@@ -13973,7 +14323,7 @@
           </a:p>
           <a:p>
             <a:pPr>
-              <a:defRPr sz="1100">
+              <a:defRPr sz="1000">
                 <a:solidFill>
                   <a:srgbClr val="343A40"/>
                 </a:solidFill>
@@ -13987,14 +14337,14 @@
       </p:sp>
       <p:sp>
         <p:nvSpPr>
-          <p:cNvPr id="25" name="TextBox 24"/>
-          <p:cNvSpPr txBox="1"/>
-          <p:nvPr/>
-        </p:nvSpPr>
-        <p:spPr>
-          <a:xfrm>
-            <a:off x="6172200" y="3794760"/>
-            <a:ext cx="2651760" cy="1280160"/>
+          <p:cNvPr id="26" name="TextBox 25"/>
+          <p:cNvSpPr txBox="1"/>
+          <p:nvPr/>
+        </p:nvSpPr>
+        <p:spPr>
+          <a:xfrm>
+            <a:off x="6153912" y="4114800"/>
+            <a:ext cx="2688336" cy="1188720"/>
           </a:xfrm>
           <a:prstGeom prst="rect">
             <a:avLst/>
@@ -14008,7 +14358,7 @@
           <a:lstStyle/>
           <a:p>
             <a:pPr>
-              <a:defRPr sz="1100" b="1">
+              <a:defRPr sz="1000" b="1">
                 <a:solidFill>
                   <a:srgbClr val="343A40"/>
                 </a:solidFill>
@@ -14020,7 +14370,7 @@
           </a:p>
           <a:p>
             <a:pPr>
-              <a:defRPr sz="1100">
+              <a:defRPr sz="1000">
                 <a:solidFill>
                   <a:srgbClr val="00994C"/>
                 </a:solidFill>
@@ -14032,7 +14382,7 @@
           </a:p>
           <a:p>
             <a:pPr>
-              <a:defRPr sz="1100">
+              <a:defRPr sz="1000">
                 <a:solidFill>
                   <a:srgbClr val="00994C"/>
                 </a:solidFill>

--- a/pptx_output/Massnahmenkarten.pptx
+++ b/pptx_output/Massnahmenkarten.pptx
@@ -4266,14 +4266,14 @@
           </a:p>
           <a:p>
             <a:pPr>
-              <a:defRPr sz="1000">
-                <a:solidFill>
-                  <a:srgbClr val="00994C"/>
-                </a:solidFill>
-              </a:defRPr>
-            </a:pPr>
-            <a:r>
-              <a:t>• Exfiltration: -1</a:t>
+              <a:defRPr sz="1000" i="1">
+                <a:solidFill>
+                  <a:srgbClr val="343A40"/>
+                </a:solidFill>
+              </a:defRPr>
+            </a:pPr>
+            <a:r>
+              <a:t>• Keine direkte Wirkung</a:t>
             </a:r>
           </a:p>
         </p:txBody>
@@ -5030,14 +5030,14 @@
           </a:p>
           <a:p>
             <a:pPr>
-              <a:defRPr sz="1000">
-                <a:solidFill>
-                  <a:srgbClr val="00994C"/>
-                </a:solidFill>
-              </a:defRPr>
-            </a:pPr>
-            <a:r>
-              <a:t>• Ransomware: -1</a:t>
+              <a:defRPr sz="1000" i="1">
+                <a:solidFill>
+                  <a:srgbClr val="343A40"/>
+                </a:solidFill>
+              </a:defRPr>
+            </a:pPr>
+            <a:r>
+              <a:t>• Keine direkte Wirkung</a:t>
             </a:r>
           </a:p>
         </p:txBody>
@@ -5329,14 +5329,14 @@
           </a:p>
           <a:p>
             <a:pPr>
-              <a:defRPr sz="1000">
-                <a:solidFill>
-                  <a:srgbClr val="00994C"/>
-                </a:solidFill>
-              </a:defRPr>
-            </a:pPr>
-            <a:r>
-              <a:t>• Ransomware: -1</a:t>
+              <a:defRPr sz="1000" i="1">
+                <a:solidFill>
+                  <a:srgbClr val="343A40"/>
+                </a:solidFill>
+              </a:defRPr>
+            </a:pPr>
+            <a:r>
+              <a:t>• Keine direkte Wirkung</a:t>
             </a:r>
           </a:p>
         </p:txBody>
@@ -5794,26 +5794,14 @@
           </a:p>
           <a:p>
             <a:pPr>
-              <a:defRPr sz="1000">
-                <a:solidFill>
-                  <a:srgbClr val="00994C"/>
-                </a:solidFill>
-              </a:defRPr>
-            </a:pPr>
-            <a:r>
-              <a:t>• Ransomware: -1</a:t>
-            </a:r>
-          </a:p>
-          <a:p>
-            <a:pPr>
-              <a:defRPr sz="1000">
-                <a:solidFill>
-                  <a:srgbClr val="00994C"/>
-                </a:solidFill>
-              </a:defRPr>
-            </a:pPr>
-            <a:r>
-              <a:t>• Exfiltration: -1</a:t>
+              <a:defRPr sz="1000" i="1">
+                <a:solidFill>
+                  <a:srgbClr val="343A40"/>
+                </a:solidFill>
+              </a:defRPr>
+            </a:pPr>
+            <a:r>
+              <a:t>• Keine direkte Wirkung</a:t>
             </a:r>
           </a:p>
         </p:txBody>
@@ -6129,26 +6117,14 @@
           </a:p>
           <a:p>
             <a:pPr>
-              <a:defRPr sz="1000">
-                <a:solidFill>
-                  <a:srgbClr val="00994C"/>
-                </a:solidFill>
-              </a:defRPr>
-            </a:pPr>
-            <a:r>
-              <a:t>• Ransomware: -2</a:t>
-            </a:r>
-          </a:p>
-          <a:p>
-            <a:pPr>
-              <a:defRPr sz="1000">
-                <a:solidFill>
-                  <a:srgbClr val="00994C"/>
-                </a:solidFill>
-              </a:defRPr>
-            </a:pPr>
-            <a:r>
-              <a:t>• Exfiltration: -2</a:t>
+              <a:defRPr sz="1000" i="1">
+                <a:solidFill>
+                  <a:srgbClr val="343A40"/>
+                </a:solidFill>
+              </a:defRPr>
+            </a:pPr>
+            <a:r>
+              <a:t>• Keine direkte Wirkung</a:t>
             </a:r>
           </a:p>
         </p:txBody>
@@ -6464,26 +6440,14 @@
           </a:p>
           <a:p>
             <a:pPr>
-              <a:defRPr sz="1000">
-                <a:solidFill>
-                  <a:srgbClr val="00994C"/>
-                </a:solidFill>
-              </a:defRPr>
-            </a:pPr>
-            <a:r>
-              <a:t>• Ransomware: -3</a:t>
-            </a:r>
-          </a:p>
-          <a:p>
-            <a:pPr>
-              <a:defRPr sz="1000">
-                <a:solidFill>
-                  <a:srgbClr val="00994C"/>
-                </a:solidFill>
-              </a:defRPr>
-            </a:pPr>
-            <a:r>
-              <a:t>• Exfiltration: -4</a:t>
+              <a:defRPr sz="1000" i="1">
+                <a:solidFill>
+                  <a:srgbClr val="343A40"/>
+                </a:solidFill>
+              </a:defRPr>
+            </a:pPr>
+            <a:r>
+              <a:t>• Keine direkte Wirkung</a:t>
             </a:r>
           </a:p>
         </p:txBody>
@@ -6976,26 +6940,14 @@
           </a:p>
           <a:p>
             <a:pPr>
-              <a:defRPr sz="1000">
-                <a:solidFill>
-                  <a:srgbClr val="00994C"/>
-                </a:solidFill>
-              </a:defRPr>
-            </a:pPr>
-            <a:r>
-              <a:t>• Ransomware: -1</a:t>
-            </a:r>
-          </a:p>
-          <a:p>
-            <a:pPr>
-              <a:defRPr sz="1000">
-                <a:solidFill>
-                  <a:srgbClr val="00994C"/>
-                </a:solidFill>
-              </a:defRPr>
-            </a:pPr>
-            <a:r>
-              <a:t>• Exfiltration: -1</a:t>
+              <a:defRPr sz="1000" i="1">
+                <a:solidFill>
+                  <a:srgbClr val="343A40"/>
+                </a:solidFill>
+              </a:defRPr>
+            </a:pPr>
+            <a:r>
+              <a:t>• Keine direkte Wirkung</a:t>
             </a:r>
           </a:p>
         </p:txBody>
@@ -7287,38 +7239,14 @@
           </a:p>
           <a:p>
             <a:pPr>
-              <a:defRPr sz="1000">
-                <a:solidFill>
-                  <a:srgbClr val="00994C"/>
-                </a:solidFill>
-              </a:defRPr>
-            </a:pPr>
-            <a:r>
-              <a:t>• Ransomware: -2</a:t>
-            </a:r>
-          </a:p>
-          <a:p>
-            <a:pPr>
-              <a:defRPr sz="1000">
-                <a:solidFill>
-                  <a:srgbClr val="00994C"/>
-                </a:solidFill>
-              </a:defRPr>
-            </a:pPr>
-            <a:r>
-              <a:t>• OT-Störung: -1</a:t>
-            </a:r>
-          </a:p>
-          <a:p>
-            <a:pPr>
-              <a:defRPr sz="1000">
-                <a:solidFill>
-                  <a:srgbClr val="00994C"/>
-                </a:solidFill>
-              </a:defRPr>
-            </a:pPr>
-            <a:r>
-              <a:t>• Exfiltration: -2</a:t>
+              <a:defRPr sz="1000" i="1">
+                <a:solidFill>
+                  <a:srgbClr val="343A40"/>
+                </a:solidFill>
+              </a:defRPr>
+            </a:pPr>
+            <a:r>
+              <a:t>• Keine direkte Wirkung</a:t>
             </a:r>
           </a:p>
         </p:txBody>
@@ -7610,38 +7538,14 @@
           </a:p>
           <a:p>
             <a:pPr>
-              <a:defRPr sz="1000">
-                <a:solidFill>
-                  <a:srgbClr val="00994C"/>
-                </a:solidFill>
-              </a:defRPr>
-            </a:pPr>
-            <a:r>
-              <a:t>• Ransomware: -3</a:t>
-            </a:r>
-          </a:p>
-          <a:p>
-            <a:pPr>
-              <a:defRPr sz="1000">
-                <a:solidFill>
-                  <a:srgbClr val="00994C"/>
-                </a:solidFill>
-              </a:defRPr>
-            </a:pPr>
-            <a:r>
-              <a:t>• OT-Störung: -2</a:t>
-            </a:r>
-          </a:p>
-          <a:p>
-            <a:pPr>
-              <a:defRPr sz="1000">
-                <a:solidFill>
-                  <a:srgbClr val="00994C"/>
-                </a:solidFill>
-              </a:defRPr>
-            </a:pPr>
-            <a:r>
-              <a:t>• Exfiltration: -4</a:t>
+              <a:defRPr sz="1000" i="1">
+                <a:solidFill>
+                  <a:srgbClr val="343A40"/>
+                </a:solidFill>
+              </a:defRPr>
+            </a:pPr>
+            <a:r>
+              <a:t>• Keine direkte Wirkung</a:t>
             </a:r>
           </a:p>
         </p:txBody>
@@ -8099,26 +8003,14 @@
           </a:p>
           <a:p>
             <a:pPr>
-              <a:defRPr sz="1000">
-                <a:solidFill>
-                  <a:srgbClr val="00994C"/>
-                </a:solidFill>
-              </a:defRPr>
-            </a:pPr>
-            <a:r>
-              <a:t>• Ransomware: -2</a:t>
-            </a:r>
-          </a:p>
-          <a:p>
-            <a:pPr>
-              <a:defRPr sz="1000">
-                <a:solidFill>
-                  <a:srgbClr val="00994C"/>
-                </a:solidFill>
-              </a:defRPr>
-            </a:pPr>
-            <a:r>
-              <a:t>• Exfiltration: -1</a:t>
+              <a:defRPr sz="1000" i="1">
+                <a:solidFill>
+                  <a:srgbClr val="343A40"/>
+                </a:solidFill>
+              </a:defRPr>
+            </a:pPr>
+            <a:r>
+              <a:t>• Keine direkte Wirkung</a:t>
             </a:r>
           </a:p>
         </p:txBody>
@@ -8434,26 +8326,14 @@
           </a:p>
           <a:p>
             <a:pPr>
-              <a:defRPr sz="1000">
-                <a:solidFill>
-                  <a:srgbClr val="00994C"/>
-                </a:solidFill>
-              </a:defRPr>
-            </a:pPr>
-            <a:r>
-              <a:t>• Ransomware: -3</a:t>
-            </a:r>
-          </a:p>
-          <a:p>
-            <a:pPr>
-              <a:defRPr sz="1000">
-                <a:solidFill>
-                  <a:srgbClr val="00994C"/>
-                </a:solidFill>
-              </a:defRPr>
-            </a:pPr>
-            <a:r>
-              <a:t>• Exfiltration: -2</a:t>
+              <a:defRPr sz="1000" i="1">
+                <a:solidFill>
+                  <a:srgbClr val="343A40"/>
+                </a:solidFill>
+              </a:defRPr>
+            </a:pPr>
+            <a:r>
+              <a:t>• Keine direkte Wirkung</a:t>
             </a:r>
           </a:p>
         </p:txBody>
@@ -8769,26 +8649,14 @@
           </a:p>
           <a:p>
             <a:pPr>
-              <a:defRPr sz="1000">
-                <a:solidFill>
-                  <a:srgbClr val="00994C"/>
-                </a:solidFill>
-              </a:defRPr>
-            </a:pPr>
-            <a:r>
-              <a:t>• Ransomware: -5</a:t>
-            </a:r>
-          </a:p>
-          <a:p>
-            <a:pPr>
-              <a:defRPr sz="1000">
-                <a:solidFill>
-                  <a:srgbClr val="00994C"/>
-                </a:solidFill>
-              </a:defRPr>
-            </a:pPr>
-            <a:r>
-              <a:t>• Exfiltration: -3</a:t>
+              <a:defRPr sz="1000" i="1">
+                <a:solidFill>
+                  <a:srgbClr val="343A40"/>
+                </a:solidFill>
+              </a:defRPr>
+            </a:pPr>
+            <a:r>
+              <a:t>• Keine direkte Wirkung</a:t>
             </a:r>
           </a:p>
         </p:txBody>
@@ -9281,14 +9149,14 @@
           </a:p>
           <a:p>
             <a:pPr>
-              <a:defRPr sz="1000">
-                <a:solidFill>
-                  <a:srgbClr val="00994C"/>
-                </a:solidFill>
-              </a:defRPr>
-            </a:pPr>
-            <a:r>
-              <a:t>• Ransomware: -1</a:t>
+              <a:defRPr sz="1000" i="1">
+                <a:solidFill>
+                  <a:srgbClr val="343A40"/>
+                </a:solidFill>
+              </a:defRPr>
+            </a:pPr>
+            <a:r>
+              <a:t>• Keine direkte Wirkung</a:t>
             </a:r>
           </a:p>
           <a:p>
@@ -9592,26 +9460,14 @@
           </a:p>
           <a:p>
             <a:pPr>
-              <a:defRPr sz="1000">
-                <a:solidFill>
-                  <a:srgbClr val="00994C"/>
-                </a:solidFill>
-              </a:defRPr>
-            </a:pPr>
-            <a:r>
-              <a:t>• Ransomware: -2</a:t>
-            </a:r>
-          </a:p>
-          <a:p>
-            <a:pPr>
-              <a:defRPr sz="1000">
-                <a:solidFill>
-                  <a:srgbClr val="00994C"/>
-                </a:solidFill>
-              </a:defRPr>
-            </a:pPr>
-            <a:r>
-              <a:t>• OT-Störung: -1</a:t>
+              <a:defRPr sz="1000" i="1">
+                <a:solidFill>
+                  <a:srgbClr val="343A40"/>
+                </a:solidFill>
+              </a:defRPr>
+            </a:pPr>
+            <a:r>
+              <a:t>• Keine direkte Wirkung</a:t>
             </a:r>
           </a:p>
           <a:p>
@@ -9915,26 +9771,14 @@
           </a:p>
           <a:p>
             <a:pPr>
-              <a:defRPr sz="1000">
-                <a:solidFill>
-                  <a:srgbClr val="00994C"/>
-                </a:solidFill>
-              </a:defRPr>
-            </a:pPr>
-            <a:r>
-              <a:t>• Ransomware: -5</a:t>
-            </a:r>
-          </a:p>
-          <a:p>
-            <a:pPr>
-              <a:defRPr sz="1000">
-                <a:solidFill>
-                  <a:srgbClr val="00994C"/>
-                </a:solidFill>
-              </a:defRPr>
-            </a:pPr>
-            <a:r>
-              <a:t>• OT-Störung: -2</a:t>
+              <a:defRPr sz="1000" i="1">
+                <a:solidFill>
+                  <a:srgbClr val="343A40"/>
+                </a:solidFill>
+              </a:defRPr>
+            </a:pPr>
+            <a:r>
+              <a:t>• Keine direkte Wirkung</a:t>
             </a:r>
           </a:p>
           <a:p>
@@ -10404,14 +10248,14 @@
           </a:p>
           <a:p>
             <a:pPr>
-              <a:defRPr sz="1000">
-                <a:solidFill>
-                  <a:srgbClr val="00994C"/>
-                </a:solidFill>
-              </a:defRPr>
-            </a:pPr>
-            <a:r>
-              <a:t>• OT-Störung: -1</a:t>
+              <a:defRPr sz="1000" i="1">
+                <a:solidFill>
+                  <a:srgbClr val="343A40"/>
+                </a:solidFill>
+              </a:defRPr>
+            </a:pPr>
+            <a:r>
+              <a:t>• Keine direkte Wirkung</a:t>
             </a:r>
           </a:p>
         </p:txBody>
@@ -10703,26 +10547,14 @@
           </a:p>
           <a:p>
             <a:pPr>
-              <a:defRPr sz="1000">
-                <a:solidFill>
-                  <a:srgbClr val="00994C"/>
-                </a:solidFill>
-              </a:defRPr>
-            </a:pPr>
-            <a:r>
-              <a:t>• Ransomware: -1</a:t>
-            </a:r>
-          </a:p>
-          <a:p>
-            <a:pPr>
-              <a:defRPr sz="1000">
-                <a:solidFill>
-                  <a:srgbClr val="00994C"/>
-                </a:solidFill>
-              </a:defRPr>
-            </a:pPr>
-            <a:r>
-              <a:t>• OT-Störung: -5</a:t>
+              <a:defRPr sz="1000" i="1">
+                <a:solidFill>
+                  <a:srgbClr val="343A40"/>
+                </a:solidFill>
+              </a:defRPr>
+            </a:pPr>
+            <a:r>
+              <a:t>• Keine direkte Wirkung</a:t>
             </a:r>
           </a:p>
         </p:txBody>
@@ -11014,26 +10846,14 @@
           </a:p>
           <a:p>
             <a:pPr>
-              <a:defRPr sz="1000">
-                <a:solidFill>
-                  <a:srgbClr val="00994C"/>
-                </a:solidFill>
-              </a:defRPr>
-            </a:pPr>
-            <a:r>
-              <a:t>• Ransomware: -2</a:t>
-            </a:r>
-          </a:p>
-          <a:p>
-            <a:pPr>
-              <a:defRPr sz="1000">
-                <a:solidFill>
-                  <a:srgbClr val="00994C"/>
-                </a:solidFill>
-              </a:defRPr>
-            </a:pPr>
-            <a:r>
-              <a:t>• OT-Störung: -7</a:t>
+              <a:defRPr sz="1000" i="1">
+                <a:solidFill>
+                  <a:srgbClr val="343A40"/>
+                </a:solidFill>
+              </a:defRPr>
+            </a:pPr>
+            <a:r>
+              <a:t>• Keine direkte Wirkung</a:t>
             </a:r>
           </a:p>
         </p:txBody>
@@ -11491,14 +11311,14 @@
           </a:p>
           <a:p>
             <a:pPr>
-              <a:defRPr sz="1000">
-                <a:solidFill>
-                  <a:srgbClr val="00994C"/>
-                </a:solidFill>
-              </a:defRPr>
-            </a:pPr>
-            <a:r>
-              <a:t>• Ransomware: -1</a:t>
+              <a:defRPr sz="1000" i="1">
+                <a:solidFill>
+                  <a:srgbClr val="343A40"/>
+                </a:solidFill>
+              </a:defRPr>
+            </a:pPr>
+            <a:r>
+              <a:t>• Keine direkte Wirkung</a:t>
             </a:r>
           </a:p>
         </p:txBody>
@@ -11790,14 +11610,14 @@
           </a:p>
           <a:p>
             <a:pPr>
-              <a:defRPr sz="1000">
-                <a:solidFill>
-                  <a:srgbClr val="00994C"/>
-                </a:solidFill>
-              </a:defRPr>
-            </a:pPr>
-            <a:r>
-              <a:t>• Ransomware: -4</a:t>
+              <a:defRPr sz="1000" i="1">
+                <a:solidFill>
+                  <a:srgbClr val="343A40"/>
+                </a:solidFill>
+              </a:defRPr>
+            </a:pPr>
+            <a:r>
+              <a:t>• Keine direkte Wirkung</a:t>
             </a:r>
           </a:p>
         </p:txBody>
@@ -12089,14 +11909,14 @@
           </a:p>
           <a:p>
             <a:pPr>
-              <a:defRPr sz="1000">
-                <a:solidFill>
-                  <a:srgbClr val="00994C"/>
-                </a:solidFill>
-              </a:defRPr>
-            </a:pPr>
-            <a:r>
-              <a:t>• Ransomware: -6</a:t>
+              <a:defRPr sz="1000" i="1">
+                <a:solidFill>
+                  <a:srgbClr val="343A40"/>
+                </a:solidFill>
+              </a:defRPr>
+            </a:pPr>
+            <a:r>
+              <a:t>• Keine direkte Wirkung</a:t>
             </a:r>
           </a:p>
         </p:txBody>
@@ -12554,26 +12374,14 @@
           </a:p>
           <a:p>
             <a:pPr>
-              <a:defRPr sz="1000">
-                <a:solidFill>
-                  <a:srgbClr val="00994C"/>
-                </a:solidFill>
-              </a:defRPr>
-            </a:pPr>
-            <a:r>
-              <a:t>• Ransomware: -1</a:t>
-            </a:r>
-          </a:p>
-          <a:p>
-            <a:pPr>
-              <a:defRPr sz="1000">
-                <a:solidFill>
-                  <a:srgbClr val="00994C"/>
-                </a:solidFill>
-              </a:defRPr>
-            </a:pPr>
-            <a:r>
-              <a:t>• OT-Störung: -1</a:t>
+              <a:defRPr sz="1000" i="1">
+                <a:solidFill>
+                  <a:srgbClr val="343A40"/>
+                </a:solidFill>
+              </a:defRPr>
+            </a:pPr>
+            <a:r>
+              <a:t>• Keine direkte Wirkung</a:t>
             </a:r>
           </a:p>
         </p:txBody>
@@ -12889,38 +12697,14 @@
           </a:p>
           <a:p>
             <a:pPr>
-              <a:defRPr sz="1000">
-                <a:solidFill>
-                  <a:srgbClr val="00994C"/>
-                </a:solidFill>
-              </a:defRPr>
-            </a:pPr>
-            <a:r>
-              <a:t>• Ransomware: -2</a:t>
-            </a:r>
-          </a:p>
-          <a:p>
-            <a:pPr>
-              <a:defRPr sz="1000">
-                <a:solidFill>
-                  <a:srgbClr val="00994C"/>
-                </a:solidFill>
-              </a:defRPr>
-            </a:pPr>
-            <a:r>
-              <a:t>• OT-Störung: -3</a:t>
-            </a:r>
-          </a:p>
-          <a:p>
-            <a:pPr>
-              <a:defRPr sz="1000">
-                <a:solidFill>
-                  <a:srgbClr val="00994C"/>
-                </a:solidFill>
-              </a:defRPr>
-            </a:pPr>
-            <a:r>
-              <a:t>• Exfiltration: -1</a:t>
+              <a:defRPr sz="1000" i="1">
+                <a:solidFill>
+                  <a:srgbClr val="343A40"/>
+                </a:solidFill>
+              </a:defRPr>
+            </a:pPr>
+            <a:r>
+              <a:t>• Keine direkte Wirkung</a:t>
             </a:r>
           </a:p>
         </p:txBody>
@@ -13236,38 +13020,14 @@
           </a:p>
           <a:p>
             <a:pPr>
-              <a:defRPr sz="1000">
-                <a:solidFill>
-                  <a:srgbClr val="00994C"/>
-                </a:solidFill>
-              </a:defRPr>
-            </a:pPr>
-            <a:r>
-              <a:t>• Ransomware: -3</a:t>
-            </a:r>
-          </a:p>
-          <a:p>
-            <a:pPr>
-              <a:defRPr sz="1000">
-                <a:solidFill>
-                  <a:srgbClr val="00994C"/>
-                </a:solidFill>
-              </a:defRPr>
-            </a:pPr>
-            <a:r>
-              <a:t>• OT-Störung: -4</a:t>
-            </a:r>
-          </a:p>
-          <a:p>
-            <a:pPr>
-              <a:defRPr sz="1000">
-                <a:solidFill>
-                  <a:srgbClr val="00994C"/>
-                </a:solidFill>
-              </a:defRPr>
-            </a:pPr>
-            <a:r>
-              <a:t>• Exfiltration: -2</a:t>
+              <a:defRPr sz="1000" i="1">
+                <a:solidFill>
+                  <a:srgbClr val="343A40"/>
+                </a:solidFill>
+              </a:defRPr>
+            </a:pPr>
+            <a:r>
+              <a:t>• Keine direkte Wirkung</a:t>
             </a:r>
           </a:p>
         </p:txBody>
@@ -14059,26 +13819,14 @@
           </a:p>
           <a:p>
             <a:pPr>
-              <a:defRPr sz="1000">
-                <a:solidFill>
-                  <a:srgbClr val="00994C"/>
-                </a:solidFill>
-              </a:defRPr>
-            </a:pPr>
-            <a:r>
-              <a:t>• OT-Störung: -1</a:t>
-            </a:r>
-          </a:p>
-          <a:p>
-            <a:pPr>
-              <a:defRPr sz="1000">
-                <a:solidFill>
-                  <a:srgbClr val="00994C"/>
-                </a:solidFill>
-              </a:defRPr>
-            </a:pPr>
-            <a:r>
-              <a:t>• Exfiltration: -1</a:t>
+              <a:defRPr sz="1000" i="1">
+                <a:solidFill>
+                  <a:srgbClr val="343A40"/>
+                </a:solidFill>
+              </a:defRPr>
+            </a:pPr>
+            <a:r>
+              <a:t>• Keine direkte Wirkung</a:t>
             </a:r>
           </a:p>
         </p:txBody>
@@ -14370,26 +14118,14 @@
           </a:p>
           <a:p>
             <a:pPr>
-              <a:defRPr sz="1000">
-                <a:solidFill>
-                  <a:srgbClr val="00994C"/>
-                </a:solidFill>
-              </a:defRPr>
-            </a:pPr>
-            <a:r>
-              <a:t>• OT-Störung: -2</a:t>
-            </a:r>
-          </a:p>
-          <a:p>
-            <a:pPr>
-              <a:defRPr sz="1000">
-                <a:solidFill>
-                  <a:srgbClr val="00994C"/>
-                </a:solidFill>
-              </a:defRPr>
-            </a:pPr>
-            <a:r>
-              <a:t>• Exfiltration: -3</a:t>
+              <a:defRPr sz="1000" i="1">
+                <a:solidFill>
+                  <a:srgbClr val="343A40"/>
+                </a:solidFill>
+              </a:defRPr>
+            </a:pPr>
+            <a:r>
+              <a:t>• Keine direkte Wirkung</a:t>
             </a:r>
           </a:p>
         </p:txBody>
